--- a/ppt/DataCenter.pptx
+++ b/ppt/DataCenter.pptx
@@ -5,21 +5,20 @@
     <p:sldMasterId id="2147483648" r:id="rId1"/>
   </p:sldMasterIdLst>
   <p:notesMasterIdLst>
-    <p:notesMasterId r:id="rId11"/>
+    <p:notesMasterId r:id="rId10"/>
   </p:notesMasterIdLst>
   <p:handoutMasterIdLst>
-    <p:handoutMasterId r:id="rId12"/>
+    <p:handoutMasterId r:id="rId11"/>
   </p:handoutMasterIdLst>
   <p:sldIdLst>
     <p:sldId id="256" r:id="rId2"/>
     <p:sldId id="257" r:id="rId3"/>
-    <p:sldId id="260" r:id="rId4"/>
-    <p:sldId id="261" r:id="rId5"/>
+    <p:sldId id="261" r:id="rId4"/>
+    <p:sldId id="260" r:id="rId5"/>
     <p:sldId id="262" r:id="rId6"/>
     <p:sldId id="263" r:id="rId7"/>
-    <p:sldId id="265" r:id="rId8"/>
-    <p:sldId id="258" r:id="rId9"/>
-    <p:sldId id="264" r:id="rId10"/>
+    <p:sldId id="258" r:id="rId8"/>
+    <p:sldId id="264" r:id="rId9"/>
   </p:sldIdLst>
   <p:sldSz cx="9144000" cy="6858000" type="screen4x3"/>
   <p:notesSz cx="6858000" cy="9144000"/>
@@ -1138,7 +1137,7 @@
     </p:spTree>
     <p:extLst>
       <p:ext uri="{BB962C8B-B14F-4D97-AF65-F5344CB8AC3E}">
-        <p14:creationId xmlns:p14="http://schemas.microsoft.com/office/powerpoint/2010/main" val="3807054489"/>
+        <p14:creationId xmlns:p14="http://schemas.microsoft.com/office/powerpoint/2010/main" val="3750830665"/>
       </p:ext>
     </p:extLst>
   </p:cSld>
@@ -1235,7 +1234,7 @@
     </p:spTree>
     <p:extLst>
       <p:ext uri="{BB962C8B-B14F-4D97-AF65-F5344CB8AC3E}">
-        <p14:creationId xmlns:p14="http://schemas.microsoft.com/office/powerpoint/2010/main" val="3750830665"/>
+        <p14:creationId xmlns:p14="http://schemas.microsoft.com/office/powerpoint/2010/main" val="3807054489"/>
       </p:ext>
     </p:extLst>
   </p:cSld>
@@ -1458,7 +1457,7 @@
       </p:grpSpPr>
       <p:sp>
         <p:nvSpPr>
-          <p:cNvPr id="8194" name="Rectangle 7"/>
+          <p:cNvPr id="9218" name="Rectangle 7"/>
           <p:cNvSpPr>
             <a:spLocks noGrp="1" noChangeArrowheads="1"/>
           </p:cNvSpPr>
@@ -1478,7 +1477,7 @@
           <a:bodyPr/>
           <a:lstStyle/>
           <a:p>
-            <a:fld id="{75C92C1F-6FF0-447A-BDF4-521C2500444E}" type="slidenum">
+            <a:fld id="{5FA0C9AF-7382-49C7-A053-298CEC473E00}" type="slidenum">
               <a:rPr lang="en-US"/>
               <a:pPr/>
               <a:t>7</a:t>
@@ -1489,7 +1488,7 @@
       </p:sp>
       <p:sp>
         <p:nvSpPr>
-          <p:cNvPr id="8195" name="Rectangle 2"/>
+          <p:cNvPr id="9219" name="Rectangle 2"/>
           <p:cNvSpPr>
             <a:spLocks noGrp="1" noRot="1" noChangeAspect="1" noChangeArrowheads="1" noTextEdit="1"/>
           </p:cNvSpPr>
@@ -1503,7 +1502,7 @@
       </p:sp>
       <p:sp>
         <p:nvSpPr>
-          <p:cNvPr id="8196" name="Rectangle 3"/>
+          <p:cNvPr id="9220" name="Rectangle 3"/>
           <p:cNvSpPr>
             <a:spLocks noGrp="1" noChangeArrowheads="1"/>
           </p:cNvSpPr>
@@ -1524,11 +1523,6 @@
         </p:txBody>
       </p:sp>
     </p:spTree>
-    <p:extLst>
-      <p:ext uri="{BB962C8B-B14F-4D97-AF65-F5344CB8AC3E}">
-        <p14:creationId xmlns:p14="http://schemas.microsoft.com/office/powerpoint/2010/main" val="340292597"/>
-      </p:ext>
-    </p:extLst>
   </p:cSld>
   <p:clrMapOvr>
     <a:masterClrMapping/>
@@ -1579,98 +1573,6 @@
               <a:rPr lang="en-US"/>
               <a:pPr/>
               <a:t>8</a:t>
-            </a:fld>
-            <a:endParaRPr lang="en-US"/>
-          </a:p>
-        </p:txBody>
-      </p:sp>
-      <p:sp>
-        <p:nvSpPr>
-          <p:cNvPr id="9219" name="Rectangle 2"/>
-          <p:cNvSpPr>
-            <a:spLocks noGrp="1" noRot="1" noChangeAspect="1" noChangeArrowheads="1" noTextEdit="1"/>
-          </p:cNvSpPr>
-          <p:nvPr>
-            <p:ph type="sldImg"/>
-          </p:nvPr>
-        </p:nvSpPr>
-        <p:spPr>
-          <a:ln/>
-        </p:spPr>
-      </p:sp>
-      <p:sp>
-        <p:nvSpPr>
-          <p:cNvPr id="9220" name="Rectangle 3"/>
-          <p:cNvSpPr>
-            <a:spLocks noGrp="1" noChangeArrowheads="1"/>
-          </p:cNvSpPr>
-          <p:nvPr>
-            <p:ph type="body" idx="1"/>
-          </p:nvPr>
-        </p:nvSpPr>
-        <p:spPr>
-          <a:noFill/>
-        </p:spPr>
-        <p:txBody>
-          <a:bodyPr/>
-          <a:lstStyle/>
-          <a:p>
-            <a:pPr eaLnBrk="1" hangingPunct="1"/>
-            <a:endParaRPr lang="en-US"/>
-          </a:p>
-        </p:txBody>
-      </p:sp>
-    </p:spTree>
-  </p:cSld>
-  <p:clrMapOvr>
-    <a:masterClrMapping/>
-  </p:clrMapOvr>
-</p:notes>
-</file>
-
-<file path=ppt/notesSlides/notesSlide9.xml><?xml version="1.0" encoding="utf-8"?>
-<p:notes xmlns:a="http://schemas.openxmlformats.org/drawingml/2006/main" xmlns:r="http://schemas.openxmlformats.org/officeDocument/2006/relationships" xmlns:p="http://schemas.openxmlformats.org/presentationml/2006/main">
-  <p:cSld>
-    <p:spTree>
-      <p:nvGrpSpPr>
-        <p:cNvPr id="1" name=""/>
-        <p:cNvGrpSpPr/>
-        <p:nvPr/>
-      </p:nvGrpSpPr>
-      <p:grpSpPr>
-        <a:xfrm>
-          <a:off x="0" y="0"/>
-          <a:ext cx="0" cy="0"/>
-          <a:chOff x="0" y="0"/>
-          <a:chExt cx="0" cy="0"/>
-        </a:xfrm>
-      </p:grpSpPr>
-      <p:sp>
-        <p:nvSpPr>
-          <p:cNvPr id="9218" name="Rectangle 7"/>
-          <p:cNvSpPr>
-            <a:spLocks noGrp="1" noChangeArrowheads="1"/>
-          </p:cNvSpPr>
-          <p:nvPr>
-            <p:ph type="sldNum" sz="quarter" idx="5"/>
-          </p:nvPr>
-        </p:nvSpPr>
-        <p:spPr>
-          <a:noFill/>
-          <a:ln>
-            <a:miter lim="800000"/>
-            <a:headEnd/>
-            <a:tailEnd/>
-          </a:ln>
-        </p:spPr>
-        <p:txBody>
-          <a:bodyPr/>
-          <a:lstStyle/>
-          <a:p>
-            <a:fld id="{5FA0C9AF-7382-49C7-A053-298CEC473E00}" type="slidenum">
-              <a:rPr lang="en-US"/>
-              <a:pPr/>
-              <a:t>9</a:t>
             </a:fld>
             <a:endParaRPr lang="en-US"/>
           </a:p>
@@ -3928,12 +3830,12 @@
               <a:lnSpc>
                 <a:spcPct val="90000"/>
               </a:lnSpc>
-              <a:buFont typeface="+mj-lt"/>
-              <a:buAutoNum type="arabicPeriod"/>
+              <a:buFont typeface="Arial" panose="020B0604020202020204" pitchFamily="34" charset="0"/>
+              <a:buChar char="•"/>
               <a:defRPr/>
             </a:pPr>
             <a:r>
-              <a:rPr lang="pt-BR" sz="2000" dirty="0">
+              <a:rPr lang="pt-BR" sz="2000" b="0" dirty="0">
                 <a:latin typeface="+mj-lt"/>
               </a:rPr>
               <a:t>Importância</a:t>
@@ -3944,15 +3846,15 @@
               <a:lnSpc>
                 <a:spcPct val="90000"/>
               </a:lnSpc>
-              <a:buFont typeface="+mj-lt"/>
-              <a:buAutoNum type="arabicPeriod"/>
+              <a:buFont typeface="Arial" panose="020B0604020202020204" pitchFamily="34" charset="0"/>
+              <a:buChar char="•"/>
               <a:defRPr/>
             </a:pPr>
             <a:r>
-              <a:rPr lang="pt-BR" sz="2000" dirty="0">
+              <a:rPr lang="pt-BR" sz="2000" b="0" dirty="0">
                 <a:latin typeface="+mj-lt"/>
               </a:rPr>
-              <a:t>Problemas</a:t>
+              <a:t>Gastos</a:t>
             </a:r>
           </a:p>
           <a:p>
@@ -3960,15 +3862,15 @@
               <a:lnSpc>
                 <a:spcPct val="90000"/>
               </a:lnSpc>
-              <a:buFont typeface="+mj-lt"/>
-              <a:buAutoNum type="arabicPeriod"/>
+              <a:buFont typeface="Arial" panose="020B0604020202020204" pitchFamily="34" charset="0"/>
+              <a:buChar char="•"/>
               <a:defRPr/>
             </a:pPr>
             <a:r>
-              <a:rPr lang="pt-BR" sz="2000" dirty="0">
+              <a:rPr lang="pt-BR" sz="2000" b="0" dirty="0">
                 <a:latin typeface="+mj-lt"/>
               </a:rPr>
-              <a:t>Gastos</a:t>
+              <a:t>Importância</a:t>
             </a:r>
           </a:p>
           <a:p>
@@ -3976,12 +3878,12 @@
               <a:lnSpc>
                 <a:spcPct val="90000"/>
               </a:lnSpc>
-              <a:buFont typeface="+mj-lt"/>
-              <a:buAutoNum type="arabicPeriod"/>
+              <a:buFont typeface="Arial" panose="020B0604020202020204" pitchFamily="34" charset="0"/>
+              <a:buChar char="•"/>
               <a:defRPr/>
             </a:pPr>
             <a:r>
-              <a:rPr lang="pt-BR" sz="2000" dirty="0">
+              <a:rPr lang="pt-BR" sz="2000" b="0" dirty="0">
                 <a:latin typeface="+mj-lt"/>
               </a:rPr>
               <a:t>Soluções</a:t>
@@ -3997,6 +3899,65 @@
             <a:endParaRPr lang="uk-UA" sz="2000" dirty="0">
               <a:latin typeface="+mj-lt"/>
             </a:endParaRPr>
+          </a:p>
+        </p:txBody>
+      </p:sp>
+      <p:sp>
+        <p:nvSpPr>
+          <p:cNvPr id="2" name="CaixaDeTexto 1">
+            <a:extLst>
+              <a:ext uri="{FF2B5EF4-FFF2-40B4-BE49-F238E27FC236}">
+                <a16:creationId xmlns:a16="http://schemas.microsoft.com/office/drawing/2014/main" id="{4EF3A44B-98A8-4874-918C-C636DC773D1E}"/>
+              </a:ext>
+            </a:extLst>
+          </p:cNvPr>
+          <p:cNvSpPr txBox="1"/>
+          <p:nvPr/>
+        </p:nvSpPr>
+        <p:spPr>
+          <a:xfrm>
+            <a:off x="2051720" y="3068961"/>
+            <a:ext cx="2088232" cy="707886"/>
+          </a:xfrm>
+          <a:prstGeom prst="rect">
+            <a:avLst/>
+          </a:prstGeom>
+          <a:noFill/>
+        </p:spPr>
+        <p:txBody>
+          <a:bodyPr wrap="square" rtlCol="0">
+            <a:spAutoFit/>
+          </a:bodyPr>
+          <a:lstStyle/>
+          <a:p>
+            <a:pPr marL="285750" indent="-285750">
+              <a:buFont typeface="Arial" panose="020B0604020202020204" pitchFamily="34" charset="0"/>
+              <a:buChar char="•"/>
+            </a:pPr>
+            <a:r>
+              <a:rPr lang="pt-BR" sz="2000" dirty="0">
+                <a:solidFill>
+                  <a:schemeClr val="bg1"/>
+                </a:solidFill>
+                <a:latin typeface="+mj-lt"/>
+              </a:rPr>
+              <a:t>Nosso Projeto</a:t>
+            </a:r>
+          </a:p>
+          <a:p>
+            <a:pPr marL="285750" indent="-285750">
+              <a:buFont typeface="Arial" panose="020B0604020202020204" pitchFamily="34" charset="0"/>
+              <a:buChar char="•"/>
+            </a:pPr>
+            <a:r>
+              <a:rPr lang="pt-BR" sz="2000" dirty="0">
+                <a:solidFill>
+                  <a:schemeClr val="bg1"/>
+                </a:solidFill>
+                <a:latin typeface="+mj-lt"/>
+              </a:rPr>
+              <a:t>Processo</a:t>
+            </a:r>
           </a:p>
         </p:txBody>
       </p:sp>
@@ -4231,12 +4192,13 @@
                 <a:latin typeface="Calibri" panose="020F0502020204030204" pitchFamily="34" charset="0"/>
                 <a:cs typeface="Calibri" panose="020F0502020204030204" pitchFamily="34" charset="0"/>
               </a:rPr>
-              <a:t>Problemas</a:t>
-            </a:r>
-            <a:endParaRPr lang="uk-UA" sz="3600" b="1" u="sng" dirty="0">
-              <a:latin typeface="Calibri" panose="020F0502020204030204" pitchFamily="34" charset="0"/>
-              <a:cs typeface="Calibri" panose="020F0502020204030204" pitchFamily="34" charset="0"/>
-            </a:endParaRPr>
+              <a:t>Gastos</a:t>
+            </a:r>
+            <a:r>
+              <a:rPr lang="en-US" sz="3600" b="1" u="sng" dirty="0"/>
+              <a:t> </a:t>
+            </a:r>
+            <a:endParaRPr lang="uk-UA" sz="3600" b="1" u="sng" dirty="0"/>
           </a:p>
         </p:txBody>
       </p:sp>
@@ -4284,15 +4246,46 @@
                 <a:ea typeface="굴림" charset="-127"/>
                 <a:cs typeface="Calibri" panose="020F0502020204030204" pitchFamily="34" charset="0"/>
               </a:rPr>
-              <a:t>Com uma demanda de data centers necessários para abrigar um grande número de servidores, eles têm se tornado em consumidores significativos de energia. </a:t>
-            </a:r>
-          </a:p>
-          <a:p>
-            <a:pPr marL="0" indent="0" eaLnBrk="1" hangingPunct="1">
+              <a:t>Um estudo informa que os servidores de um Data Center gastam, em média, 850 watts por hora. Multiplicado por 24 equivale a 20.400 watts diários, ou 20.4 </a:t>
+            </a:r>
+            <a:r>
+              <a:rPr lang="pt-BR" altLang="ko-KR" sz="2000" dirty="0" err="1">
+                <a:latin typeface="Calibri" panose="020F0502020204030204" pitchFamily="34" charset="0"/>
+                <a:ea typeface="굴림" charset="-127"/>
+                <a:cs typeface="Calibri" panose="020F0502020204030204" pitchFamily="34" charset="0"/>
+              </a:rPr>
+              <a:t>kilowatts</a:t>
+            </a:r>
+            <a:r>
+              <a:rPr lang="pt-BR" altLang="ko-KR" sz="2000" dirty="0">
+                <a:latin typeface="Calibri" panose="020F0502020204030204" pitchFamily="34" charset="0"/>
+                <a:ea typeface="굴림" charset="-127"/>
+                <a:cs typeface="Calibri" panose="020F0502020204030204" pitchFamily="34" charset="0"/>
+              </a:rPr>
+              <a:t> (kWh). Multiplique isso por 30 dias para chegar a 612 kWh mensais. Sabendo-se que um </a:t>
+            </a:r>
+            <a:r>
+              <a:rPr lang="pt-BR" altLang="ko-KR" sz="2000" dirty="0" err="1">
+                <a:latin typeface="Calibri" panose="020F0502020204030204" pitchFamily="34" charset="0"/>
+                <a:ea typeface="굴림" charset="-127"/>
+                <a:cs typeface="Calibri" panose="020F0502020204030204" pitchFamily="34" charset="0"/>
+              </a:rPr>
+              <a:t>kwh</a:t>
+            </a:r>
+            <a:r>
+              <a:rPr lang="pt-BR" altLang="ko-KR" sz="2000" dirty="0">
+                <a:latin typeface="Calibri" panose="020F0502020204030204" pitchFamily="34" charset="0"/>
+                <a:ea typeface="굴림" charset="-127"/>
+                <a:cs typeface="Calibri" panose="020F0502020204030204" pitchFamily="34" charset="0"/>
+              </a:rPr>
+              <a:t>  é igual a R$ 0,80 em tarifa comercial na região de São Paulo o valor de uma conta seria de R$ 489,60.</a:t>
+            </a:r>
+          </a:p>
+          <a:p>
+            <a:pPr eaLnBrk="1" hangingPunct="1">
               <a:lnSpc>
                 <a:spcPct val="90000"/>
               </a:lnSpc>
-              <a:buNone/>
               <a:defRPr/>
             </a:pPr>
             <a:endParaRPr lang="pt-BR" altLang="ko-KR" sz="2000" dirty="0">
@@ -4314,7 +4307,7 @@
                 <a:ea typeface="굴림" charset="-127"/>
                 <a:cs typeface="Calibri" panose="020F0502020204030204" pitchFamily="34" charset="0"/>
               </a:rPr>
-              <a:t>Consumo de energia da parte não computacional da carga total de energia no que acarreta em um custo maior em relação a </a:t>
+              <a:t> Um aparelho de ar condicionado com uma potência de 1.580 Watts hora (a potência média de referência) multiplicado por 24 equivale a 37.920 watts diários, ou 37.9 </a:t>
             </a:r>
             <a:r>
               <a:rPr lang="pt-BR" altLang="ko-KR" sz="2000" dirty="0" err="1">
@@ -4322,7 +4315,7 @@
                 <a:ea typeface="굴림" charset="-127"/>
                 <a:cs typeface="Calibri" panose="020F0502020204030204" pitchFamily="34" charset="0"/>
               </a:rPr>
-              <a:t>infra-estrutura</a:t>
+              <a:t>kilowatts</a:t>
             </a:r>
             <a:r>
               <a:rPr lang="pt-BR" altLang="ko-KR" sz="2000" dirty="0">
@@ -4330,15 +4323,14 @@
                 <a:ea typeface="굴림" charset="-127"/>
                 <a:cs typeface="Calibri" panose="020F0502020204030204" pitchFamily="34" charset="0"/>
               </a:rPr>
-              <a:t> de resfriamento que suporta a ETI. </a:t>
-            </a:r>
-          </a:p>
-          <a:p>
-            <a:pPr marL="0" indent="0" eaLnBrk="1" hangingPunct="1">
+              <a:t> (kWh). Multiplique isso por 30 dias para chegar a 1137 kWh mensais o total seria de R$ 909,60 por mês. </a:t>
+            </a:r>
+          </a:p>
+          <a:p>
+            <a:pPr eaLnBrk="1" hangingPunct="1">
               <a:lnSpc>
                 <a:spcPct val="90000"/>
               </a:lnSpc>
-              <a:buNone/>
               <a:defRPr/>
             </a:pPr>
             <a:endParaRPr lang="pt-BR" altLang="ko-KR" sz="2000" dirty="0">
@@ -4360,37 +4352,7 @@
                 <a:ea typeface="굴림" charset="-127"/>
                 <a:cs typeface="Calibri" panose="020F0502020204030204" pitchFamily="34" charset="0"/>
               </a:rPr>
-              <a:t>Muita ou pouca umidade pode se tornar desconfortável. Com muita umidade, pode ocorrer condensação e com pouca umidade, a eletricidade estática pode ocorrer. </a:t>
-            </a:r>
-          </a:p>
-          <a:p>
-            <a:pPr marL="0" indent="0" eaLnBrk="1" hangingPunct="1">
-              <a:lnSpc>
-                <a:spcPct val="90000"/>
-              </a:lnSpc>
-              <a:buNone/>
-              <a:defRPr/>
-            </a:pPr>
-            <a:endParaRPr lang="pt-BR" altLang="ko-KR" sz="2000" dirty="0">
-              <a:latin typeface="Calibri" panose="020F0502020204030204" pitchFamily="34" charset="0"/>
-              <a:ea typeface="굴림" charset="-127"/>
-              <a:cs typeface="Calibri" panose="020F0502020204030204" pitchFamily="34" charset="0"/>
-            </a:endParaRPr>
-          </a:p>
-          <a:p>
-            <a:pPr eaLnBrk="1" hangingPunct="1">
-              <a:lnSpc>
-                <a:spcPct val="90000"/>
-              </a:lnSpc>
-              <a:defRPr/>
-            </a:pPr>
-            <a:r>
-              <a:rPr lang="pt-BR" altLang="ko-KR" sz="2000" dirty="0">
-                <a:latin typeface="Calibri" panose="020F0502020204030204" pitchFamily="34" charset="0"/>
-                <a:ea typeface="굴림" charset="-127"/>
-                <a:cs typeface="Calibri" panose="020F0502020204030204" pitchFamily="34" charset="0"/>
-              </a:rPr>
-              <a:t>Ambas as condições podem ter um impacto significativo e podem causar danos a computadores e equipamentos em data centers.</a:t>
+              <a:t>Então ao todo apenas na região onde está o data Center (considerando apenas o data Center e o ar condicionado) seria um gasto total de aproximadamente R$ 1400,00.</a:t>
             </a:r>
           </a:p>
         </p:txBody>
@@ -4398,7 +4360,7 @@
     </p:spTree>
     <p:extLst>
       <p:ext uri="{BB962C8B-B14F-4D97-AF65-F5344CB8AC3E}">
-        <p14:creationId xmlns:p14="http://schemas.microsoft.com/office/powerpoint/2010/main" val="3594642026"/>
+        <p14:creationId xmlns:p14="http://schemas.microsoft.com/office/powerpoint/2010/main" val="2693028972"/>
       </p:ext>
     </p:extLst>
   </p:cSld>
@@ -4451,13 +4413,12 @@
                 <a:latin typeface="Calibri" panose="020F0502020204030204" pitchFamily="34" charset="0"/>
                 <a:cs typeface="Calibri" panose="020F0502020204030204" pitchFamily="34" charset="0"/>
               </a:rPr>
-              <a:t>Gastos</a:t>
-            </a:r>
-            <a:r>
-              <a:rPr lang="en-US" sz="3600" b="1" u="sng" dirty="0"/>
-              <a:t> </a:t>
-            </a:r>
-            <a:endParaRPr lang="uk-UA" sz="3600" b="1" u="sng" dirty="0"/>
+              <a:t>Problemas</a:t>
+            </a:r>
+            <a:endParaRPr lang="uk-UA" sz="3600" b="1" u="sng" dirty="0">
+              <a:latin typeface="Calibri" panose="020F0502020204030204" pitchFamily="34" charset="0"/>
+              <a:cs typeface="Calibri" panose="020F0502020204030204" pitchFamily="34" charset="0"/>
+            </a:endParaRPr>
           </a:p>
         </p:txBody>
       </p:sp>
@@ -4505,46 +4466,15 @@
                 <a:ea typeface="굴림" charset="-127"/>
                 <a:cs typeface="Calibri" panose="020F0502020204030204" pitchFamily="34" charset="0"/>
               </a:rPr>
-              <a:t>Um estudo informa que os servidores de um Data Center gastam, em média, 850 watts por hora. Multiplicado por 24 equivale a 20.400 watts diários, ou 20.4 </a:t>
-            </a:r>
-            <a:r>
-              <a:rPr lang="pt-BR" altLang="ko-KR" sz="2000" dirty="0" err="1">
-                <a:latin typeface="Calibri" panose="020F0502020204030204" pitchFamily="34" charset="0"/>
-                <a:ea typeface="굴림" charset="-127"/>
-                <a:cs typeface="Calibri" panose="020F0502020204030204" pitchFamily="34" charset="0"/>
-              </a:rPr>
-              <a:t>kilowatts</a:t>
-            </a:r>
-            <a:r>
-              <a:rPr lang="pt-BR" altLang="ko-KR" sz="2000" dirty="0">
-                <a:latin typeface="Calibri" panose="020F0502020204030204" pitchFamily="34" charset="0"/>
-                <a:ea typeface="굴림" charset="-127"/>
-                <a:cs typeface="Calibri" panose="020F0502020204030204" pitchFamily="34" charset="0"/>
-              </a:rPr>
-              <a:t> (kWh). Multiplique isso por 30 dias para chegar a 612 kWh mensais. Sabendo-se que um </a:t>
-            </a:r>
-            <a:r>
-              <a:rPr lang="pt-BR" altLang="ko-KR" sz="2000" dirty="0" err="1">
-                <a:latin typeface="Calibri" panose="020F0502020204030204" pitchFamily="34" charset="0"/>
-                <a:ea typeface="굴림" charset="-127"/>
-                <a:cs typeface="Calibri" panose="020F0502020204030204" pitchFamily="34" charset="0"/>
-              </a:rPr>
-              <a:t>kwh</a:t>
-            </a:r>
-            <a:r>
-              <a:rPr lang="pt-BR" altLang="ko-KR" sz="2000" dirty="0">
-                <a:latin typeface="Calibri" panose="020F0502020204030204" pitchFamily="34" charset="0"/>
-                <a:ea typeface="굴림" charset="-127"/>
-                <a:cs typeface="Calibri" panose="020F0502020204030204" pitchFamily="34" charset="0"/>
-              </a:rPr>
-              <a:t>  é igual a R$ 0,80 em tarifa comercial na região de São Paulo o valor de uma conta seria de R$ 489,60.</a:t>
-            </a:r>
-          </a:p>
-          <a:p>
-            <a:pPr eaLnBrk="1" hangingPunct="1">
+              <a:t>Com uma demanda de data centers necessários para abrigar um grande número de servidores, eles têm se tornado em consumidores significativos de energia. </a:t>
+            </a:r>
+          </a:p>
+          <a:p>
+            <a:pPr marL="0" indent="0" eaLnBrk="1" hangingPunct="1">
               <a:lnSpc>
                 <a:spcPct val="90000"/>
               </a:lnSpc>
+              <a:buNone/>
               <a:defRPr/>
             </a:pPr>
             <a:endParaRPr lang="pt-BR" altLang="ko-KR" sz="2000" dirty="0">
@@ -4566,7 +4496,7 @@
                 <a:ea typeface="굴림" charset="-127"/>
                 <a:cs typeface="Calibri" panose="020F0502020204030204" pitchFamily="34" charset="0"/>
               </a:rPr>
-              <a:t> Um aparelho de ar condicionado com uma potência de 1.580 Watts hora (a potência média de referência) multiplicado por 24 equivale a 37.920 watts diários, ou 37.9 </a:t>
+              <a:t>Consumo de energia da parte não computacional da carga total de energia no que acarreta em um custo maior em relação a </a:t>
             </a:r>
             <a:r>
               <a:rPr lang="pt-BR" altLang="ko-KR" sz="2000" dirty="0" err="1">
@@ -4574,7 +4504,7 @@
                 <a:ea typeface="굴림" charset="-127"/>
                 <a:cs typeface="Calibri" panose="020F0502020204030204" pitchFamily="34" charset="0"/>
               </a:rPr>
-              <a:t>kilowatts</a:t>
+              <a:t>infra-estrutura</a:t>
             </a:r>
             <a:r>
               <a:rPr lang="pt-BR" altLang="ko-KR" sz="2000" dirty="0">
@@ -4582,8 +4512,22 @@
                 <a:ea typeface="굴림" charset="-127"/>
                 <a:cs typeface="Calibri" panose="020F0502020204030204" pitchFamily="34" charset="0"/>
               </a:rPr>
-              <a:t> (kWh). Multiplique isso por 30 dias para chegar a 1137 kWh mensais o total seria de R$ 909,60 por mês. </a:t>
-            </a:r>
+              <a:t> de resfriamento que suporta a ETI. </a:t>
+            </a:r>
+          </a:p>
+          <a:p>
+            <a:pPr marL="0" indent="0" eaLnBrk="1" hangingPunct="1">
+              <a:lnSpc>
+                <a:spcPct val="90000"/>
+              </a:lnSpc>
+              <a:buNone/>
+              <a:defRPr/>
+            </a:pPr>
+            <a:endParaRPr lang="pt-BR" altLang="ko-KR" sz="2000" dirty="0">
+              <a:latin typeface="Calibri" panose="020F0502020204030204" pitchFamily="34" charset="0"/>
+              <a:ea typeface="굴림" charset="-127"/>
+              <a:cs typeface="Calibri" panose="020F0502020204030204" pitchFamily="34" charset="0"/>
+            </a:endParaRPr>
           </a:p>
           <a:p>
             <a:pPr eaLnBrk="1" hangingPunct="1">
@@ -4592,7 +4536,24 @@
               </a:lnSpc>
               <a:defRPr/>
             </a:pPr>
-            <a:endParaRPr lang="pt-BR" altLang="ko-KR" sz="2000">
+            <a:r>
+              <a:rPr lang="pt-BR" altLang="ko-KR" sz="2000" dirty="0">
+                <a:latin typeface="Calibri" panose="020F0502020204030204" pitchFamily="34" charset="0"/>
+                <a:ea typeface="굴림" charset="-127"/>
+                <a:cs typeface="Calibri" panose="020F0502020204030204" pitchFamily="34" charset="0"/>
+              </a:rPr>
+              <a:t>Muita ou pouca umidade pode se tornar desconfortável. Com muita umidade, pode ocorrer condensação e com pouca umidade, a eletricidade estática pode ocorrer. </a:t>
+            </a:r>
+          </a:p>
+          <a:p>
+            <a:pPr marL="0" indent="0" eaLnBrk="1" hangingPunct="1">
+              <a:lnSpc>
+                <a:spcPct val="90000"/>
+              </a:lnSpc>
+              <a:buNone/>
+              <a:defRPr/>
+            </a:pPr>
+            <a:endParaRPr lang="pt-BR" altLang="ko-KR" sz="2000" dirty="0">
               <a:latin typeface="Calibri" panose="020F0502020204030204" pitchFamily="34" charset="0"/>
               <a:ea typeface="굴림" charset="-127"/>
               <a:cs typeface="Calibri" panose="020F0502020204030204" pitchFamily="34" charset="0"/>
@@ -4606,20 +4567,12 @@
               <a:defRPr/>
             </a:pPr>
             <a:r>
-              <a:rPr lang="pt-BR" altLang="ko-KR" sz="2000">
-                <a:latin typeface="Calibri" panose="020F0502020204030204" pitchFamily="34" charset="0"/>
-                <a:ea typeface="굴림" charset="-127"/>
-                <a:cs typeface="Calibri" panose="020F0502020204030204" pitchFamily="34" charset="0"/>
-              </a:rPr>
-              <a:t>Então </a:t>
-            </a:r>
-            <a:r>
               <a:rPr lang="pt-BR" altLang="ko-KR" sz="2000" dirty="0">
                 <a:latin typeface="Calibri" panose="020F0502020204030204" pitchFamily="34" charset="0"/>
                 <a:ea typeface="굴림" charset="-127"/>
                 <a:cs typeface="Calibri" panose="020F0502020204030204" pitchFamily="34" charset="0"/>
               </a:rPr>
-              <a:t>ao todo apenas na região onde está o data Center (considerando apenas o data Center e o ar condicionado) seria um total de aproximadamente R$ 1400,00.</a:t>
+              <a:t>Ambas as condições podem ter um impacto significativo e podem causar danos a computadores e equipamentos em data centers.</a:t>
             </a:r>
           </a:p>
         </p:txBody>
@@ -4627,7 +4580,7 @@
     </p:spTree>
     <p:extLst>
       <p:ext uri="{BB962C8B-B14F-4D97-AF65-F5344CB8AC3E}">
-        <p14:creationId xmlns:p14="http://schemas.microsoft.com/office/powerpoint/2010/main" val="2693028972"/>
+        <p14:creationId xmlns:p14="http://schemas.microsoft.com/office/powerpoint/2010/main" val="3594642026"/>
       </p:ext>
     </p:extLst>
   </p:cSld>
@@ -4761,7 +4714,7 @@
               </a:spcAft>
             </a:pPr>
             <a:r>
-              <a:rPr lang="pt-BR" sz="2400" dirty="0">
+              <a:rPr lang="pt-BR" sz="2000" dirty="0">
                 <a:latin typeface="Calibri" panose="020F0502020204030204" pitchFamily="34" charset="0"/>
                 <a:ea typeface="Times New Roman" panose="02020603050405020304" pitchFamily="18" charset="0"/>
                 <a:cs typeface="Calibri" panose="020F0502020204030204" pitchFamily="34" charset="0"/>
@@ -4773,8 +4726,9 @@
                 <a:solidFill>
                   <a:srgbClr val="000000"/>
                 </a:solidFill>
-                <a:latin typeface="Arial" panose="020B0604020202020204" pitchFamily="34" charset="0"/>
+                <a:latin typeface="Calibri" panose="020F0502020204030204" pitchFamily="34" charset="0"/>
                 <a:ea typeface="Calibri" panose="020F0502020204030204" pitchFamily="34" charset="0"/>
+                <a:cs typeface="Calibri" panose="020F0502020204030204" pitchFamily="34" charset="0"/>
               </a:rPr>
               <a:t> </a:t>
             </a:r>
@@ -4789,7 +4743,7 @@
               </a:spcAft>
             </a:pPr>
             <a:r>
-              <a:rPr lang="pt-BR" sz="2400" dirty="0">
+              <a:rPr lang="pt-BR" sz="2000" dirty="0">
                 <a:latin typeface="Calibri" panose="020F0502020204030204" pitchFamily="34" charset="0"/>
                 <a:ea typeface="Calibri" panose="020F0502020204030204" pitchFamily="34" charset="0"/>
                 <a:cs typeface="Calibri" panose="020F0502020204030204" pitchFamily="34" charset="0"/>
@@ -4803,16 +4757,7 @@
                 <a:ea typeface="Times New Roman" panose="02020603050405020304" pitchFamily="18" charset="0"/>
                 <a:cs typeface="Calibri" panose="020F0502020204030204" pitchFamily="34" charset="0"/>
               </a:rPr>
-              <a:t>dores de Precisão: </a:t>
-            </a:r>
-            <a:r>
-              <a:rPr lang="pt-BR" sz="1800" dirty="0">
-                <a:effectLst/>
-                <a:latin typeface="Calibri" panose="020F0502020204030204" pitchFamily="34" charset="0"/>
-                <a:ea typeface="Times New Roman" panose="02020603050405020304" pitchFamily="18" charset="0"/>
-                <a:cs typeface="Calibri" panose="020F0502020204030204" pitchFamily="34" charset="0"/>
-              </a:rPr>
-              <a:t>mantêm a umidade e o resfriamento necessário por metro </a:t>
+              <a:t>dores de Precisão: mantêm a umidade e o resfriamento necessário por metro </a:t>
             </a:r>
             <a:r>
               <a:rPr lang="pt-BR" sz="2000" dirty="0">
@@ -4821,25 +4766,7 @@
                 <a:ea typeface="Calibri" panose="020F0502020204030204" pitchFamily="34" charset="0"/>
                 <a:cs typeface="Calibri" panose="020F0502020204030204" pitchFamily="34" charset="0"/>
               </a:rPr>
-              <a:t>acrescentando </a:t>
-            </a:r>
-            <a:r>
-              <a:rPr lang="pt-BR" sz="2000">
-                <a:effectLst/>
-                <a:latin typeface="Calibri" panose="020F0502020204030204" pitchFamily="34" charset="0"/>
-                <a:ea typeface="Calibri" panose="020F0502020204030204" pitchFamily="34" charset="0"/>
-                <a:cs typeface="Calibri" panose="020F0502020204030204" pitchFamily="34" charset="0"/>
-              </a:rPr>
-              <a:t>uma frequência </a:t>
-            </a:r>
-            <a:r>
-              <a:rPr lang="pt-BR" sz="2000" dirty="0">
-                <a:effectLst/>
-                <a:latin typeface="Calibri" panose="020F0502020204030204" pitchFamily="34" charset="0"/>
-                <a:ea typeface="Calibri" panose="020F0502020204030204" pitchFamily="34" charset="0"/>
-                <a:cs typeface="Calibri" panose="020F0502020204030204" pitchFamily="34" charset="0"/>
-              </a:rPr>
-              <a:t>variável para os mesmos diminuindo sua velocidade e no uso de energia. </a:t>
+              <a:t>acrescentando uma frequência variável para os mesmos diminuindo sua velocidade e no uso de energia. </a:t>
             </a:r>
           </a:p>
           <a:p>
@@ -5056,23 +4983,7 @@
                 <a:ea typeface="굴림" charset="-127"/>
                 <a:cs typeface="Calibri" panose="020F0502020204030204" pitchFamily="34" charset="0"/>
               </a:rPr>
-              <a:t>O que nos diferencia das APIS que já estão no mercado é que com a atualização real time, teremos maior confiabilidade nos resultados e na manutenção, pois ainda fazem manualmente e esses relatórios não são </a:t>
-            </a:r>
-            <a:r>
-              <a:rPr lang="pt-BR" altLang="ko-KR" sz="2000" dirty="0" err="1">
-                <a:latin typeface="Calibri" panose="020F0502020204030204" pitchFamily="34" charset="0"/>
-                <a:ea typeface="굴림" charset="-127"/>
-                <a:cs typeface="Calibri" panose="020F0502020204030204" pitchFamily="34" charset="0"/>
-              </a:rPr>
-              <a:t>confiáveis.Desenvolvendo</a:t>
-            </a:r>
-            <a:r>
-              <a:rPr lang="pt-BR" altLang="ko-KR" sz="2000" dirty="0">
-                <a:latin typeface="Calibri" panose="020F0502020204030204" pitchFamily="34" charset="0"/>
-                <a:ea typeface="굴림" charset="-127"/>
-                <a:cs typeface="Calibri" panose="020F0502020204030204" pitchFamily="34" charset="0"/>
-              </a:rPr>
-              <a:t> assim a tecnologia e a automação do monitoramento e controle de temperatura e umidade, para melhor eficiência energética que acabará ocasionado em uma grande economia no custo da energia elétrica pois os aparelhos estarão programados para ligarem apenas quando necessário. </a:t>
+              <a:t>O que nos diferencia das APIS que já estão no mercado é que com a atualização real time, teremos maior confiabilidade nos resultados e na manutenção, pois ainda fazem manualmente e esses relatórios não são confiáveis. Desenvolvendo assim a tecnologia e a automação do monitoramento e controle de temperatura e umidade, para melhor eficiência energética que acabará ocasionando em uma grande economia no custo da energia elétrica pois os aparelhos estarão programados para ligarem apenas quando necessário. </a:t>
             </a:r>
           </a:p>
           <a:p>
@@ -5116,280 +5027,6 @@
 </file>
 
 <file path=ppt/slides/slide7.xml><?xml version="1.0" encoding="utf-8"?>
-<p:sld xmlns:a="http://schemas.openxmlformats.org/drawingml/2006/main" xmlns:r="http://schemas.openxmlformats.org/officeDocument/2006/relationships" xmlns:p="http://schemas.openxmlformats.org/presentationml/2006/main">
-  <p:cSld>
-    <p:spTree>
-      <p:nvGrpSpPr>
-        <p:cNvPr id="1" name=""/>
-        <p:cNvGrpSpPr/>
-        <p:nvPr/>
-      </p:nvGrpSpPr>
-      <p:grpSpPr>
-        <a:xfrm>
-          <a:off x="0" y="0"/>
-          <a:ext cx="0" cy="0"/>
-          <a:chOff x="0" y="0"/>
-          <a:chExt cx="0" cy="0"/>
-        </a:xfrm>
-      </p:grpSpPr>
-      <p:sp>
-        <p:nvSpPr>
-          <p:cNvPr id="4098" name="Rectangle 2"/>
-          <p:cNvSpPr>
-            <a:spLocks noGrp="1" noChangeArrowheads="1"/>
-          </p:cNvSpPr>
-          <p:nvPr>
-            <p:ph type="title"/>
-          </p:nvPr>
-        </p:nvSpPr>
-        <p:spPr>
-          <a:xfrm>
-            <a:off x="0" y="1268413"/>
-            <a:ext cx="9144000" cy="649287"/>
-          </a:xfrm>
-        </p:spPr>
-        <p:txBody>
-          <a:bodyPr/>
-          <a:lstStyle/>
-          <a:p>
-            <a:pPr algn="ctr" eaLnBrk="1" hangingPunct="1"/>
-            <a:r>
-              <a:rPr lang="en-US" sz="3600" b="1" u="sng" dirty="0" err="1">
-                <a:latin typeface="Calibri" panose="020F0502020204030204" pitchFamily="34" charset="0"/>
-                <a:cs typeface="Calibri" panose="020F0502020204030204" pitchFamily="34" charset="0"/>
-              </a:rPr>
-              <a:t>Requisitos</a:t>
-            </a:r>
-            <a:endParaRPr lang="uk-UA" sz="3600" b="1" u="sng" dirty="0">
-              <a:latin typeface="Calibri" panose="020F0502020204030204" pitchFamily="34" charset="0"/>
-              <a:cs typeface="Calibri" panose="020F0502020204030204" pitchFamily="34" charset="0"/>
-            </a:endParaRPr>
-          </a:p>
-        </p:txBody>
-      </p:sp>
-      <p:sp>
-        <p:nvSpPr>
-          <p:cNvPr id="36867" name="Rectangle 3"/>
-          <p:cNvSpPr>
-            <a:spLocks noGrp="1" noChangeArrowheads="1"/>
-          </p:cNvSpPr>
-          <p:nvPr>
-            <p:ph type="body" idx="1"/>
-          </p:nvPr>
-        </p:nvSpPr>
-        <p:spPr>
-          <a:xfrm>
-            <a:off x="250825" y="1989138"/>
-            <a:ext cx="8713663" cy="5904358"/>
-          </a:xfrm>
-        </p:spPr>
-        <p:txBody>
-          <a:bodyPr/>
-          <a:lstStyle/>
-          <a:p>
-            <a:pPr algn="just">
-              <a:lnSpc>
-                <a:spcPct val="90000"/>
-              </a:lnSpc>
-              <a:defRPr/>
-            </a:pPr>
-            <a:endParaRPr lang="pt-BR" altLang="ko-KR" sz="2400" u="sng" dirty="0">
-              <a:latin typeface="Calibri" panose="020F0502020204030204" pitchFamily="34" charset="0"/>
-              <a:ea typeface="굴림" charset="-127"/>
-              <a:cs typeface="Calibri" panose="020F0502020204030204" pitchFamily="34" charset="0"/>
-            </a:endParaRPr>
-          </a:p>
-          <a:p>
-            <a:pPr marL="0" indent="0" algn="just">
-              <a:lnSpc>
-                <a:spcPct val="90000"/>
-              </a:lnSpc>
-              <a:buNone/>
-              <a:defRPr/>
-            </a:pPr>
-            <a:r>
-              <a:rPr lang="pt-BR" altLang="ko-KR" sz="2000" u="sng" dirty="0">
-                <a:latin typeface="Calibri" panose="020F0502020204030204" pitchFamily="34" charset="0"/>
-                <a:ea typeface="굴림" charset="-127"/>
-                <a:cs typeface="Calibri" panose="020F0502020204030204" pitchFamily="34" charset="0"/>
-              </a:rPr>
-              <a:t>Requisitos do projeto</a:t>
-            </a:r>
-          </a:p>
-          <a:p>
-            <a:pPr algn="just">
-              <a:lnSpc>
-                <a:spcPct val="90000"/>
-              </a:lnSpc>
-              <a:defRPr/>
-            </a:pPr>
-            <a:r>
-              <a:rPr lang="pt-BR" altLang="ko-KR" sz="2000" dirty="0">
-                <a:latin typeface="Calibri" panose="020F0502020204030204" pitchFamily="34" charset="0"/>
-                <a:ea typeface="굴림" charset="-127"/>
-                <a:cs typeface="Calibri" panose="020F0502020204030204" pitchFamily="34" charset="0"/>
-              </a:rPr>
-              <a:t>Economia</a:t>
-            </a:r>
-          </a:p>
-          <a:p>
-            <a:pPr algn="just">
-              <a:lnSpc>
-                <a:spcPct val="90000"/>
-              </a:lnSpc>
-              <a:defRPr/>
-            </a:pPr>
-            <a:r>
-              <a:rPr lang="pt-BR" altLang="ko-KR" sz="2000" dirty="0">
-                <a:latin typeface="Calibri" panose="020F0502020204030204" pitchFamily="34" charset="0"/>
-                <a:ea typeface="굴림" charset="-127"/>
-                <a:cs typeface="Calibri" panose="020F0502020204030204" pitchFamily="34" charset="0"/>
-              </a:rPr>
-              <a:t>Sustentabilidade</a:t>
-            </a:r>
-          </a:p>
-          <a:p>
-            <a:pPr algn="just">
-              <a:lnSpc>
-                <a:spcPct val="90000"/>
-              </a:lnSpc>
-              <a:defRPr/>
-            </a:pPr>
-            <a:r>
-              <a:rPr lang="pt-BR" altLang="ko-KR" sz="2000" dirty="0">
-                <a:latin typeface="Calibri" panose="020F0502020204030204" pitchFamily="34" charset="0"/>
-                <a:ea typeface="굴림" charset="-127"/>
-                <a:cs typeface="Calibri" panose="020F0502020204030204" pitchFamily="34" charset="0"/>
-              </a:rPr>
-              <a:t>Controle remoto da temperatura</a:t>
-            </a:r>
-          </a:p>
-          <a:p>
-            <a:pPr algn="just">
-              <a:lnSpc>
-                <a:spcPct val="90000"/>
-              </a:lnSpc>
-              <a:defRPr/>
-            </a:pPr>
-            <a:r>
-              <a:rPr lang="pt-BR" altLang="ko-KR" sz="2000" dirty="0">
-                <a:latin typeface="Calibri" panose="020F0502020204030204" pitchFamily="34" charset="0"/>
-                <a:ea typeface="굴림" charset="-127"/>
-                <a:cs typeface="Calibri" panose="020F0502020204030204" pitchFamily="34" charset="0"/>
-              </a:rPr>
-              <a:t>Especificações de temperatura</a:t>
-            </a:r>
-          </a:p>
-          <a:p>
-            <a:pPr algn="just">
-              <a:lnSpc>
-                <a:spcPct val="90000"/>
-              </a:lnSpc>
-              <a:defRPr/>
-            </a:pPr>
-            <a:endParaRPr lang="pt-BR" altLang="ko-KR" sz="2000" dirty="0">
-              <a:latin typeface="Calibri" panose="020F0502020204030204" pitchFamily="34" charset="0"/>
-              <a:ea typeface="굴림" charset="-127"/>
-              <a:cs typeface="Calibri" panose="020F0502020204030204" pitchFamily="34" charset="0"/>
-            </a:endParaRPr>
-          </a:p>
-          <a:p>
-            <a:pPr marL="0" indent="0">
-              <a:lnSpc>
-                <a:spcPct val="90000"/>
-              </a:lnSpc>
-              <a:buNone/>
-              <a:defRPr/>
-            </a:pPr>
-            <a:r>
-              <a:rPr lang="pt-BR" altLang="ko-KR" sz="2000" u="sng" dirty="0">
-                <a:latin typeface="Calibri" panose="020F0502020204030204" pitchFamily="34" charset="0"/>
-                <a:ea typeface="굴림" charset="-127"/>
-                <a:cs typeface="Calibri" panose="020F0502020204030204" pitchFamily="34" charset="0"/>
-              </a:rPr>
-              <a:t>Requisitos página web</a:t>
-            </a:r>
-          </a:p>
-          <a:p>
-            <a:pPr>
-              <a:lnSpc>
-                <a:spcPct val="90000"/>
-              </a:lnSpc>
-              <a:defRPr/>
-            </a:pPr>
-            <a:r>
-              <a:rPr lang="pt-BR" altLang="ko-KR" sz="2000" dirty="0">
-                <a:latin typeface="Calibri" panose="020F0502020204030204" pitchFamily="34" charset="0"/>
-                <a:ea typeface="굴림" charset="-127"/>
-                <a:cs typeface="Calibri" panose="020F0502020204030204" pitchFamily="34" charset="0"/>
-              </a:rPr>
-              <a:t>Área de cadastro</a:t>
-            </a:r>
-          </a:p>
-          <a:p>
-            <a:pPr>
-              <a:lnSpc>
-                <a:spcPct val="90000"/>
-              </a:lnSpc>
-              <a:defRPr/>
-            </a:pPr>
-            <a:r>
-              <a:rPr lang="pt-BR" altLang="ko-KR" sz="2000" dirty="0">
-                <a:latin typeface="Calibri" panose="020F0502020204030204" pitchFamily="34" charset="0"/>
-                <a:ea typeface="굴림" charset="-127"/>
-                <a:cs typeface="Calibri" panose="020F0502020204030204" pitchFamily="34" charset="0"/>
-              </a:rPr>
-              <a:t>Área de login</a:t>
-            </a:r>
-          </a:p>
-          <a:p>
-            <a:pPr>
-              <a:lnSpc>
-                <a:spcPct val="90000"/>
-              </a:lnSpc>
-              <a:defRPr/>
-            </a:pPr>
-            <a:r>
-              <a:rPr lang="pt-BR" altLang="ko-KR" sz="2000" dirty="0">
-                <a:latin typeface="Calibri" panose="020F0502020204030204" pitchFamily="34" charset="0"/>
-                <a:ea typeface="굴림" charset="-127"/>
-                <a:cs typeface="Calibri" panose="020F0502020204030204" pitchFamily="34" charset="0"/>
-              </a:rPr>
-              <a:t>Notificações</a:t>
-            </a:r>
-          </a:p>
-          <a:p>
-            <a:pPr>
-              <a:lnSpc>
-                <a:spcPct val="90000"/>
-              </a:lnSpc>
-              <a:defRPr/>
-            </a:pPr>
-            <a:r>
-              <a:rPr lang="pt-BR" altLang="ko-KR" sz="2000" dirty="0">
-                <a:latin typeface="Calibri" panose="020F0502020204030204" pitchFamily="34" charset="0"/>
-                <a:ea typeface="굴림" charset="-127"/>
-                <a:cs typeface="Calibri" panose="020F0502020204030204" pitchFamily="34" charset="0"/>
-              </a:rPr>
-              <a:t>Página do sensor</a:t>
-            </a:r>
-          </a:p>
-        </p:txBody>
-      </p:sp>
-    </p:spTree>
-    <p:extLst>
-      <p:ext uri="{BB962C8B-B14F-4D97-AF65-F5344CB8AC3E}">
-        <p14:creationId xmlns:p14="http://schemas.microsoft.com/office/powerpoint/2010/main" val="3600870286"/>
-      </p:ext>
-    </p:extLst>
-  </p:cSld>
-  <p:clrMapOvr>
-    <a:masterClrMapping/>
-  </p:clrMapOvr>
-</p:sld>
-</file>
-
-<file path=ppt/slides/slide8.xml><?xml version="1.0" encoding="utf-8"?>
 <p:sld xmlns:a="http://schemas.openxmlformats.org/drawingml/2006/main" xmlns:r="http://schemas.openxmlformats.org/officeDocument/2006/relationships" xmlns:p="http://schemas.openxmlformats.org/presentationml/2006/main">
   <p:cSld>
     <p:bg>
@@ -5503,7 +5140,7 @@
 </p:sld>
 </file>
 
-<file path=ppt/slides/slide9.xml><?xml version="1.0" encoding="utf-8"?>
+<file path=ppt/slides/slide8.xml><?xml version="1.0" encoding="utf-8"?>
 <p:sld xmlns:a="http://schemas.openxmlformats.org/drawingml/2006/main" xmlns:r="http://schemas.openxmlformats.org/officeDocument/2006/relationships" xmlns:p="http://schemas.openxmlformats.org/presentationml/2006/main">
   <p:cSld>
     <p:bg>

--- a/ppt/DataCenter.pptx
+++ b/ppt/DataCenter.pptx
@@ -1,31 +1,443 @@
 
 <file path=ppt/presentation.xml><?xml version="1.0" encoding="utf-8"?>
-<p:presentation xmlns:a="http://schemas.openxmlformats.org/drawingml/2006/main" xmlns:p="http://schemas.openxmlformats.org/presentationml/2006/main" xmlns:r="http://schemas.openxmlformats.org/officeDocument/2006/relationships" xmlns:p14="http://schemas.microsoft.com/office/powerpoint/2010/main" xmlns:p15="http://schemas.microsoft.com/office/powerpoint/2012/main" xmlns:mc="http://schemas.openxmlformats.org/markup-compatibility/2006">
+<p:presentation xmlns:a="http://schemas.openxmlformats.org/drawingml/2006/main" xmlns:r="http://schemas.openxmlformats.org/officeDocument/2006/relationships" xmlns:p="http://schemas.openxmlformats.org/presentationml/2006/main">
   <p:sldMasterIdLst>
-    <p:sldMasterId id="2147483648" r:id="rId2"/>
-    <p:sldMasterId id="2147483661" r:id="rId3"/>
+    <p:sldMasterId id="2147483648" r:id="rId1"/>
+    <p:sldMasterId id="2147483661" r:id="rId2"/>
   </p:sldMasterIdLst>
   <p:notesMasterIdLst>
-    <p:notesMasterId r:id="rId4"/>
+    <p:notesMasterId r:id="rId11"/>
   </p:notesMasterIdLst>
   <p:sldIdLst>
-    <p:sldId id="256" r:id="rId5"/>
-    <p:sldId id="257" r:id="rId6"/>
-    <p:sldId id="258" r:id="rId7"/>
-    <p:sldId id="259" r:id="rId8"/>
-    <p:sldId id="260" r:id="rId9"/>
-    <p:sldId id="261" r:id="rId10"/>
-    <p:sldId id="262" r:id="rId11"/>
-    <p:sldId id="263" r:id="rId12"/>
-    <p:sldId id="264" r:id="rId13"/>
+    <p:sldId id="256" r:id="rId3"/>
+    <p:sldId id="257" r:id="rId4"/>
+    <p:sldId id="258" r:id="rId5"/>
+    <p:sldId id="259" r:id="rId6"/>
+    <p:sldId id="260" r:id="rId7"/>
+    <p:sldId id="261" r:id="rId8"/>
+    <p:sldId id="263" r:id="rId9"/>
+    <p:sldId id="264" r:id="rId10"/>
   </p:sldIdLst>
-  <p:sldSz cx="9144000" cy="6858000"/>
+  <p:sldSz cx="9144000" cy="6858000" type="screen4x3"/>
   <p:notesSz cx="6858000" cy="9144000"/>
+  <p:defaultTextStyle>
+    <a:defPPr>
+      <a:defRPr lang="pt-BR"/>
+    </a:defPPr>
+    <a:lvl1pPr marL="0" algn="l" defTabSz="914400" rtl="0" eaLnBrk="1" latinLnBrk="0" hangingPunct="1">
+      <a:defRPr sz="1800" kern="1200">
+        <a:solidFill>
+          <a:schemeClr val="tx1"/>
+        </a:solidFill>
+        <a:latin typeface="+mn-lt"/>
+        <a:ea typeface="+mn-ea"/>
+        <a:cs typeface="+mn-cs"/>
+      </a:defRPr>
+    </a:lvl1pPr>
+    <a:lvl2pPr marL="457200" algn="l" defTabSz="914400" rtl="0" eaLnBrk="1" latinLnBrk="0" hangingPunct="1">
+      <a:defRPr sz="1800" kern="1200">
+        <a:solidFill>
+          <a:schemeClr val="tx1"/>
+        </a:solidFill>
+        <a:latin typeface="+mn-lt"/>
+        <a:ea typeface="+mn-ea"/>
+        <a:cs typeface="+mn-cs"/>
+      </a:defRPr>
+    </a:lvl2pPr>
+    <a:lvl3pPr marL="914400" algn="l" defTabSz="914400" rtl="0" eaLnBrk="1" latinLnBrk="0" hangingPunct="1">
+      <a:defRPr sz="1800" kern="1200">
+        <a:solidFill>
+          <a:schemeClr val="tx1"/>
+        </a:solidFill>
+        <a:latin typeface="+mn-lt"/>
+        <a:ea typeface="+mn-ea"/>
+        <a:cs typeface="+mn-cs"/>
+      </a:defRPr>
+    </a:lvl3pPr>
+    <a:lvl4pPr marL="1371600" algn="l" defTabSz="914400" rtl="0" eaLnBrk="1" latinLnBrk="0" hangingPunct="1">
+      <a:defRPr sz="1800" kern="1200">
+        <a:solidFill>
+          <a:schemeClr val="tx1"/>
+        </a:solidFill>
+        <a:latin typeface="+mn-lt"/>
+        <a:ea typeface="+mn-ea"/>
+        <a:cs typeface="+mn-cs"/>
+      </a:defRPr>
+    </a:lvl4pPr>
+    <a:lvl5pPr marL="1828800" algn="l" defTabSz="914400" rtl="0" eaLnBrk="1" latinLnBrk="0" hangingPunct="1">
+      <a:defRPr sz="1800" kern="1200">
+        <a:solidFill>
+          <a:schemeClr val="tx1"/>
+        </a:solidFill>
+        <a:latin typeface="+mn-lt"/>
+        <a:ea typeface="+mn-ea"/>
+        <a:cs typeface="+mn-cs"/>
+      </a:defRPr>
+    </a:lvl5pPr>
+    <a:lvl6pPr marL="2286000" algn="l" defTabSz="914400" rtl="0" eaLnBrk="1" latinLnBrk="0" hangingPunct="1">
+      <a:defRPr sz="1800" kern="1200">
+        <a:solidFill>
+          <a:schemeClr val="tx1"/>
+        </a:solidFill>
+        <a:latin typeface="+mn-lt"/>
+        <a:ea typeface="+mn-ea"/>
+        <a:cs typeface="+mn-cs"/>
+      </a:defRPr>
+    </a:lvl6pPr>
+    <a:lvl7pPr marL="2743200" algn="l" defTabSz="914400" rtl="0" eaLnBrk="1" latinLnBrk="0" hangingPunct="1">
+      <a:defRPr sz="1800" kern="1200">
+        <a:solidFill>
+          <a:schemeClr val="tx1"/>
+        </a:solidFill>
+        <a:latin typeface="+mn-lt"/>
+        <a:ea typeface="+mn-ea"/>
+        <a:cs typeface="+mn-cs"/>
+      </a:defRPr>
+    </a:lvl7pPr>
+    <a:lvl8pPr marL="3200400" algn="l" defTabSz="914400" rtl="0" eaLnBrk="1" latinLnBrk="0" hangingPunct="1">
+      <a:defRPr sz="1800" kern="1200">
+        <a:solidFill>
+          <a:schemeClr val="tx1"/>
+        </a:solidFill>
+        <a:latin typeface="+mn-lt"/>
+        <a:ea typeface="+mn-ea"/>
+        <a:cs typeface="+mn-cs"/>
+      </a:defRPr>
+    </a:lvl8pPr>
+    <a:lvl9pPr marL="3657600" algn="l" defTabSz="914400" rtl="0" eaLnBrk="1" latinLnBrk="0" hangingPunct="1">
+      <a:defRPr sz="1800" kern="1200">
+        <a:solidFill>
+          <a:schemeClr val="tx1"/>
+        </a:solidFill>
+        <a:latin typeface="+mn-lt"/>
+        <a:ea typeface="+mn-ea"/>
+        <a:cs typeface="+mn-cs"/>
+      </a:defRPr>
+    </a:lvl9pPr>
+  </p:defaultTextStyle>
 </p:presentation>
 </file>
 
 <file path=ppt/notesMasters/notesMaster1.xml><?xml version="1.0" encoding="utf-8"?>
-<p:notesMaster xmlns:a="http://schemas.openxmlformats.org/drawingml/2006/main" xmlns:p="http://schemas.openxmlformats.org/presentationml/2006/main" xmlns:r="http://schemas.openxmlformats.org/officeDocument/2006/relationships" xmlns:p14="http://schemas.microsoft.com/office/powerpoint/2010/main" xmlns:p15="http://schemas.microsoft.com/office/powerpoint/2012/main" xmlns:mc="http://schemas.openxmlformats.org/markup-compatibility/2006">
+<p:notesMaster xmlns:a="http://schemas.openxmlformats.org/drawingml/2006/main" xmlns:r="http://schemas.openxmlformats.org/officeDocument/2006/relationships" xmlns:p="http://schemas.openxmlformats.org/presentationml/2006/main">
+  <p:cSld>
+    <p:bg>
+      <p:bgRef idx="1001">
+        <a:schemeClr val="bg1"/>
+      </p:bgRef>
+    </p:bg>
+    <p:spTree>
+      <p:nvGrpSpPr>
+        <p:cNvPr id="1" name=""/>
+        <p:cNvGrpSpPr/>
+        <p:nvPr/>
+      </p:nvGrpSpPr>
+      <p:grpSpPr>
+        <a:xfrm>
+          <a:off x="0" y="0"/>
+          <a:ext cx="0" cy="0"/>
+          <a:chOff x="0" y="0"/>
+          <a:chExt cx="0" cy="0"/>
+        </a:xfrm>
+      </p:grpSpPr>
+      <p:sp>
+        <p:nvSpPr>
+          <p:cNvPr id="76" name="PlaceHolder 1"/>
+          <p:cNvSpPr>
+            <a:spLocks noGrp="1" noRot="1" noChangeAspect="1"/>
+          </p:cNvSpPr>
+          <p:nvPr>
+            <p:ph type="sldImg"/>
+          </p:nvPr>
+        </p:nvSpPr>
+        <p:spPr>
+          <a:xfrm>
+            <a:off x="216000" y="812520"/>
+            <a:ext cx="7127280" cy="4008960"/>
+          </a:xfrm>
+          <a:prstGeom prst="rect">
+            <a:avLst/>
+          </a:prstGeom>
+        </p:spPr>
+        <p:txBody>
+          <a:bodyPr lIns="0" tIns="0" rIns="0" bIns="0" anchor="ctr"/>
+          <a:lstStyle/>
+          <a:p>
+            <a:pPr algn="ctr"/>
+            <a:r>
+              <a:rPr lang="pt-BR" sz="4400" b="0" strike="noStrike" spc="-1">
+                <a:latin typeface="Arial"/>
+              </a:rPr>
+              <a:t>Clique para mover o slide</a:t>
+            </a:r>
+          </a:p>
+        </p:txBody>
+      </p:sp>
+      <p:sp>
+        <p:nvSpPr>
+          <p:cNvPr id="77" name="PlaceHolder 2"/>
+          <p:cNvSpPr>
+            <a:spLocks noGrp="1"/>
+          </p:cNvSpPr>
+          <p:nvPr>
+            <p:ph type="body"/>
+          </p:nvPr>
+        </p:nvSpPr>
+        <p:spPr>
+          <a:xfrm>
+            <a:off x="756000" y="5078520"/>
+            <a:ext cx="6047640" cy="4811040"/>
+          </a:xfrm>
+          <a:prstGeom prst="rect">
+            <a:avLst/>
+          </a:prstGeom>
+        </p:spPr>
+        <p:txBody>
+          <a:bodyPr lIns="0" tIns="0" rIns="0" bIns="0"/>
+          <a:lstStyle/>
+          <a:p>
+            <a:r>
+              <a:rPr lang="pt-BR" sz="2000" b="0" strike="noStrike" spc="-1">
+                <a:latin typeface="Arial"/>
+              </a:rPr>
+              <a:t>Clique para editar o formato de notas</a:t>
+            </a:r>
+          </a:p>
+        </p:txBody>
+      </p:sp>
+      <p:sp>
+        <p:nvSpPr>
+          <p:cNvPr id="78" name="PlaceHolder 3"/>
+          <p:cNvSpPr>
+            <a:spLocks noGrp="1"/>
+          </p:cNvSpPr>
+          <p:nvPr>
+            <p:ph type="hdr"/>
+          </p:nvPr>
+        </p:nvSpPr>
+        <p:spPr>
+          <a:xfrm>
+            <a:off x="0" y="0"/>
+            <a:ext cx="3280320" cy="534240"/>
+          </a:xfrm>
+          <a:prstGeom prst="rect">
+            <a:avLst/>
+          </a:prstGeom>
+        </p:spPr>
+        <p:txBody>
+          <a:bodyPr lIns="0" tIns="0" rIns="0" bIns="0"/>
+          <a:lstStyle/>
+          <a:p>
+            <a:r>
+              <a:rPr lang="pt-BR" sz="1400" b="0" strike="noStrike" spc="-1">
+                <a:latin typeface="Times New Roman"/>
+              </a:rPr>
+              <a:t>&lt;cabeçalho&gt;</a:t>
+            </a:r>
+          </a:p>
+        </p:txBody>
+      </p:sp>
+      <p:sp>
+        <p:nvSpPr>
+          <p:cNvPr id="79" name="PlaceHolder 4"/>
+          <p:cNvSpPr>
+            <a:spLocks noGrp="1"/>
+          </p:cNvSpPr>
+          <p:nvPr>
+            <p:ph type="dt"/>
+          </p:nvPr>
+        </p:nvSpPr>
+        <p:spPr>
+          <a:xfrm>
+            <a:off x="4279320" y="0"/>
+            <a:ext cx="3280320" cy="534240"/>
+          </a:xfrm>
+          <a:prstGeom prst="rect">
+            <a:avLst/>
+          </a:prstGeom>
+        </p:spPr>
+        <p:txBody>
+          <a:bodyPr lIns="0" tIns="0" rIns="0" bIns="0"/>
+          <a:lstStyle/>
+          <a:p>
+            <a:pPr algn="r"/>
+            <a:r>
+              <a:rPr lang="pt-BR" sz="1400" b="0" strike="noStrike" spc="-1">
+                <a:latin typeface="Times New Roman"/>
+              </a:rPr>
+              <a:t>&lt;data/hora&gt;</a:t>
+            </a:r>
+          </a:p>
+        </p:txBody>
+      </p:sp>
+      <p:sp>
+        <p:nvSpPr>
+          <p:cNvPr id="80" name="PlaceHolder 5"/>
+          <p:cNvSpPr>
+            <a:spLocks noGrp="1"/>
+          </p:cNvSpPr>
+          <p:nvPr>
+            <p:ph type="ftr"/>
+          </p:nvPr>
+        </p:nvSpPr>
+        <p:spPr>
+          <a:xfrm>
+            <a:off x="0" y="10157400"/>
+            <a:ext cx="3280320" cy="534240"/>
+          </a:xfrm>
+          <a:prstGeom prst="rect">
+            <a:avLst/>
+          </a:prstGeom>
+        </p:spPr>
+        <p:txBody>
+          <a:bodyPr lIns="0" tIns="0" rIns="0" bIns="0" anchor="b"/>
+          <a:lstStyle/>
+          <a:p>
+            <a:r>
+              <a:rPr lang="pt-BR" sz="1400" b="0" strike="noStrike" spc="-1">
+                <a:latin typeface="Times New Roman"/>
+              </a:rPr>
+              <a:t>&lt;rodapé&gt;</a:t>
+            </a:r>
+          </a:p>
+        </p:txBody>
+      </p:sp>
+      <p:sp>
+        <p:nvSpPr>
+          <p:cNvPr id="81" name="PlaceHolder 6"/>
+          <p:cNvSpPr>
+            <a:spLocks noGrp="1"/>
+          </p:cNvSpPr>
+          <p:nvPr>
+            <p:ph type="sldNum"/>
+          </p:nvPr>
+        </p:nvSpPr>
+        <p:spPr>
+          <a:xfrm>
+            <a:off x="4279320" y="10157400"/>
+            <a:ext cx="3280320" cy="534240"/>
+          </a:xfrm>
+          <a:prstGeom prst="rect">
+            <a:avLst/>
+          </a:prstGeom>
+        </p:spPr>
+        <p:txBody>
+          <a:bodyPr lIns="0" tIns="0" rIns="0" bIns="0" anchor="b"/>
+          <a:lstStyle/>
+          <a:p>
+            <a:pPr algn="r"/>
+            <a:fld id="{103BE305-6EEE-4275-8A21-CCD0A2AE80EB}" type="slidenum">
+              <a:rPr lang="pt-BR" sz="1400" b="0" strike="noStrike" spc="-1">
+                <a:latin typeface="Times New Roman"/>
+              </a:rPr>
+              <a:t>‹nº›</a:t>
+            </a:fld>
+            <a:endParaRPr lang="pt-BR" sz="1400" b="0" strike="noStrike" spc="-1">
+              <a:latin typeface="Times New Roman"/>
+            </a:endParaRPr>
+          </a:p>
+        </p:txBody>
+      </p:sp>
+    </p:spTree>
+  </p:cSld>
+  <p:clrMap bg1="lt1" tx1="dk1" bg2="lt2" tx2="dk2" accent1="accent1" accent2="accent2" accent3="accent3" accent4="accent4" accent5="accent5" accent6="accent6" hlink="hlink" folHlink="folHlink"/>
+  <p:notesStyle>
+    <a:lvl1pPr marL="0" algn="l" defTabSz="914400" rtl="0" eaLnBrk="1" latinLnBrk="0" hangingPunct="1">
+      <a:defRPr sz="1200" kern="1200">
+        <a:solidFill>
+          <a:schemeClr val="tx1"/>
+        </a:solidFill>
+        <a:latin typeface="+mn-lt"/>
+        <a:ea typeface="+mn-ea"/>
+        <a:cs typeface="+mn-cs"/>
+      </a:defRPr>
+    </a:lvl1pPr>
+    <a:lvl2pPr marL="457200" algn="l" defTabSz="914400" rtl="0" eaLnBrk="1" latinLnBrk="0" hangingPunct="1">
+      <a:defRPr sz="1200" kern="1200">
+        <a:solidFill>
+          <a:schemeClr val="tx1"/>
+        </a:solidFill>
+        <a:latin typeface="+mn-lt"/>
+        <a:ea typeface="+mn-ea"/>
+        <a:cs typeface="+mn-cs"/>
+      </a:defRPr>
+    </a:lvl2pPr>
+    <a:lvl3pPr marL="914400" algn="l" defTabSz="914400" rtl="0" eaLnBrk="1" latinLnBrk="0" hangingPunct="1">
+      <a:defRPr sz="1200" kern="1200">
+        <a:solidFill>
+          <a:schemeClr val="tx1"/>
+        </a:solidFill>
+        <a:latin typeface="+mn-lt"/>
+        <a:ea typeface="+mn-ea"/>
+        <a:cs typeface="+mn-cs"/>
+      </a:defRPr>
+    </a:lvl3pPr>
+    <a:lvl4pPr marL="1371600" algn="l" defTabSz="914400" rtl="0" eaLnBrk="1" latinLnBrk="0" hangingPunct="1">
+      <a:defRPr sz="1200" kern="1200">
+        <a:solidFill>
+          <a:schemeClr val="tx1"/>
+        </a:solidFill>
+        <a:latin typeface="+mn-lt"/>
+        <a:ea typeface="+mn-ea"/>
+        <a:cs typeface="+mn-cs"/>
+      </a:defRPr>
+    </a:lvl4pPr>
+    <a:lvl5pPr marL="1828800" algn="l" defTabSz="914400" rtl="0" eaLnBrk="1" latinLnBrk="0" hangingPunct="1">
+      <a:defRPr sz="1200" kern="1200">
+        <a:solidFill>
+          <a:schemeClr val="tx1"/>
+        </a:solidFill>
+        <a:latin typeface="+mn-lt"/>
+        <a:ea typeface="+mn-ea"/>
+        <a:cs typeface="+mn-cs"/>
+      </a:defRPr>
+    </a:lvl5pPr>
+    <a:lvl6pPr marL="2286000" algn="l" defTabSz="914400" rtl="0" eaLnBrk="1" latinLnBrk="0" hangingPunct="1">
+      <a:defRPr sz="1200" kern="1200">
+        <a:solidFill>
+          <a:schemeClr val="tx1"/>
+        </a:solidFill>
+        <a:latin typeface="+mn-lt"/>
+        <a:ea typeface="+mn-ea"/>
+        <a:cs typeface="+mn-cs"/>
+      </a:defRPr>
+    </a:lvl6pPr>
+    <a:lvl7pPr marL="2743200" algn="l" defTabSz="914400" rtl="0" eaLnBrk="1" latinLnBrk="0" hangingPunct="1">
+      <a:defRPr sz="1200" kern="1200">
+        <a:solidFill>
+          <a:schemeClr val="tx1"/>
+        </a:solidFill>
+        <a:latin typeface="+mn-lt"/>
+        <a:ea typeface="+mn-ea"/>
+        <a:cs typeface="+mn-cs"/>
+      </a:defRPr>
+    </a:lvl7pPr>
+    <a:lvl8pPr marL="3200400" algn="l" defTabSz="914400" rtl="0" eaLnBrk="1" latinLnBrk="0" hangingPunct="1">
+      <a:defRPr sz="1200" kern="1200">
+        <a:solidFill>
+          <a:schemeClr val="tx1"/>
+        </a:solidFill>
+        <a:latin typeface="+mn-lt"/>
+        <a:ea typeface="+mn-ea"/>
+        <a:cs typeface="+mn-cs"/>
+      </a:defRPr>
+    </a:lvl8pPr>
+    <a:lvl9pPr marL="3657600" algn="l" defTabSz="914400" rtl="0" eaLnBrk="1" latinLnBrk="0" hangingPunct="1">
+      <a:defRPr sz="1200" kern="1200">
+        <a:solidFill>
+          <a:schemeClr val="tx1"/>
+        </a:solidFill>
+        <a:latin typeface="+mn-lt"/>
+        <a:ea typeface="+mn-ea"/>
+        <a:cs typeface="+mn-cs"/>
+      </a:defRPr>
+    </a:lvl9pPr>
+  </p:notesStyle>
+</p:notesMaster>
+</file>
+
+<file path=ppt/notesSlides/notesSlide1.xml><?xml version="1.0" encoding="utf-8"?>
+<p:notes xmlns:a="http://schemas.openxmlformats.org/drawingml/2006/main" xmlns:r="http://schemas.openxmlformats.org/officeDocument/2006/relationships" xmlns:p="http://schemas.openxmlformats.org/presentationml/2006/main">
   <p:cSld>
     <p:spTree>
       <p:nvGrpSpPr>
@@ -43,219 +455,115 @@
       </p:grpSpPr>
       <p:sp>
         <p:nvSpPr>
-          <p:cNvPr id="76" name="PlaceHolder 1"/>
-          <p:cNvSpPr>
-            <a:spLocks noGrp="1"/>
-          </p:cNvSpPr>
-          <p:nvPr>
-            <p:ph type="sldImg"/>
-          </p:nvPr>
-        </p:nvSpPr>
-        <p:spPr>
-          <a:xfrm>
-            <a:off x="216000" y="812520"/>
-            <a:ext cx="7127280" cy="4008960"/>
-          </a:xfrm>
-          <a:prstGeom prst="rect">
-            <a:avLst/>
-          </a:prstGeom>
-        </p:spPr>
-        <p:txBody>
-          <a:bodyPr lIns="0" rIns="0" tIns="0" bIns="0" anchor="ctr"/>
-          <a:p>
-            <a:pPr algn="ctr"/>
-            <a:r>
-              <a:rPr b="0" lang="pt-BR" sz="4400" spc="-1" strike="noStrike">
-                <a:latin typeface="Arial"/>
-              </a:rPr>
-              <a:t>Clique para mover o slide</a:t>
-            </a:r>
-            <a:endParaRPr b="0" lang="pt-BR" sz="4400" spc="-1" strike="noStrike">
-              <a:latin typeface="Arial"/>
-            </a:endParaRPr>
-          </a:p>
-        </p:txBody>
-      </p:sp>
-      <p:sp>
-        <p:nvSpPr>
-          <p:cNvPr id="77" name="PlaceHolder 2"/>
-          <p:cNvSpPr>
-            <a:spLocks noGrp="1"/>
-          </p:cNvSpPr>
-          <p:nvPr>
-            <p:ph type="body"/>
-          </p:nvPr>
-        </p:nvSpPr>
-        <p:spPr>
-          <a:xfrm>
-            <a:off x="756000" y="5078520"/>
-            <a:ext cx="6047640" cy="4811040"/>
-          </a:xfrm>
-          <a:prstGeom prst="rect">
-            <a:avLst/>
-          </a:prstGeom>
-        </p:spPr>
-        <p:txBody>
-          <a:bodyPr lIns="0" rIns="0" tIns="0" bIns="0"/>
-          <a:p>
-            <a:r>
-              <a:rPr b="0" lang="pt-BR" sz="2000" spc="-1" strike="noStrike">
-                <a:latin typeface="Arial"/>
-              </a:rPr>
-              <a:t>Clique para editar o formato de notas</a:t>
-            </a:r>
-            <a:endParaRPr b="0" lang="pt-BR" sz="2000" spc="-1" strike="noStrike">
-              <a:latin typeface="Arial"/>
-            </a:endParaRPr>
-          </a:p>
-        </p:txBody>
-      </p:sp>
-      <p:sp>
-        <p:nvSpPr>
-          <p:cNvPr id="78" name="PlaceHolder 3"/>
-          <p:cNvSpPr>
-            <a:spLocks noGrp="1"/>
-          </p:cNvSpPr>
-          <p:nvPr>
-            <p:ph type="hdr"/>
-          </p:nvPr>
-        </p:nvSpPr>
-        <p:spPr>
-          <a:xfrm>
-            <a:off x="0" y="0"/>
-            <a:ext cx="3280320" cy="534240"/>
-          </a:xfrm>
-          <a:prstGeom prst="rect">
-            <a:avLst/>
-          </a:prstGeom>
-        </p:spPr>
-        <p:txBody>
-          <a:bodyPr lIns="0" rIns="0" tIns="0" bIns="0"/>
-          <a:p>
-            <a:r>
-              <a:rPr b="0" lang="pt-BR" sz="1400" spc="-1" strike="noStrike">
+          <p:cNvPr id="100" name="CustomShape 1"/>
+          <p:cNvSpPr/>
+          <p:nvPr/>
+        </p:nvSpPr>
+        <p:spPr>
+          <a:xfrm>
+            <a:off x="3884760" y="8685360"/>
+            <a:ext cx="2971080" cy="456480"/>
+          </a:xfrm>
+          <a:prstGeom prst="rect">
+            <a:avLst/>
+          </a:prstGeom>
+          <a:noFill/>
+          <a:ln>
+            <a:noFill/>
+          </a:ln>
+        </p:spPr>
+        <p:style>
+          <a:lnRef idx="0">
+            <a:scrgbClr r="0" g="0" b="0"/>
+          </a:lnRef>
+          <a:fillRef idx="0">
+            <a:scrgbClr r="0" g="0" b="0"/>
+          </a:fillRef>
+          <a:effectRef idx="0">
+            <a:scrgbClr r="0" g="0" b="0"/>
+          </a:effectRef>
+          <a:fontRef idx="minor"/>
+        </p:style>
+        <p:txBody>
+          <a:bodyPr lIns="90000" tIns="45000" rIns="90000" bIns="45000" anchor="b"/>
+          <a:lstStyle/>
+          <a:p>
+            <a:pPr algn="r">
+              <a:lnSpc>
+                <a:spcPct val="100000"/>
+              </a:lnSpc>
+            </a:pPr>
+            <a:fld id="{BC1DA2D9-86A4-4655-8F58-3115C31BAB77}" type="slidenum">
+              <a:rPr lang="pt-BR" sz="1200" b="0" strike="noStrike" spc="-1">
                 <a:latin typeface="Times New Roman"/>
               </a:rPr>
-              <a:t>&lt;cabeçalho&gt;</a:t>
-            </a:r>
-            <a:endParaRPr b="0" lang="pt-BR" sz="1400" spc="-1" strike="noStrike">
-              <a:latin typeface="Times New Roman"/>
-            </a:endParaRPr>
-          </a:p>
-        </p:txBody>
-      </p:sp>
-      <p:sp>
-        <p:nvSpPr>
-          <p:cNvPr id="79" name="PlaceHolder 4"/>
-          <p:cNvSpPr>
-            <a:spLocks noGrp="1"/>
-          </p:cNvSpPr>
-          <p:nvPr>
-            <p:ph type="dt"/>
-          </p:nvPr>
-        </p:nvSpPr>
-        <p:spPr>
-          <a:xfrm>
-            <a:off x="4279320" y="0"/>
-            <a:ext cx="3280320" cy="534240"/>
-          </a:xfrm>
-          <a:prstGeom prst="rect">
-            <a:avLst/>
-          </a:prstGeom>
-        </p:spPr>
-        <p:txBody>
-          <a:bodyPr lIns="0" rIns="0" tIns="0" bIns="0"/>
-          <a:p>
-            <a:pPr algn="r"/>
-            <a:r>
-              <a:rPr b="0" lang="pt-BR" sz="1400" spc="-1" strike="noStrike">
-                <a:latin typeface="Times New Roman"/>
-              </a:rPr>
-              <a:t>&lt;data/hora&gt;</a:t>
-            </a:r>
-            <a:endParaRPr b="0" lang="pt-BR" sz="1400" spc="-1" strike="noStrike">
-              <a:latin typeface="Times New Roman"/>
-            </a:endParaRPr>
-          </a:p>
-        </p:txBody>
-      </p:sp>
-      <p:sp>
-        <p:nvSpPr>
-          <p:cNvPr id="80" name="PlaceHolder 5"/>
-          <p:cNvSpPr>
-            <a:spLocks noGrp="1"/>
-          </p:cNvSpPr>
-          <p:nvPr>
-            <p:ph type="ftr"/>
-          </p:nvPr>
-        </p:nvSpPr>
-        <p:spPr>
-          <a:xfrm>
-            <a:off x="0" y="10157400"/>
-            <a:ext cx="3280320" cy="534240"/>
-          </a:xfrm>
-          <a:prstGeom prst="rect">
-            <a:avLst/>
-          </a:prstGeom>
-        </p:spPr>
-        <p:txBody>
-          <a:bodyPr lIns="0" rIns="0" tIns="0" bIns="0" anchor="b"/>
-          <a:p>
-            <a:r>
-              <a:rPr b="0" lang="pt-BR" sz="1400" spc="-1" strike="noStrike">
-                <a:latin typeface="Times New Roman"/>
-              </a:rPr>
-              <a:t>&lt;rodapé&gt;</a:t>
-            </a:r>
-            <a:endParaRPr b="0" lang="pt-BR" sz="1400" spc="-1" strike="noStrike">
-              <a:latin typeface="Times New Roman"/>
-            </a:endParaRPr>
-          </a:p>
-        </p:txBody>
-      </p:sp>
-      <p:sp>
-        <p:nvSpPr>
-          <p:cNvPr id="81" name="PlaceHolder 6"/>
-          <p:cNvSpPr>
-            <a:spLocks noGrp="1"/>
-          </p:cNvSpPr>
-          <p:nvPr>
-            <p:ph type="sldNum"/>
-          </p:nvPr>
-        </p:nvSpPr>
-        <p:spPr>
-          <a:xfrm>
-            <a:off x="4279320" y="10157400"/>
-            <a:ext cx="3280320" cy="534240"/>
-          </a:xfrm>
-          <a:prstGeom prst="rect">
-            <a:avLst/>
-          </a:prstGeom>
-        </p:spPr>
-        <p:txBody>
-          <a:bodyPr lIns="0" rIns="0" tIns="0" bIns="0" anchor="b"/>
-          <a:p>
-            <a:pPr algn="r"/>
-            <a:fld id="{103BE305-6EEE-4275-8A21-CCD0A2AE80EB}" type="slidenum">
-              <a:rPr b="0" lang="pt-BR" sz="1400" spc="-1" strike="noStrike">
-                <a:latin typeface="Times New Roman"/>
-              </a:rPr>
-              <a:t>&lt;número&gt;</a:t>
+              <a:t>1</a:t>
             </a:fld>
-            <a:endParaRPr b="0" lang="pt-BR" sz="1400" spc="-1" strike="noStrike">
-              <a:latin typeface="Times New Roman"/>
+            <a:endParaRPr lang="pt-BR" sz="1200" b="0" strike="noStrike" spc="-1">
+              <a:latin typeface="Arial"/>
+            </a:endParaRPr>
+          </a:p>
+        </p:txBody>
+      </p:sp>
+      <p:sp>
+        <p:nvSpPr>
+          <p:cNvPr id="101" name="PlaceHolder 2"/>
+          <p:cNvSpPr>
+            <a:spLocks noGrp="1" noRot="1" noChangeAspect="1"/>
+          </p:cNvSpPr>
+          <p:nvPr>
+            <p:ph type="sldImg"/>
+          </p:nvPr>
+        </p:nvSpPr>
+        <p:spPr>
+          <a:xfrm>
+            <a:off x="1143000" y="685800"/>
+            <a:ext cx="4572000" cy="3429000"/>
+          </a:xfrm>
+          <a:prstGeom prst="rect">
+            <a:avLst/>
+          </a:prstGeom>
+        </p:spPr>
+      </p:sp>
+      <p:sp>
+        <p:nvSpPr>
+          <p:cNvPr id="102" name="PlaceHolder 3"/>
+          <p:cNvSpPr>
+            <a:spLocks noGrp="1"/>
+          </p:cNvSpPr>
+          <p:nvPr>
+            <p:ph type="body"/>
+          </p:nvPr>
+        </p:nvSpPr>
+        <p:spPr>
+          <a:xfrm>
+            <a:off x="685800" y="4343400"/>
+            <a:ext cx="5485680" cy="4114080"/>
+          </a:xfrm>
+          <a:prstGeom prst="rect">
+            <a:avLst/>
+          </a:prstGeom>
+        </p:spPr>
+        <p:txBody>
+          <a:bodyPr lIns="0" tIns="0" rIns="0" bIns="0"/>
+          <a:lstStyle/>
+          <a:p>
+            <a:endParaRPr lang="pt-BR" sz="2000" b="0" strike="noStrike" spc="-1">
+              <a:latin typeface="Arial"/>
             </a:endParaRPr>
           </a:p>
         </p:txBody>
       </p:sp>
     </p:spTree>
   </p:cSld>
-  <p:clrMap bg1="lt1" bg2="lt2" tx1="dk1" tx2="dk2" accent1="accent1" accent2="accent2" accent3="accent3" accent4="accent4" accent5="accent5" accent6="accent6" hlink="hlink" folHlink="folHlink"/>
-</p:notesMaster>
+  <p:clrMapOvr>
+    <a:masterClrMapping/>
+  </p:clrMapOvr>
+</p:notes>
 </file>
 
-<file path=ppt/notesSlides/notesSlide1.xml><?xml version="1.0" encoding="utf-8"?>
-<p:notes xmlns:a="http://schemas.openxmlformats.org/drawingml/2006/main" xmlns:p="http://schemas.openxmlformats.org/presentationml/2006/main" xmlns:r="http://schemas.openxmlformats.org/officeDocument/2006/relationships" xmlns:p14="http://schemas.microsoft.com/office/powerpoint/2010/main" xmlns:p15="http://schemas.microsoft.com/office/powerpoint/2012/main" xmlns:mc="http://schemas.openxmlformats.org/markup-compatibility/2006">
+<file path=ppt/notesSlides/notesSlide2.xml><?xml version="1.0" encoding="utf-8"?>
+<p:notes xmlns:a="http://schemas.openxmlformats.org/drawingml/2006/main" xmlns:r="http://schemas.openxmlformats.org/officeDocument/2006/relationships" xmlns:p="http://schemas.openxmlformats.org/presentationml/2006/main">
   <p:cSld>
     <p:spTree>
       <p:nvGrpSpPr>
@@ -273,7 +581,7 @@
       </p:grpSpPr>
       <p:sp>
         <p:nvSpPr>
-          <p:cNvPr id="100" name="CustomShape 1"/>
+          <p:cNvPr id="103" name="CustomShape 1"/>
           <p:cNvSpPr/>
           <p:nvPr/>
         </p:nvSpPr>
@@ -291,36 +599,43 @@
           </a:ln>
         </p:spPr>
         <p:style>
-          <a:lnRef idx="0"/>
-          <a:fillRef idx="0"/>
-          <a:effectRef idx="0"/>
+          <a:lnRef idx="0">
+            <a:scrgbClr r="0" g="0" b="0"/>
+          </a:lnRef>
+          <a:fillRef idx="0">
+            <a:scrgbClr r="0" g="0" b="0"/>
+          </a:fillRef>
+          <a:effectRef idx="0">
+            <a:scrgbClr r="0" g="0" b="0"/>
+          </a:effectRef>
           <a:fontRef idx="minor"/>
         </p:style>
         <p:txBody>
-          <a:bodyPr lIns="90000" rIns="90000" tIns="45000" bIns="45000" anchor="b"/>
+          <a:bodyPr lIns="90000" tIns="45000" rIns="90000" bIns="45000" anchor="b"/>
+          <a:lstStyle/>
           <a:p>
             <a:pPr algn="r">
               <a:lnSpc>
                 <a:spcPct val="100000"/>
               </a:lnSpc>
             </a:pPr>
-            <a:fld id="{BC1DA2D9-86A4-4655-8F58-3115C31BAB77}" type="slidenum">
-              <a:rPr b="0" lang="pt-BR" sz="1200" spc="-1" strike="noStrike">
+            <a:fld id="{956833D8-84F4-473A-B55A-CC16D5738BC7}" type="slidenum">
+              <a:rPr lang="pt-BR" sz="1200" b="0" strike="noStrike" spc="-1">
                 <a:latin typeface="Times New Roman"/>
               </a:rPr>
-              <a:t>&lt;número&gt;</a:t>
+              <a:t>2</a:t>
             </a:fld>
-            <a:endParaRPr b="0" lang="pt-BR" sz="1200" spc="-1" strike="noStrike">
-              <a:latin typeface="Arial"/>
-            </a:endParaRPr>
-          </a:p>
-        </p:txBody>
-      </p:sp>
-      <p:sp>
-        <p:nvSpPr>
-          <p:cNvPr id="101" name="PlaceHolder 2"/>
-          <p:cNvSpPr>
-            <a:spLocks noGrp="1"/>
+            <a:endParaRPr lang="pt-BR" sz="1200" b="0" strike="noStrike" spc="-1">
+              <a:latin typeface="Arial"/>
+            </a:endParaRPr>
+          </a:p>
+        </p:txBody>
+      </p:sp>
+      <p:sp>
+        <p:nvSpPr>
+          <p:cNvPr id="104" name="PlaceHolder 2"/>
+          <p:cNvSpPr>
+            <a:spLocks noGrp="1" noRot="1" noChangeAspect="1"/>
           </p:cNvSpPr>
           <p:nvPr>
             <p:ph type="sldImg"/>
@@ -338,7 +653,7 @@
       </p:sp>
       <p:sp>
         <p:nvSpPr>
-          <p:cNvPr id="102" name="PlaceHolder 3"/>
+          <p:cNvPr id="105" name="PlaceHolder 3"/>
           <p:cNvSpPr>
             <a:spLocks noGrp="1"/>
           </p:cNvSpPr>
@@ -356,9 +671,10 @@
           </a:prstGeom>
         </p:spPr>
         <p:txBody>
-          <a:bodyPr lIns="0" rIns="0" tIns="0" bIns="0"/>
-          <a:p>
-            <a:endParaRPr b="0" lang="pt-BR" sz="2000" spc="-1" strike="noStrike">
+          <a:bodyPr lIns="0" tIns="0" rIns="0" bIns="0"/>
+          <a:lstStyle/>
+          <a:p>
+            <a:endParaRPr lang="pt-BR" sz="2000" b="0" strike="noStrike" spc="-1">
               <a:latin typeface="Arial"/>
             </a:endParaRPr>
           </a:p>
@@ -366,11 +682,14 @@
       </p:sp>
     </p:spTree>
   </p:cSld>
+  <p:clrMapOvr>
+    <a:masterClrMapping/>
+  </p:clrMapOvr>
 </p:notes>
 </file>
 
-<file path=ppt/notesSlides/notesSlide2.xml><?xml version="1.0" encoding="utf-8"?>
-<p:notes xmlns:a="http://schemas.openxmlformats.org/drawingml/2006/main" xmlns:p="http://schemas.openxmlformats.org/presentationml/2006/main" xmlns:r="http://schemas.openxmlformats.org/officeDocument/2006/relationships" xmlns:p14="http://schemas.microsoft.com/office/powerpoint/2010/main" xmlns:p15="http://schemas.microsoft.com/office/powerpoint/2012/main" xmlns:mc="http://schemas.openxmlformats.org/markup-compatibility/2006">
+<file path=ppt/notesSlides/notesSlide3.xml><?xml version="1.0" encoding="utf-8"?>
+<p:notes xmlns:a="http://schemas.openxmlformats.org/drawingml/2006/main" xmlns:r="http://schemas.openxmlformats.org/officeDocument/2006/relationships" xmlns:p="http://schemas.openxmlformats.org/presentationml/2006/main">
   <p:cSld>
     <p:spTree>
       <p:nvGrpSpPr>
@@ -388,7 +707,7 @@
       </p:grpSpPr>
       <p:sp>
         <p:nvSpPr>
-          <p:cNvPr id="103" name="CustomShape 1"/>
+          <p:cNvPr id="106" name="CustomShape 1"/>
           <p:cNvSpPr/>
           <p:nvPr/>
         </p:nvSpPr>
@@ -406,36 +725,43 @@
           </a:ln>
         </p:spPr>
         <p:style>
-          <a:lnRef idx="0"/>
-          <a:fillRef idx="0"/>
-          <a:effectRef idx="0"/>
+          <a:lnRef idx="0">
+            <a:scrgbClr r="0" g="0" b="0"/>
+          </a:lnRef>
+          <a:fillRef idx="0">
+            <a:scrgbClr r="0" g="0" b="0"/>
+          </a:fillRef>
+          <a:effectRef idx="0">
+            <a:scrgbClr r="0" g="0" b="0"/>
+          </a:effectRef>
           <a:fontRef idx="minor"/>
         </p:style>
         <p:txBody>
-          <a:bodyPr lIns="90000" rIns="90000" tIns="45000" bIns="45000" anchor="b"/>
+          <a:bodyPr lIns="90000" tIns="45000" rIns="90000" bIns="45000" anchor="b"/>
+          <a:lstStyle/>
           <a:p>
             <a:pPr algn="r">
               <a:lnSpc>
                 <a:spcPct val="100000"/>
               </a:lnSpc>
             </a:pPr>
-            <a:fld id="{956833D8-84F4-473A-B55A-CC16D5738BC7}" type="slidenum">
-              <a:rPr b="0" lang="pt-BR" sz="1200" spc="-1" strike="noStrike">
+            <a:fld id="{4ADA8DB6-E554-4036-B9C0-99A214DC62A3}" type="slidenum">
+              <a:rPr lang="pt-BR" sz="1200" b="0" strike="noStrike" spc="-1">
                 <a:latin typeface="Times New Roman"/>
               </a:rPr>
-              <a:t>&lt;número&gt;</a:t>
+              <a:t>3</a:t>
             </a:fld>
-            <a:endParaRPr b="0" lang="pt-BR" sz="1200" spc="-1" strike="noStrike">
-              <a:latin typeface="Arial"/>
-            </a:endParaRPr>
-          </a:p>
-        </p:txBody>
-      </p:sp>
-      <p:sp>
-        <p:nvSpPr>
-          <p:cNvPr id="104" name="PlaceHolder 2"/>
-          <p:cNvSpPr>
-            <a:spLocks noGrp="1"/>
+            <a:endParaRPr lang="pt-BR" sz="1200" b="0" strike="noStrike" spc="-1">
+              <a:latin typeface="Arial"/>
+            </a:endParaRPr>
+          </a:p>
+        </p:txBody>
+      </p:sp>
+      <p:sp>
+        <p:nvSpPr>
+          <p:cNvPr id="107" name="PlaceHolder 2"/>
+          <p:cNvSpPr>
+            <a:spLocks noGrp="1" noRot="1" noChangeAspect="1"/>
           </p:cNvSpPr>
           <p:nvPr>
             <p:ph type="sldImg"/>
@@ -453,7 +779,7 @@
       </p:sp>
       <p:sp>
         <p:nvSpPr>
-          <p:cNvPr id="105" name="PlaceHolder 3"/>
+          <p:cNvPr id="108" name="PlaceHolder 3"/>
           <p:cNvSpPr>
             <a:spLocks noGrp="1"/>
           </p:cNvSpPr>
@@ -471,9 +797,10 @@
           </a:prstGeom>
         </p:spPr>
         <p:txBody>
-          <a:bodyPr lIns="0" rIns="0" tIns="0" bIns="0"/>
-          <a:p>
-            <a:endParaRPr b="0" lang="pt-BR" sz="2000" spc="-1" strike="noStrike">
+          <a:bodyPr lIns="0" tIns="0" rIns="0" bIns="0"/>
+          <a:lstStyle/>
+          <a:p>
+            <a:endParaRPr lang="pt-BR" sz="2000" b="0" strike="noStrike" spc="-1">
               <a:latin typeface="Arial"/>
             </a:endParaRPr>
           </a:p>
@@ -481,11 +808,14 @@
       </p:sp>
     </p:spTree>
   </p:cSld>
+  <p:clrMapOvr>
+    <a:masterClrMapping/>
+  </p:clrMapOvr>
 </p:notes>
 </file>
 
-<file path=ppt/notesSlides/notesSlide3.xml><?xml version="1.0" encoding="utf-8"?>
-<p:notes xmlns:a="http://schemas.openxmlformats.org/drawingml/2006/main" xmlns:p="http://schemas.openxmlformats.org/presentationml/2006/main" xmlns:r="http://schemas.openxmlformats.org/officeDocument/2006/relationships" xmlns:p14="http://schemas.microsoft.com/office/powerpoint/2010/main" xmlns:p15="http://schemas.microsoft.com/office/powerpoint/2012/main" xmlns:mc="http://schemas.openxmlformats.org/markup-compatibility/2006">
+<file path=ppt/notesSlides/notesSlide4.xml><?xml version="1.0" encoding="utf-8"?>
+<p:notes xmlns:a="http://schemas.openxmlformats.org/drawingml/2006/main" xmlns:r="http://schemas.openxmlformats.org/officeDocument/2006/relationships" xmlns:p="http://schemas.openxmlformats.org/presentationml/2006/main">
   <p:cSld>
     <p:spTree>
       <p:nvGrpSpPr>
@@ -503,7 +833,7 @@
       </p:grpSpPr>
       <p:sp>
         <p:nvSpPr>
-          <p:cNvPr id="106" name="CustomShape 1"/>
+          <p:cNvPr id="109" name="CustomShape 1"/>
           <p:cNvSpPr/>
           <p:nvPr/>
         </p:nvSpPr>
@@ -521,36 +851,43 @@
           </a:ln>
         </p:spPr>
         <p:style>
-          <a:lnRef idx="0"/>
-          <a:fillRef idx="0"/>
-          <a:effectRef idx="0"/>
+          <a:lnRef idx="0">
+            <a:scrgbClr r="0" g="0" b="0"/>
+          </a:lnRef>
+          <a:fillRef idx="0">
+            <a:scrgbClr r="0" g="0" b="0"/>
+          </a:fillRef>
+          <a:effectRef idx="0">
+            <a:scrgbClr r="0" g="0" b="0"/>
+          </a:effectRef>
           <a:fontRef idx="minor"/>
         </p:style>
         <p:txBody>
-          <a:bodyPr lIns="90000" rIns="90000" tIns="45000" bIns="45000" anchor="b"/>
+          <a:bodyPr lIns="90000" tIns="45000" rIns="90000" bIns="45000" anchor="b"/>
+          <a:lstStyle/>
           <a:p>
             <a:pPr algn="r">
               <a:lnSpc>
                 <a:spcPct val="100000"/>
               </a:lnSpc>
             </a:pPr>
-            <a:fld id="{4ADA8DB6-E554-4036-B9C0-99A214DC62A3}" type="slidenum">
-              <a:rPr b="0" lang="pt-BR" sz="1200" spc="-1" strike="noStrike">
+            <a:fld id="{64F22DDE-07DA-4BAD-BC9F-7B2358BA2C45}" type="slidenum">
+              <a:rPr lang="pt-BR" sz="1200" b="0" strike="noStrike" spc="-1">
                 <a:latin typeface="Times New Roman"/>
               </a:rPr>
-              <a:t>&lt;número&gt;</a:t>
+              <a:t>4</a:t>
             </a:fld>
-            <a:endParaRPr b="0" lang="pt-BR" sz="1200" spc="-1" strike="noStrike">
-              <a:latin typeface="Arial"/>
-            </a:endParaRPr>
-          </a:p>
-        </p:txBody>
-      </p:sp>
-      <p:sp>
-        <p:nvSpPr>
-          <p:cNvPr id="107" name="PlaceHolder 2"/>
-          <p:cNvSpPr>
-            <a:spLocks noGrp="1"/>
+            <a:endParaRPr lang="pt-BR" sz="1200" b="0" strike="noStrike" spc="-1">
+              <a:latin typeface="Arial"/>
+            </a:endParaRPr>
+          </a:p>
+        </p:txBody>
+      </p:sp>
+      <p:sp>
+        <p:nvSpPr>
+          <p:cNvPr id="110" name="PlaceHolder 2"/>
+          <p:cNvSpPr>
+            <a:spLocks noGrp="1" noRot="1" noChangeAspect="1"/>
           </p:cNvSpPr>
           <p:nvPr>
             <p:ph type="sldImg"/>
@@ -568,7 +905,7 @@
       </p:sp>
       <p:sp>
         <p:nvSpPr>
-          <p:cNvPr id="108" name="PlaceHolder 3"/>
+          <p:cNvPr id="111" name="PlaceHolder 3"/>
           <p:cNvSpPr>
             <a:spLocks noGrp="1"/>
           </p:cNvSpPr>
@@ -586,9 +923,10 @@
           </a:prstGeom>
         </p:spPr>
         <p:txBody>
-          <a:bodyPr lIns="0" rIns="0" tIns="0" bIns="0"/>
-          <a:p>
-            <a:endParaRPr b="0" lang="pt-BR" sz="2000" spc="-1" strike="noStrike">
+          <a:bodyPr lIns="0" tIns="0" rIns="0" bIns="0"/>
+          <a:lstStyle/>
+          <a:p>
+            <a:endParaRPr lang="pt-BR" sz="2000" b="0" strike="noStrike" spc="-1">
               <a:latin typeface="Arial"/>
             </a:endParaRPr>
           </a:p>
@@ -596,11 +934,14 @@
       </p:sp>
     </p:spTree>
   </p:cSld>
+  <p:clrMapOvr>
+    <a:masterClrMapping/>
+  </p:clrMapOvr>
 </p:notes>
 </file>
 
-<file path=ppt/notesSlides/notesSlide4.xml><?xml version="1.0" encoding="utf-8"?>
-<p:notes xmlns:a="http://schemas.openxmlformats.org/drawingml/2006/main" xmlns:p="http://schemas.openxmlformats.org/presentationml/2006/main" xmlns:r="http://schemas.openxmlformats.org/officeDocument/2006/relationships" xmlns:p14="http://schemas.microsoft.com/office/powerpoint/2010/main" xmlns:p15="http://schemas.microsoft.com/office/powerpoint/2012/main" xmlns:mc="http://schemas.openxmlformats.org/markup-compatibility/2006">
+<file path=ppt/notesSlides/notesSlide5.xml><?xml version="1.0" encoding="utf-8"?>
+<p:notes xmlns:a="http://schemas.openxmlformats.org/drawingml/2006/main" xmlns:r="http://schemas.openxmlformats.org/officeDocument/2006/relationships" xmlns:p="http://schemas.openxmlformats.org/presentationml/2006/main">
   <p:cSld>
     <p:spTree>
       <p:nvGrpSpPr>
@@ -618,7 +959,7 @@
       </p:grpSpPr>
       <p:sp>
         <p:nvSpPr>
-          <p:cNvPr id="109" name="CustomShape 1"/>
+          <p:cNvPr id="112" name="CustomShape 1"/>
           <p:cNvSpPr/>
           <p:nvPr/>
         </p:nvSpPr>
@@ -636,36 +977,43 @@
           </a:ln>
         </p:spPr>
         <p:style>
-          <a:lnRef idx="0"/>
-          <a:fillRef idx="0"/>
-          <a:effectRef idx="0"/>
+          <a:lnRef idx="0">
+            <a:scrgbClr r="0" g="0" b="0"/>
+          </a:lnRef>
+          <a:fillRef idx="0">
+            <a:scrgbClr r="0" g="0" b="0"/>
+          </a:fillRef>
+          <a:effectRef idx="0">
+            <a:scrgbClr r="0" g="0" b="0"/>
+          </a:effectRef>
           <a:fontRef idx="minor"/>
         </p:style>
         <p:txBody>
-          <a:bodyPr lIns="90000" rIns="90000" tIns="45000" bIns="45000" anchor="b"/>
+          <a:bodyPr lIns="90000" tIns="45000" rIns="90000" bIns="45000" anchor="b"/>
+          <a:lstStyle/>
           <a:p>
             <a:pPr algn="r">
               <a:lnSpc>
                 <a:spcPct val="100000"/>
               </a:lnSpc>
             </a:pPr>
-            <a:fld id="{64F22DDE-07DA-4BAD-BC9F-7B2358BA2C45}" type="slidenum">
-              <a:rPr b="0" lang="pt-BR" sz="1200" spc="-1" strike="noStrike">
+            <a:fld id="{305DC37E-1A0B-4E5B-BEA1-D9F3748021BF}" type="slidenum">
+              <a:rPr lang="pt-BR" sz="1200" b="0" strike="noStrike" spc="-1">
                 <a:latin typeface="Times New Roman"/>
               </a:rPr>
-              <a:t>&lt;número&gt;</a:t>
+              <a:t>5</a:t>
             </a:fld>
-            <a:endParaRPr b="0" lang="pt-BR" sz="1200" spc="-1" strike="noStrike">
-              <a:latin typeface="Arial"/>
-            </a:endParaRPr>
-          </a:p>
-        </p:txBody>
-      </p:sp>
-      <p:sp>
-        <p:nvSpPr>
-          <p:cNvPr id="110" name="PlaceHolder 2"/>
-          <p:cNvSpPr>
-            <a:spLocks noGrp="1"/>
+            <a:endParaRPr lang="pt-BR" sz="1200" b="0" strike="noStrike" spc="-1">
+              <a:latin typeface="Arial"/>
+            </a:endParaRPr>
+          </a:p>
+        </p:txBody>
+      </p:sp>
+      <p:sp>
+        <p:nvSpPr>
+          <p:cNvPr id="113" name="PlaceHolder 2"/>
+          <p:cNvSpPr>
+            <a:spLocks noGrp="1" noRot="1" noChangeAspect="1"/>
           </p:cNvSpPr>
           <p:nvPr>
             <p:ph type="sldImg"/>
@@ -674,16 +1022,16 @@
         <p:spPr>
           <a:xfrm>
             <a:off x="1143000" y="685800"/>
-            <a:ext cx="4571280" cy="3428280"/>
-          </a:xfrm>
-          <a:prstGeom prst="rect">
-            <a:avLst/>
-          </a:prstGeom>
-        </p:spPr>
-      </p:sp>
-      <p:sp>
-        <p:nvSpPr>
-          <p:cNvPr id="111" name="PlaceHolder 3"/>
+            <a:ext cx="4572000" cy="3429000"/>
+          </a:xfrm>
+          <a:prstGeom prst="rect">
+            <a:avLst/>
+          </a:prstGeom>
+        </p:spPr>
+      </p:sp>
+      <p:sp>
+        <p:nvSpPr>
+          <p:cNvPr id="114" name="PlaceHolder 3"/>
           <p:cNvSpPr>
             <a:spLocks noGrp="1"/>
           </p:cNvSpPr>
@@ -701,9 +1049,10 @@
           </a:prstGeom>
         </p:spPr>
         <p:txBody>
-          <a:bodyPr lIns="0" rIns="0" tIns="0" bIns="0"/>
-          <a:p>
-            <a:endParaRPr b="0" lang="pt-BR" sz="2000" spc="-1" strike="noStrike">
+          <a:bodyPr lIns="0" tIns="0" rIns="0" bIns="0"/>
+          <a:lstStyle/>
+          <a:p>
+            <a:endParaRPr lang="pt-BR" sz="2000" b="0" strike="noStrike" spc="-1">
               <a:latin typeface="Arial"/>
             </a:endParaRPr>
           </a:p>
@@ -711,11 +1060,14 @@
       </p:sp>
     </p:spTree>
   </p:cSld>
+  <p:clrMapOvr>
+    <a:masterClrMapping/>
+  </p:clrMapOvr>
 </p:notes>
 </file>
 
-<file path=ppt/notesSlides/notesSlide5.xml><?xml version="1.0" encoding="utf-8"?>
-<p:notes xmlns:a="http://schemas.openxmlformats.org/drawingml/2006/main" xmlns:p="http://schemas.openxmlformats.org/presentationml/2006/main" xmlns:r="http://schemas.openxmlformats.org/officeDocument/2006/relationships" xmlns:p14="http://schemas.microsoft.com/office/powerpoint/2010/main" xmlns:p15="http://schemas.microsoft.com/office/powerpoint/2012/main" xmlns:mc="http://schemas.openxmlformats.org/markup-compatibility/2006">
+<file path=ppt/notesSlides/notesSlide6.xml><?xml version="1.0" encoding="utf-8"?>
+<p:notes xmlns:a="http://schemas.openxmlformats.org/drawingml/2006/main" xmlns:r="http://schemas.openxmlformats.org/officeDocument/2006/relationships" xmlns:p="http://schemas.openxmlformats.org/presentationml/2006/main">
   <p:cSld>
     <p:spTree>
       <p:nvGrpSpPr>
@@ -733,7 +1085,7 @@
       </p:grpSpPr>
       <p:sp>
         <p:nvSpPr>
-          <p:cNvPr id="112" name="CustomShape 1"/>
+          <p:cNvPr id="115" name="CustomShape 1"/>
           <p:cNvSpPr/>
           <p:nvPr/>
         </p:nvSpPr>
@@ -751,36 +1103,43 @@
           </a:ln>
         </p:spPr>
         <p:style>
-          <a:lnRef idx="0"/>
-          <a:fillRef idx="0"/>
-          <a:effectRef idx="0"/>
+          <a:lnRef idx="0">
+            <a:scrgbClr r="0" g="0" b="0"/>
+          </a:lnRef>
+          <a:fillRef idx="0">
+            <a:scrgbClr r="0" g="0" b="0"/>
+          </a:fillRef>
+          <a:effectRef idx="0">
+            <a:scrgbClr r="0" g="0" b="0"/>
+          </a:effectRef>
           <a:fontRef idx="minor"/>
         </p:style>
         <p:txBody>
-          <a:bodyPr lIns="90000" rIns="90000" tIns="45000" bIns="45000" anchor="b"/>
+          <a:bodyPr lIns="90000" tIns="45000" rIns="90000" bIns="45000" anchor="b"/>
+          <a:lstStyle/>
           <a:p>
             <a:pPr algn="r">
               <a:lnSpc>
                 <a:spcPct val="100000"/>
               </a:lnSpc>
             </a:pPr>
-            <a:fld id="{305DC37E-1A0B-4E5B-BEA1-D9F3748021BF}" type="slidenum">
-              <a:rPr b="0" lang="pt-BR" sz="1200" spc="-1" strike="noStrike">
+            <a:fld id="{E48DEAD7-406D-4223-96B6-B27BFB36D88B}" type="slidenum">
+              <a:rPr lang="pt-BR" sz="1200" b="0" strike="noStrike" spc="-1">
                 <a:latin typeface="Times New Roman"/>
               </a:rPr>
-              <a:t>&lt;número&gt;</a:t>
+              <a:t>6</a:t>
             </a:fld>
-            <a:endParaRPr b="0" lang="pt-BR" sz="1200" spc="-1" strike="noStrike">
-              <a:latin typeface="Arial"/>
-            </a:endParaRPr>
-          </a:p>
-        </p:txBody>
-      </p:sp>
-      <p:sp>
-        <p:nvSpPr>
-          <p:cNvPr id="113" name="PlaceHolder 2"/>
-          <p:cNvSpPr>
-            <a:spLocks noGrp="1"/>
+            <a:endParaRPr lang="pt-BR" sz="1200" b="0" strike="noStrike" spc="-1">
+              <a:latin typeface="Arial"/>
+            </a:endParaRPr>
+          </a:p>
+        </p:txBody>
+      </p:sp>
+      <p:sp>
+        <p:nvSpPr>
+          <p:cNvPr id="116" name="PlaceHolder 2"/>
+          <p:cNvSpPr>
+            <a:spLocks noGrp="1" noRot="1" noChangeAspect="1"/>
           </p:cNvSpPr>
           <p:nvPr>
             <p:ph type="sldImg"/>
@@ -798,7 +1157,7 @@
       </p:sp>
       <p:sp>
         <p:nvSpPr>
-          <p:cNvPr id="114" name="PlaceHolder 3"/>
+          <p:cNvPr id="117" name="PlaceHolder 3"/>
           <p:cNvSpPr>
             <a:spLocks noGrp="1"/>
           </p:cNvSpPr>
@@ -816,9 +1175,10 @@
           </a:prstGeom>
         </p:spPr>
         <p:txBody>
-          <a:bodyPr lIns="0" rIns="0" tIns="0" bIns="0"/>
-          <a:p>
-            <a:endParaRPr b="0" lang="pt-BR" sz="2000" spc="-1" strike="noStrike">
+          <a:bodyPr lIns="0" tIns="0" rIns="0" bIns="0"/>
+          <a:lstStyle/>
+          <a:p>
+            <a:endParaRPr lang="pt-BR" sz="2000" b="0" strike="noStrike" spc="-1">
               <a:latin typeface="Arial"/>
             </a:endParaRPr>
           </a:p>
@@ -826,11 +1186,14 @@
       </p:sp>
     </p:spTree>
   </p:cSld>
+  <p:clrMapOvr>
+    <a:masterClrMapping/>
+  </p:clrMapOvr>
 </p:notes>
 </file>
 
-<file path=ppt/notesSlides/notesSlide6.xml><?xml version="1.0" encoding="utf-8"?>
-<p:notes xmlns:a="http://schemas.openxmlformats.org/drawingml/2006/main" xmlns:p="http://schemas.openxmlformats.org/presentationml/2006/main" xmlns:r="http://schemas.openxmlformats.org/officeDocument/2006/relationships" xmlns:p14="http://schemas.microsoft.com/office/powerpoint/2010/main" xmlns:p15="http://schemas.microsoft.com/office/powerpoint/2012/main" xmlns:mc="http://schemas.openxmlformats.org/markup-compatibility/2006">
+<file path=ppt/notesSlides/notesSlide7.xml><?xml version="1.0" encoding="utf-8"?>
+<p:notes xmlns:a="http://schemas.openxmlformats.org/drawingml/2006/main" xmlns:r="http://schemas.openxmlformats.org/officeDocument/2006/relationships" xmlns:p="http://schemas.openxmlformats.org/presentationml/2006/main">
   <p:cSld>
     <p:spTree>
       <p:nvGrpSpPr>
@@ -848,7 +1211,7 @@
       </p:grpSpPr>
       <p:sp>
         <p:nvSpPr>
-          <p:cNvPr id="115" name="CustomShape 1"/>
+          <p:cNvPr id="121" name="CustomShape 1"/>
           <p:cNvSpPr/>
           <p:nvPr/>
         </p:nvSpPr>
@@ -866,36 +1229,43 @@
           </a:ln>
         </p:spPr>
         <p:style>
-          <a:lnRef idx="0"/>
-          <a:fillRef idx="0"/>
-          <a:effectRef idx="0"/>
+          <a:lnRef idx="0">
+            <a:scrgbClr r="0" g="0" b="0"/>
+          </a:lnRef>
+          <a:fillRef idx="0">
+            <a:scrgbClr r="0" g="0" b="0"/>
+          </a:fillRef>
+          <a:effectRef idx="0">
+            <a:scrgbClr r="0" g="0" b="0"/>
+          </a:effectRef>
           <a:fontRef idx="minor"/>
         </p:style>
         <p:txBody>
-          <a:bodyPr lIns="90000" rIns="90000" tIns="45000" bIns="45000" anchor="b"/>
+          <a:bodyPr lIns="90000" tIns="45000" rIns="90000" bIns="45000" anchor="b"/>
+          <a:lstStyle/>
           <a:p>
             <a:pPr algn="r">
               <a:lnSpc>
                 <a:spcPct val="100000"/>
               </a:lnSpc>
             </a:pPr>
-            <a:fld id="{E48DEAD7-406D-4223-96B6-B27BFB36D88B}" type="slidenum">
-              <a:rPr b="0" lang="pt-BR" sz="1200" spc="-1" strike="noStrike">
+            <a:fld id="{E31E35DE-85C7-4549-AC3A-73AD812CE8D1}" type="slidenum">
+              <a:rPr lang="pt-BR" sz="1200" b="0" strike="noStrike" spc="-1">
                 <a:latin typeface="Times New Roman"/>
               </a:rPr>
-              <a:t>&lt;número&gt;</a:t>
+              <a:t>7</a:t>
             </a:fld>
-            <a:endParaRPr b="0" lang="pt-BR" sz="1200" spc="-1" strike="noStrike">
-              <a:latin typeface="Arial"/>
-            </a:endParaRPr>
-          </a:p>
-        </p:txBody>
-      </p:sp>
-      <p:sp>
-        <p:nvSpPr>
-          <p:cNvPr id="116" name="PlaceHolder 2"/>
-          <p:cNvSpPr>
-            <a:spLocks noGrp="1"/>
+            <a:endParaRPr lang="pt-BR" sz="1200" b="0" strike="noStrike" spc="-1">
+              <a:latin typeface="Arial"/>
+            </a:endParaRPr>
+          </a:p>
+        </p:txBody>
+      </p:sp>
+      <p:sp>
+        <p:nvSpPr>
+          <p:cNvPr id="122" name="PlaceHolder 2"/>
+          <p:cNvSpPr>
+            <a:spLocks noGrp="1" noRot="1" noChangeAspect="1"/>
           </p:cNvSpPr>
           <p:nvPr>
             <p:ph type="sldImg"/>
@@ -913,7 +1283,7 @@
       </p:sp>
       <p:sp>
         <p:nvSpPr>
-          <p:cNvPr id="117" name="PlaceHolder 3"/>
+          <p:cNvPr id="123" name="PlaceHolder 3"/>
           <p:cNvSpPr>
             <a:spLocks noGrp="1"/>
           </p:cNvSpPr>
@@ -931,9 +1301,10 @@
           </a:prstGeom>
         </p:spPr>
         <p:txBody>
-          <a:bodyPr lIns="0" rIns="0" tIns="0" bIns="0"/>
-          <a:p>
-            <a:endParaRPr b="0" lang="pt-BR" sz="2000" spc="-1" strike="noStrike">
+          <a:bodyPr lIns="0" tIns="0" rIns="0" bIns="0"/>
+          <a:lstStyle/>
+          <a:p>
+            <a:endParaRPr lang="pt-BR" sz="2000" b="0" strike="noStrike" spc="-1">
               <a:latin typeface="Arial"/>
             </a:endParaRPr>
           </a:p>
@@ -941,11 +1312,14 @@
       </p:sp>
     </p:spTree>
   </p:cSld>
+  <p:clrMapOvr>
+    <a:masterClrMapping/>
+  </p:clrMapOvr>
 </p:notes>
 </file>
 
-<file path=ppt/notesSlides/notesSlide7.xml><?xml version="1.0" encoding="utf-8"?>
-<p:notes xmlns:a="http://schemas.openxmlformats.org/drawingml/2006/main" xmlns:p="http://schemas.openxmlformats.org/presentationml/2006/main" xmlns:r="http://schemas.openxmlformats.org/officeDocument/2006/relationships" xmlns:p14="http://schemas.microsoft.com/office/powerpoint/2010/main" xmlns:p15="http://schemas.microsoft.com/office/powerpoint/2012/main" xmlns:mc="http://schemas.openxmlformats.org/markup-compatibility/2006">
+<file path=ppt/notesSlides/notesSlide8.xml><?xml version="1.0" encoding="utf-8"?>
+<p:notes xmlns:a="http://schemas.openxmlformats.org/drawingml/2006/main" xmlns:r="http://schemas.openxmlformats.org/officeDocument/2006/relationships" xmlns:p="http://schemas.openxmlformats.org/presentationml/2006/main">
   <p:cSld>
     <p:spTree>
       <p:nvGrpSpPr>
@@ -963,7 +1337,7 @@
       </p:grpSpPr>
       <p:sp>
         <p:nvSpPr>
-          <p:cNvPr id="118" name="CustomShape 1"/>
+          <p:cNvPr id="124" name="CustomShape 1"/>
           <p:cNvSpPr/>
           <p:nvPr/>
         </p:nvSpPr>
@@ -981,243 +1355,20 @@
           </a:ln>
         </p:spPr>
         <p:style>
-          <a:lnRef idx="0"/>
-          <a:fillRef idx="0"/>
-          <a:effectRef idx="0"/>
+          <a:lnRef idx="0">
+            <a:scrgbClr r="0" g="0" b="0"/>
+          </a:lnRef>
+          <a:fillRef idx="0">
+            <a:scrgbClr r="0" g="0" b="0"/>
+          </a:fillRef>
+          <a:effectRef idx="0">
+            <a:scrgbClr r="0" g="0" b="0"/>
+          </a:effectRef>
           <a:fontRef idx="minor"/>
         </p:style>
         <p:txBody>
-          <a:bodyPr lIns="90000" rIns="90000" tIns="45000" bIns="45000" anchor="b"/>
-          <a:p>
-            <a:pPr algn="r">
-              <a:lnSpc>
-                <a:spcPct val="100000"/>
-              </a:lnSpc>
-            </a:pPr>
-            <a:fld id="{4DB73009-7D97-4ED8-9F76-B9B1963780A1}" type="slidenum">
-              <a:rPr b="0" lang="pt-BR" sz="1200" spc="-1" strike="noStrike">
-                <a:latin typeface="Times New Roman"/>
-              </a:rPr>
-              <a:t>&lt;número&gt;</a:t>
-            </a:fld>
-            <a:endParaRPr b="0" lang="pt-BR" sz="1200" spc="-1" strike="noStrike">
-              <a:latin typeface="Arial"/>
-            </a:endParaRPr>
-          </a:p>
-        </p:txBody>
-      </p:sp>
-      <p:sp>
-        <p:nvSpPr>
-          <p:cNvPr id="119" name="PlaceHolder 2"/>
-          <p:cNvSpPr>
-            <a:spLocks noGrp="1"/>
-          </p:cNvSpPr>
-          <p:nvPr>
-            <p:ph type="sldImg"/>
-          </p:nvPr>
-        </p:nvSpPr>
-        <p:spPr>
-          <a:xfrm>
-            <a:off x="1143000" y="685800"/>
-            <a:ext cx="4571280" cy="3428280"/>
-          </a:xfrm>
-          <a:prstGeom prst="rect">
-            <a:avLst/>
-          </a:prstGeom>
-        </p:spPr>
-      </p:sp>
-      <p:sp>
-        <p:nvSpPr>
-          <p:cNvPr id="120" name="PlaceHolder 3"/>
-          <p:cNvSpPr>
-            <a:spLocks noGrp="1"/>
-          </p:cNvSpPr>
-          <p:nvPr>
-            <p:ph type="body"/>
-          </p:nvPr>
-        </p:nvSpPr>
-        <p:spPr>
-          <a:xfrm>
-            <a:off x="685800" y="4343400"/>
-            <a:ext cx="5485680" cy="4114080"/>
-          </a:xfrm>
-          <a:prstGeom prst="rect">
-            <a:avLst/>
-          </a:prstGeom>
-        </p:spPr>
-        <p:txBody>
-          <a:bodyPr lIns="0" rIns="0" tIns="0" bIns="0"/>
-          <a:p>
-            <a:endParaRPr b="0" lang="pt-BR" sz="2000" spc="-1" strike="noStrike">
-              <a:latin typeface="Arial"/>
-            </a:endParaRPr>
-          </a:p>
-        </p:txBody>
-      </p:sp>
-    </p:spTree>
-  </p:cSld>
-</p:notes>
-</file>
-
-<file path=ppt/notesSlides/notesSlide8.xml><?xml version="1.0" encoding="utf-8"?>
-<p:notes xmlns:a="http://schemas.openxmlformats.org/drawingml/2006/main" xmlns:p="http://schemas.openxmlformats.org/presentationml/2006/main" xmlns:r="http://schemas.openxmlformats.org/officeDocument/2006/relationships" xmlns:p14="http://schemas.microsoft.com/office/powerpoint/2010/main" xmlns:p15="http://schemas.microsoft.com/office/powerpoint/2012/main" xmlns:mc="http://schemas.openxmlformats.org/markup-compatibility/2006">
-  <p:cSld>
-    <p:spTree>
-      <p:nvGrpSpPr>
-        <p:cNvPr id="1" name=""/>
-        <p:cNvGrpSpPr/>
-        <p:nvPr/>
-      </p:nvGrpSpPr>
-      <p:grpSpPr>
-        <a:xfrm>
-          <a:off x="0" y="0"/>
-          <a:ext cx="0" cy="0"/>
-          <a:chOff x="0" y="0"/>
-          <a:chExt cx="0" cy="0"/>
-        </a:xfrm>
-      </p:grpSpPr>
-      <p:sp>
-        <p:nvSpPr>
-          <p:cNvPr id="121" name="CustomShape 1"/>
-          <p:cNvSpPr/>
-          <p:nvPr/>
-        </p:nvSpPr>
-        <p:spPr>
-          <a:xfrm>
-            <a:off x="3884760" y="8685360"/>
-            <a:ext cx="2971080" cy="456480"/>
-          </a:xfrm>
-          <a:prstGeom prst="rect">
-            <a:avLst/>
-          </a:prstGeom>
-          <a:noFill/>
-          <a:ln>
-            <a:noFill/>
-          </a:ln>
-        </p:spPr>
-        <p:style>
-          <a:lnRef idx="0"/>
-          <a:fillRef idx="0"/>
-          <a:effectRef idx="0"/>
-          <a:fontRef idx="minor"/>
-        </p:style>
-        <p:txBody>
-          <a:bodyPr lIns="90000" rIns="90000" tIns="45000" bIns="45000" anchor="b"/>
-          <a:p>
-            <a:pPr algn="r">
-              <a:lnSpc>
-                <a:spcPct val="100000"/>
-              </a:lnSpc>
-            </a:pPr>
-            <a:fld id="{E31E35DE-85C7-4549-AC3A-73AD812CE8D1}" type="slidenum">
-              <a:rPr b="0" lang="pt-BR" sz="1200" spc="-1" strike="noStrike">
-                <a:latin typeface="Times New Roman"/>
-              </a:rPr>
-              <a:t>&lt;número&gt;</a:t>
-            </a:fld>
-            <a:endParaRPr b="0" lang="pt-BR" sz="1200" spc="-1" strike="noStrike">
-              <a:latin typeface="Arial"/>
-            </a:endParaRPr>
-          </a:p>
-        </p:txBody>
-      </p:sp>
-      <p:sp>
-        <p:nvSpPr>
-          <p:cNvPr id="122" name="PlaceHolder 2"/>
-          <p:cNvSpPr>
-            <a:spLocks noGrp="1"/>
-          </p:cNvSpPr>
-          <p:nvPr>
-            <p:ph type="sldImg"/>
-          </p:nvPr>
-        </p:nvSpPr>
-        <p:spPr>
-          <a:xfrm>
-            <a:off x="1143000" y="685800"/>
-            <a:ext cx="4571280" cy="3428280"/>
-          </a:xfrm>
-          <a:prstGeom prst="rect">
-            <a:avLst/>
-          </a:prstGeom>
-        </p:spPr>
-      </p:sp>
-      <p:sp>
-        <p:nvSpPr>
-          <p:cNvPr id="123" name="PlaceHolder 3"/>
-          <p:cNvSpPr>
-            <a:spLocks noGrp="1"/>
-          </p:cNvSpPr>
-          <p:nvPr>
-            <p:ph type="body"/>
-          </p:nvPr>
-        </p:nvSpPr>
-        <p:spPr>
-          <a:xfrm>
-            <a:off x="685800" y="4343400"/>
-            <a:ext cx="5485680" cy="4114080"/>
-          </a:xfrm>
-          <a:prstGeom prst="rect">
-            <a:avLst/>
-          </a:prstGeom>
-        </p:spPr>
-        <p:txBody>
-          <a:bodyPr lIns="0" rIns="0" tIns="0" bIns="0"/>
-          <a:p>
-            <a:endParaRPr b="0" lang="pt-BR" sz="2000" spc="-1" strike="noStrike">
-              <a:latin typeface="Arial"/>
-            </a:endParaRPr>
-          </a:p>
-        </p:txBody>
-      </p:sp>
-    </p:spTree>
-  </p:cSld>
-</p:notes>
-</file>
-
-<file path=ppt/notesSlides/notesSlide9.xml><?xml version="1.0" encoding="utf-8"?>
-<p:notes xmlns:a="http://schemas.openxmlformats.org/drawingml/2006/main" xmlns:p="http://schemas.openxmlformats.org/presentationml/2006/main" xmlns:r="http://schemas.openxmlformats.org/officeDocument/2006/relationships" xmlns:p14="http://schemas.microsoft.com/office/powerpoint/2010/main" xmlns:p15="http://schemas.microsoft.com/office/powerpoint/2012/main" xmlns:mc="http://schemas.openxmlformats.org/markup-compatibility/2006">
-  <p:cSld>
-    <p:spTree>
-      <p:nvGrpSpPr>
-        <p:cNvPr id="1" name=""/>
-        <p:cNvGrpSpPr/>
-        <p:nvPr/>
-      </p:nvGrpSpPr>
-      <p:grpSpPr>
-        <a:xfrm>
-          <a:off x="0" y="0"/>
-          <a:ext cx="0" cy="0"/>
-          <a:chOff x="0" y="0"/>
-          <a:chExt cx="0" cy="0"/>
-        </a:xfrm>
-      </p:grpSpPr>
-      <p:sp>
-        <p:nvSpPr>
-          <p:cNvPr id="124" name="CustomShape 1"/>
-          <p:cNvSpPr/>
-          <p:nvPr/>
-        </p:nvSpPr>
-        <p:spPr>
-          <a:xfrm>
-            <a:off x="3884760" y="8685360"/>
-            <a:ext cx="2971080" cy="456480"/>
-          </a:xfrm>
-          <a:prstGeom prst="rect">
-            <a:avLst/>
-          </a:prstGeom>
-          <a:noFill/>
-          <a:ln>
-            <a:noFill/>
-          </a:ln>
-        </p:spPr>
-        <p:style>
-          <a:lnRef idx="0"/>
-          <a:fillRef idx="0"/>
-          <a:effectRef idx="0"/>
-          <a:fontRef idx="minor"/>
-        </p:style>
-        <p:txBody>
-          <a:bodyPr lIns="90000" rIns="90000" tIns="45000" bIns="45000" anchor="b"/>
+          <a:bodyPr lIns="90000" tIns="45000" rIns="90000" bIns="45000" anchor="b"/>
+          <a:lstStyle/>
           <a:p>
             <a:pPr algn="r">
               <a:lnSpc>
@@ -1225,12 +1376,12 @@
               </a:lnSpc>
             </a:pPr>
             <a:fld id="{FB292447-01B7-46EB-829F-9A592D83448D}" type="slidenum">
-              <a:rPr b="0" lang="pt-BR" sz="1200" spc="-1" strike="noStrike">
+              <a:rPr lang="pt-BR" sz="1200" b="0" strike="noStrike" spc="-1">
                 <a:latin typeface="Times New Roman"/>
               </a:rPr>
-              <a:t>&lt;número&gt;</a:t>
+              <a:t>8</a:t>
             </a:fld>
-            <a:endParaRPr b="0" lang="pt-BR" sz="1200" spc="-1" strike="noStrike">
+            <a:endParaRPr lang="pt-BR" sz="1200" b="0" strike="noStrike" spc="-1">
               <a:latin typeface="Arial"/>
             </a:endParaRPr>
           </a:p>
@@ -1240,7 +1391,7 @@
         <p:nvSpPr>
           <p:cNvPr id="125" name="PlaceHolder 2"/>
           <p:cNvSpPr>
-            <a:spLocks noGrp="1"/>
+            <a:spLocks noGrp="1" noRot="1" noChangeAspect="1"/>
           </p:cNvSpPr>
           <p:nvPr>
             <p:ph type="sldImg"/>
@@ -1276,9 +1427,10 @@
           </a:prstGeom>
         </p:spPr>
         <p:txBody>
-          <a:bodyPr lIns="0" rIns="0" tIns="0" bIns="0"/>
-          <a:p>
-            <a:endParaRPr b="0" lang="pt-BR" sz="2000" spc="-1" strike="noStrike">
+          <a:bodyPr lIns="0" tIns="0" rIns="0" bIns="0"/>
+          <a:lstStyle/>
+          <a:p>
+            <a:endParaRPr lang="pt-BR" sz="2000" b="0" strike="noStrike" spc="-1">
               <a:latin typeface="Arial"/>
             </a:endParaRPr>
           </a:p>
@@ -1286,11 +1438,14 @@
       </p:sp>
     </p:spTree>
   </p:cSld>
+  <p:clrMapOvr>
+    <a:masterClrMapping/>
+  </p:clrMapOvr>
 </p:notes>
 </file>
 
 <file path=ppt/slideLayouts/slideLayout1.xml><?xml version="1.0" encoding="utf-8"?>
-<p:sldLayout xmlns:a="http://schemas.openxmlformats.org/drawingml/2006/main" xmlns:p="http://schemas.openxmlformats.org/presentationml/2006/main" xmlns:r="http://schemas.openxmlformats.org/officeDocument/2006/relationships" xmlns:p14="http://schemas.microsoft.com/office/powerpoint/2010/main" xmlns:p15="http://schemas.microsoft.com/office/powerpoint/2012/main" xmlns:mc="http://schemas.openxmlformats.org/markup-compatibility/2006" type="blank" preserve="1">
+<p:sldLayout xmlns:a="http://schemas.openxmlformats.org/drawingml/2006/main" xmlns:r="http://schemas.openxmlformats.org/officeDocument/2006/relationships" xmlns:p="http://schemas.openxmlformats.org/presentationml/2006/main" type="blank" preserve="1">
   <p:cSld name="Blank Slide">
     <p:spTree>
       <p:nvGrpSpPr>
@@ -1308,11 +1463,14 @@
       </p:grpSpPr>
     </p:spTree>
   </p:cSld>
+  <p:clrMapOvr>
+    <a:masterClrMapping/>
+  </p:clrMapOvr>
 </p:sldLayout>
 </file>
 
 <file path=ppt/slideLayouts/slideLayout10.xml><?xml version="1.0" encoding="utf-8"?>
-<p:sldLayout xmlns:a="http://schemas.openxmlformats.org/drawingml/2006/main" xmlns:p="http://schemas.openxmlformats.org/presentationml/2006/main" xmlns:r="http://schemas.openxmlformats.org/officeDocument/2006/relationships" xmlns:p14="http://schemas.microsoft.com/office/powerpoint/2010/main" xmlns:p15="http://schemas.microsoft.com/office/powerpoint/2012/main" xmlns:mc="http://schemas.openxmlformats.org/markup-compatibility/2006" type="objOverTx" preserve="1">
+<p:sldLayout xmlns:a="http://schemas.openxmlformats.org/drawingml/2006/main" xmlns:r="http://schemas.openxmlformats.org/officeDocument/2006/relationships" xmlns:p="http://schemas.openxmlformats.org/presentationml/2006/main" type="objOverTx" preserve="1">
   <p:cSld name="Title, Content over Content">
     <p:spTree>
       <p:nvGrpSpPr>
@@ -1348,10 +1506,11 @@
           </a:prstGeom>
         </p:spPr>
         <p:txBody>
-          <a:bodyPr lIns="0" rIns="0" tIns="0" bIns="0" anchor="ctr"/>
+          <a:bodyPr lIns="0" tIns="0" rIns="0" bIns="0" anchor="ctr"/>
+          <a:lstStyle/>
           <a:p>
             <a:pPr algn="ctr"/>
-            <a:endParaRPr b="0" lang="pt-BR" sz="4400" spc="-1" strike="noStrike">
+            <a:endParaRPr lang="pt-BR" sz="4400" b="0" strike="noStrike" spc="-1">
               <a:latin typeface="Arial"/>
             </a:endParaRPr>
           </a:p>
@@ -1377,11 +1536,12 @@
           </a:prstGeom>
         </p:spPr>
         <p:txBody>
-          <a:bodyPr lIns="0" rIns="0" tIns="0" bIns="0">
+          <a:bodyPr lIns="0" tIns="0" rIns="0" bIns="0">
             <a:normAutofit/>
           </a:bodyPr>
-          <a:p>
-            <a:endParaRPr b="0" lang="pt-BR" sz="3200" spc="-1" strike="noStrike">
+          <a:lstStyle/>
+          <a:p>
+            <a:endParaRPr lang="pt-BR" sz="3200" b="0" strike="noStrike" spc="-1">
               <a:latin typeface="Arial"/>
             </a:endParaRPr>
           </a:p>
@@ -1407,11 +1567,12 @@
           </a:prstGeom>
         </p:spPr>
         <p:txBody>
-          <a:bodyPr lIns="0" rIns="0" tIns="0" bIns="0">
+          <a:bodyPr lIns="0" tIns="0" rIns="0" bIns="0">
             <a:normAutofit/>
           </a:bodyPr>
-          <a:p>
-            <a:endParaRPr b="0" lang="pt-BR" sz="3200" spc="-1" strike="noStrike">
+          <a:lstStyle/>
+          <a:p>
+            <a:endParaRPr lang="pt-BR" sz="3200" b="0" strike="noStrike" spc="-1">
               <a:latin typeface="Arial"/>
             </a:endParaRPr>
           </a:p>
@@ -1419,11 +1580,14 @@
       </p:sp>
     </p:spTree>
   </p:cSld>
+  <p:clrMapOvr>
+    <a:masterClrMapping/>
+  </p:clrMapOvr>
 </p:sldLayout>
 </file>
 
 <file path=ppt/slideLayouts/slideLayout11.xml><?xml version="1.0" encoding="utf-8"?>
-<p:sldLayout xmlns:a="http://schemas.openxmlformats.org/drawingml/2006/main" xmlns:p="http://schemas.openxmlformats.org/presentationml/2006/main" xmlns:r="http://schemas.openxmlformats.org/officeDocument/2006/relationships" xmlns:p14="http://schemas.microsoft.com/office/powerpoint/2010/main" xmlns:p15="http://schemas.microsoft.com/office/powerpoint/2012/main" xmlns:mc="http://schemas.openxmlformats.org/markup-compatibility/2006" type="fourObj" preserve="1">
+<p:sldLayout xmlns:a="http://schemas.openxmlformats.org/drawingml/2006/main" xmlns:r="http://schemas.openxmlformats.org/officeDocument/2006/relationships" xmlns:p="http://schemas.openxmlformats.org/presentationml/2006/main" type="fourObj" preserve="1">
   <p:cSld name="Title, 4 Content">
     <p:spTree>
       <p:nvGrpSpPr>
@@ -1459,10 +1623,11 @@
           </a:prstGeom>
         </p:spPr>
         <p:txBody>
-          <a:bodyPr lIns="0" rIns="0" tIns="0" bIns="0" anchor="ctr"/>
+          <a:bodyPr lIns="0" tIns="0" rIns="0" bIns="0" anchor="ctr"/>
+          <a:lstStyle/>
           <a:p>
             <a:pPr algn="ctr"/>
-            <a:endParaRPr b="0" lang="pt-BR" sz="4400" spc="-1" strike="noStrike">
+            <a:endParaRPr lang="pt-BR" sz="4400" b="0" strike="noStrike" spc="-1">
               <a:latin typeface="Arial"/>
             </a:endParaRPr>
           </a:p>
@@ -1488,11 +1653,12 @@
           </a:prstGeom>
         </p:spPr>
         <p:txBody>
-          <a:bodyPr lIns="0" rIns="0" tIns="0" bIns="0">
+          <a:bodyPr lIns="0" tIns="0" rIns="0" bIns="0">
             <a:normAutofit/>
           </a:bodyPr>
-          <a:p>
-            <a:endParaRPr b="0" lang="pt-BR" sz="3200" spc="-1" strike="noStrike">
+          <a:lstStyle/>
+          <a:p>
+            <a:endParaRPr lang="pt-BR" sz="3200" b="0" strike="noStrike" spc="-1">
               <a:latin typeface="Arial"/>
             </a:endParaRPr>
           </a:p>
@@ -1518,11 +1684,12 @@
           </a:prstGeom>
         </p:spPr>
         <p:txBody>
-          <a:bodyPr lIns="0" rIns="0" tIns="0" bIns="0">
+          <a:bodyPr lIns="0" tIns="0" rIns="0" bIns="0">
             <a:normAutofit/>
           </a:bodyPr>
-          <a:p>
-            <a:endParaRPr b="0" lang="pt-BR" sz="3200" spc="-1" strike="noStrike">
+          <a:lstStyle/>
+          <a:p>
+            <a:endParaRPr lang="pt-BR" sz="3200" b="0" strike="noStrike" spc="-1">
               <a:latin typeface="Arial"/>
             </a:endParaRPr>
           </a:p>
@@ -1548,11 +1715,12 @@
           </a:prstGeom>
         </p:spPr>
         <p:txBody>
-          <a:bodyPr lIns="0" rIns="0" tIns="0" bIns="0">
+          <a:bodyPr lIns="0" tIns="0" rIns="0" bIns="0">
             <a:normAutofit/>
           </a:bodyPr>
-          <a:p>
-            <a:endParaRPr b="0" lang="pt-BR" sz="3200" spc="-1" strike="noStrike">
+          <a:lstStyle/>
+          <a:p>
+            <a:endParaRPr lang="pt-BR" sz="3200" b="0" strike="noStrike" spc="-1">
               <a:latin typeface="Arial"/>
             </a:endParaRPr>
           </a:p>
@@ -1578,11 +1746,12 @@
           </a:prstGeom>
         </p:spPr>
         <p:txBody>
-          <a:bodyPr lIns="0" rIns="0" tIns="0" bIns="0">
+          <a:bodyPr lIns="0" tIns="0" rIns="0" bIns="0">
             <a:normAutofit/>
           </a:bodyPr>
-          <a:p>
-            <a:endParaRPr b="0" lang="pt-BR" sz="3200" spc="-1" strike="noStrike">
+          <a:lstStyle/>
+          <a:p>
+            <a:endParaRPr lang="pt-BR" sz="3200" b="0" strike="noStrike" spc="-1">
               <a:latin typeface="Arial"/>
             </a:endParaRPr>
           </a:p>
@@ -1590,11 +1759,14 @@
       </p:sp>
     </p:spTree>
   </p:cSld>
+  <p:clrMapOvr>
+    <a:masterClrMapping/>
+  </p:clrMapOvr>
 </p:sldLayout>
 </file>
 
 <file path=ppt/slideLayouts/slideLayout12.xml><?xml version="1.0" encoding="utf-8"?>
-<p:sldLayout xmlns:a="http://schemas.openxmlformats.org/drawingml/2006/main" xmlns:p="http://schemas.openxmlformats.org/presentationml/2006/main" xmlns:r="http://schemas.openxmlformats.org/officeDocument/2006/relationships" xmlns:p14="http://schemas.microsoft.com/office/powerpoint/2010/main" xmlns:p15="http://schemas.microsoft.com/office/powerpoint/2012/main" xmlns:mc="http://schemas.openxmlformats.org/markup-compatibility/2006" type="blank" preserve="1">
+<p:sldLayout xmlns:a="http://schemas.openxmlformats.org/drawingml/2006/main" xmlns:r="http://schemas.openxmlformats.org/officeDocument/2006/relationships" xmlns:p="http://schemas.openxmlformats.org/presentationml/2006/main" type="blank" preserve="1">
   <p:cSld name="Title, 6 Content">
     <p:spTree>
       <p:nvGrpSpPr>
@@ -1630,10 +1802,11 @@
           </a:prstGeom>
         </p:spPr>
         <p:txBody>
-          <a:bodyPr lIns="0" rIns="0" tIns="0" bIns="0" anchor="ctr"/>
+          <a:bodyPr lIns="0" tIns="0" rIns="0" bIns="0" anchor="ctr"/>
+          <a:lstStyle/>
           <a:p>
             <a:pPr algn="ctr"/>
-            <a:endParaRPr b="0" lang="pt-BR" sz="4400" spc="-1" strike="noStrike">
+            <a:endParaRPr lang="pt-BR" sz="4400" b="0" strike="noStrike" spc="-1">
               <a:latin typeface="Arial"/>
             </a:endParaRPr>
           </a:p>
@@ -1659,11 +1832,12 @@
           </a:prstGeom>
         </p:spPr>
         <p:txBody>
-          <a:bodyPr lIns="0" rIns="0" tIns="0" bIns="0">
+          <a:bodyPr lIns="0" tIns="0" rIns="0" bIns="0">
             <a:normAutofit/>
           </a:bodyPr>
-          <a:p>
-            <a:endParaRPr b="0" lang="pt-BR" sz="3200" spc="-1" strike="noStrike">
+          <a:lstStyle/>
+          <a:p>
+            <a:endParaRPr lang="pt-BR" sz="3200" b="0" strike="noStrike" spc="-1">
               <a:latin typeface="Arial"/>
             </a:endParaRPr>
           </a:p>
@@ -1689,11 +1863,12 @@
           </a:prstGeom>
         </p:spPr>
         <p:txBody>
-          <a:bodyPr lIns="0" rIns="0" tIns="0" bIns="0">
+          <a:bodyPr lIns="0" tIns="0" rIns="0" bIns="0">
             <a:normAutofit/>
           </a:bodyPr>
-          <a:p>
-            <a:endParaRPr b="0" lang="pt-BR" sz="3200" spc="-1" strike="noStrike">
+          <a:lstStyle/>
+          <a:p>
+            <a:endParaRPr lang="pt-BR" sz="3200" b="0" strike="noStrike" spc="-1">
               <a:latin typeface="Arial"/>
             </a:endParaRPr>
           </a:p>
@@ -1719,11 +1894,12 @@
           </a:prstGeom>
         </p:spPr>
         <p:txBody>
-          <a:bodyPr lIns="0" rIns="0" tIns="0" bIns="0">
+          <a:bodyPr lIns="0" tIns="0" rIns="0" bIns="0">
             <a:normAutofit/>
           </a:bodyPr>
-          <a:p>
-            <a:endParaRPr b="0" lang="pt-BR" sz="3200" spc="-1" strike="noStrike">
+          <a:lstStyle/>
+          <a:p>
+            <a:endParaRPr lang="pt-BR" sz="3200" b="0" strike="noStrike" spc="-1">
               <a:latin typeface="Arial"/>
             </a:endParaRPr>
           </a:p>
@@ -1749,11 +1925,12 @@
           </a:prstGeom>
         </p:spPr>
         <p:txBody>
-          <a:bodyPr lIns="0" rIns="0" tIns="0" bIns="0">
+          <a:bodyPr lIns="0" tIns="0" rIns="0" bIns="0">
             <a:normAutofit/>
           </a:bodyPr>
-          <a:p>
-            <a:endParaRPr b="0" lang="pt-BR" sz="3200" spc="-1" strike="noStrike">
+          <a:lstStyle/>
+          <a:p>
+            <a:endParaRPr lang="pt-BR" sz="3200" b="0" strike="noStrike" spc="-1">
               <a:latin typeface="Arial"/>
             </a:endParaRPr>
           </a:p>
@@ -1779,11 +1956,12 @@
           </a:prstGeom>
         </p:spPr>
         <p:txBody>
-          <a:bodyPr lIns="0" rIns="0" tIns="0" bIns="0">
+          <a:bodyPr lIns="0" tIns="0" rIns="0" bIns="0">
             <a:normAutofit/>
           </a:bodyPr>
-          <a:p>
-            <a:endParaRPr b="0" lang="pt-BR" sz="3200" spc="-1" strike="noStrike">
+          <a:lstStyle/>
+          <a:p>
+            <a:endParaRPr lang="pt-BR" sz="3200" b="0" strike="noStrike" spc="-1">
               <a:latin typeface="Arial"/>
             </a:endParaRPr>
           </a:p>
@@ -1809,11 +1987,12 @@
           </a:prstGeom>
         </p:spPr>
         <p:txBody>
-          <a:bodyPr lIns="0" rIns="0" tIns="0" bIns="0">
+          <a:bodyPr lIns="0" tIns="0" rIns="0" bIns="0">
             <a:normAutofit/>
           </a:bodyPr>
-          <a:p>
-            <a:endParaRPr b="0" lang="pt-BR" sz="3200" spc="-1" strike="noStrike">
+          <a:lstStyle/>
+          <a:p>
+            <a:endParaRPr lang="pt-BR" sz="3200" b="0" strike="noStrike" spc="-1">
               <a:latin typeface="Arial"/>
             </a:endParaRPr>
           </a:p>
@@ -1821,11 +2000,14 @@
       </p:sp>
     </p:spTree>
   </p:cSld>
+  <p:clrMapOvr>
+    <a:masterClrMapping/>
+  </p:clrMapOvr>
 </p:sldLayout>
 </file>
 
 <file path=ppt/slideLayouts/slideLayout13.xml><?xml version="1.0" encoding="utf-8"?>
-<p:sldLayout xmlns:a="http://schemas.openxmlformats.org/drawingml/2006/main" xmlns:p="http://schemas.openxmlformats.org/presentationml/2006/main" xmlns:r="http://schemas.openxmlformats.org/officeDocument/2006/relationships" xmlns:p14="http://schemas.microsoft.com/office/powerpoint/2010/main" xmlns:p15="http://schemas.microsoft.com/office/powerpoint/2012/main" xmlns:mc="http://schemas.openxmlformats.org/markup-compatibility/2006" type="blank" preserve="1">
+<p:sldLayout xmlns:a="http://schemas.openxmlformats.org/drawingml/2006/main" xmlns:r="http://schemas.openxmlformats.org/officeDocument/2006/relationships" xmlns:p="http://schemas.openxmlformats.org/presentationml/2006/main" type="blank" preserve="1">
   <p:cSld name="Blank Slide">
     <p:spTree>
       <p:nvGrpSpPr>
@@ -1843,11 +2025,14 @@
       </p:grpSpPr>
     </p:spTree>
   </p:cSld>
+  <p:clrMapOvr>
+    <a:masterClrMapping/>
+  </p:clrMapOvr>
 </p:sldLayout>
 </file>
 
 <file path=ppt/slideLayouts/slideLayout14.xml><?xml version="1.0" encoding="utf-8"?>
-<p:sldLayout xmlns:a="http://schemas.openxmlformats.org/drawingml/2006/main" xmlns:p="http://schemas.openxmlformats.org/presentationml/2006/main" xmlns:r="http://schemas.openxmlformats.org/officeDocument/2006/relationships" xmlns:p14="http://schemas.microsoft.com/office/powerpoint/2010/main" xmlns:p15="http://schemas.microsoft.com/office/powerpoint/2012/main" xmlns:mc="http://schemas.openxmlformats.org/markup-compatibility/2006" type="tx" preserve="1">
+<p:sldLayout xmlns:a="http://schemas.openxmlformats.org/drawingml/2006/main" xmlns:r="http://schemas.openxmlformats.org/officeDocument/2006/relationships" xmlns:p="http://schemas.openxmlformats.org/presentationml/2006/main" type="tx" preserve="1">
   <p:cSld name="Title Slide">
     <p:spTree>
       <p:nvGrpSpPr>
@@ -1883,10 +2068,11 @@
           </a:prstGeom>
         </p:spPr>
         <p:txBody>
-          <a:bodyPr lIns="0" rIns="0" tIns="0" bIns="0" anchor="ctr"/>
+          <a:bodyPr lIns="0" tIns="0" rIns="0" bIns="0" anchor="ctr"/>
+          <a:lstStyle/>
           <a:p>
             <a:pPr algn="ctr"/>
-            <a:endParaRPr b="0" lang="pt-BR" sz="4400" spc="-1" strike="noStrike">
+            <a:endParaRPr lang="pt-BR" sz="4400" b="0" strike="noStrike" spc="-1">
               <a:latin typeface="Arial"/>
             </a:endParaRPr>
           </a:p>
@@ -1912,10 +2098,11 @@
           </a:prstGeom>
         </p:spPr>
         <p:txBody>
-          <a:bodyPr lIns="0" rIns="0" tIns="0" bIns="0" anchor="ctr"/>
+          <a:bodyPr lIns="0" tIns="0" rIns="0" bIns="0" anchor="ctr"/>
+          <a:lstStyle/>
           <a:p>
             <a:pPr algn="ctr"/>
-            <a:endParaRPr b="0" lang="pt-BR" sz="3200" spc="-1" strike="noStrike">
+            <a:endParaRPr lang="pt-BR" sz="3200" b="0" strike="noStrike" spc="-1">
               <a:latin typeface="Arial"/>
             </a:endParaRPr>
           </a:p>
@@ -1923,11 +2110,14 @@
       </p:sp>
     </p:spTree>
   </p:cSld>
+  <p:clrMapOvr>
+    <a:masterClrMapping/>
+  </p:clrMapOvr>
 </p:sldLayout>
 </file>
 
 <file path=ppt/slideLayouts/slideLayout15.xml><?xml version="1.0" encoding="utf-8"?>
-<p:sldLayout xmlns:a="http://schemas.openxmlformats.org/drawingml/2006/main" xmlns:p="http://schemas.openxmlformats.org/presentationml/2006/main" xmlns:r="http://schemas.openxmlformats.org/officeDocument/2006/relationships" xmlns:p14="http://schemas.microsoft.com/office/powerpoint/2010/main" xmlns:p15="http://schemas.microsoft.com/office/powerpoint/2012/main" xmlns:mc="http://schemas.openxmlformats.org/markup-compatibility/2006" type="obj" preserve="1">
+<p:sldLayout xmlns:a="http://schemas.openxmlformats.org/drawingml/2006/main" xmlns:r="http://schemas.openxmlformats.org/officeDocument/2006/relationships" xmlns:p="http://schemas.openxmlformats.org/presentationml/2006/main" type="obj" preserve="1">
   <p:cSld name="Title, Content">
     <p:spTree>
       <p:nvGrpSpPr>
@@ -1963,10 +2153,11 @@
           </a:prstGeom>
         </p:spPr>
         <p:txBody>
-          <a:bodyPr lIns="0" rIns="0" tIns="0" bIns="0" anchor="ctr"/>
+          <a:bodyPr lIns="0" tIns="0" rIns="0" bIns="0" anchor="ctr"/>
+          <a:lstStyle/>
           <a:p>
             <a:pPr algn="ctr"/>
-            <a:endParaRPr b="0" lang="pt-BR" sz="4400" spc="-1" strike="noStrike">
+            <a:endParaRPr lang="pt-BR" sz="4400" b="0" strike="noStrike" spc="-1">
               <a:latin typeface="Arial"/>
             </a:endParaRPr>
           </a:p>
@@ -1992,11 +2183,12 @@
           </a:prstGeom>
         </p:spPr>
         <p:txBody>
-          <a:bodyPr lIns="0" rIns="0" tIns="0" bIns="0">
+          <a:bodyPr lIns="0" tIns="0" rIns="0" bIns="0">
             <a:normAutofit/>
           </a:bodyPr>
-          <a:p>
-            <a:endParaRPr b="0" lang="pt-BR" sz="3200" spc="-1" strike="noStrike">
+          <a:lstStyle/>
+          <a:p>
+            <a:endParaRPr lang="pt-BR" sz="3200" b="0" strike="noStrike" spc="-1">
               <a:latin typeface="Arial"/>
             </a:endParaRPr>
           </a:p>
@@ -2004,11 +2196,14 @@
       </p:sp>
     </p:spTree>
   </p:cSld>
+  <p:clrMapOvr>
+    <a:masterClrMapping/>
+  </p:clrMapOvr>
 </p:sldLayout>
 </file>
 
 <file path=ppt/slideLayouts/slideLayout16.xml><?xml version="1.0" encoding="utf-8"?>
-<p:sldLayout xmlns:a="http://schemas.openxmlformats.org/drawingml/2006/main" xmlns:p="http://schemas.openxmlformats.org/presentationml/2006/main" xmlns:r="http://schemas.openxmlformats.org/officeDocument/2006/relationships" xmlns:p14="http://schemas.microsoft.com/office/powerpoint/2010/main" xmlns:p15="http://schemas.microsoft.com/office/powerpoint/2012/main" xmlns:mc="http://schemas.openxmlformats.org/markup-compatibility/2006" type="twoObj" preserve="1">
+<p:sldLayout xmlns:a="http://schemas.openxmlformats.org/drawingml/2006/main" xmlns:r="http://schemas.openxmlformats.org/officeDocument/2006/relationships" xmlns:p="http://schemas.openxmlformats.org/presentationml/2006/main" type="twoObj" preserve="1">
   <p:cSld name="Title, 2 Content">
     <p:spTree>
       <p:nvGrpSpPr>
@@ -2044,10 +2239,11 @@
           </a:prstGeom>
         </p:spPr>
         <p:txBody>
-          <a:bodyPr lIns="0" rIns="0" tIns="0" bIns="0" anchor="ctr"/>
+          <a:bodyPr lIns="0" tIns="0" rIns="0" bIns="0" anchor="ctr"/>
+          <a:lstStyle/>
           <a:p>
             <a:pPr algn="ctr"/>
-            <a:endParaRPr b="0" lang="pt-BR" sz="4400" spc="-1" strike="noStrike">
+            <a:endParaRPr lang="pt-BR" sz="4400" b="0" strike="noStrike" spc="-1">
               <a:latin typeface="Arial"/>
             </a:endParaRPr>
           </a:p>
@@ -2073,11 +2269,12 @@
           </a:prstGeom>
         </p:spPr>
         <p:txBody>
-          <a:bodyPr lIns="0" rIns="0" tIns="0" bIns="0">
+          <a:bodyPr lIns="0" tIns="0" rIns="0" bIns="0">
             <a:normAutofit/>
           </a:bodyPr>
-          <a:p>
-            <a:endParaRPr b="0" lang="pt-BR" sz="3200" spc="-1" strike="noStrike">
+          <a:lstStyle/>
+          <a:p>
+            <a:endParaRPr lang="pt-BR" sz="3200" b="0" strike="noStrike" spc="-1">
               <a:latin typeface="Arial"/>
             </a:endParaRPr>
           </a:p>
@@ -2103,11 +2300,12 @@
           </a:prstGeom>
         </p:spPr>
         <p:txBody>
-          <a:bodyPr lIns="0" rIns="0" tIns="0" bIns="0">
+          <a:bodyPr lIns="0" tIns="0" rIns="0" bIns="0">
             <a:normAutofit/>
           </a:bodyPr>
-          <a:p>
-            <a:endParaRPr b="0" lang="pt-BR" sz="3200" spc="-1" strike="noStrike">
+          <a:lstStyle/>
+          <a:p>
+            <a:endParaRPr lang="pt-BR" sz="3200" b="0" strike="noStrike" spc="-1">
               <a:latin typeface="Arial"/>
             </a:endParaRPr>
           </a:p>
@@ -2115,11 +2313,14 @@
       </p:sp>
     </p:spTree>
   </p:cSld>
+  <p:clrMapOvr>
+    <a:masterClrMapping/>
+  </p:clrMapOvr>
 </p:sldLayout>
 </file>
 
 <file path=ppt/slideLayouts/slideLayout17.xml><?xml version="1.0" encoding="utf-8"?>
-<p:sldLayout xmlns:a="http://schemas.openxmlformats.org/drawingml/2006/main" xmlns:p="http://schemas.openxmlformats.org/presentationml/2006/main" xmlns:r="http://schemas.openxmlformats.org/officeDocument/2006/relationships" xmlns:p14="http://schemas.microsoft.com/office/powerpoint/2010/main" xmlns:p15="http://schemas.microsoft.com/office/powerpoint/2012/main" xmlns:mc="http://schemas.openxmlformats.org/markup-compatibility/2006" type="titleOnly" preserve="1">
+<p:sldLayout xmlns:a="http://schemas.openxmlformats.org/drawingml/2006/main" xmlns:r="http://schemas.openxmlformats.org/officeDocument/2006/relationships" xmlns:p="http://schemas.openxmlformats.org/presentationml/2006/main" type="titleOnly" preserve="1">
   <p:cSld name="Title Only">
     <p:spTree>
       <p:nvGrpSpPr>
@@ -2155,10 +2356,11 @@
           </a:prstGeom>
         </p:spPr>
         <p:txBody>
-          <a:bodyPr lIns="0" rIns="0" tIns="0" bIns="0" anchor="ctr"/>
+          <a:bodyPr lIns="0" tIns="0" rIns="0" bIns="0" anchor="ctr"/>
+          <a:lstStyle/>
           <a:p>
             <a:pPr algn="ctr"/>
-            <a:endParaRPr b="0" lang="pt-BR" sz="4400" spc="-1" strike="noStrike">
+            <a:endParaRPr lang="pt-BR" sz="4400" b="0" strike="noStrike" spc="-1">
               <a:latin typeface="Arial"/>
             </a:endParaRPr>
           </a:p>
@@ -2166,11 +2368,14 @@
       </p:sp>
     </p:spTree>
   </p:cSld>
+  <p:clrMapOvr>
+    <a:masterClrMapping/>
+  </p:clrMapOvr>
 </p:sldLayout>
 </file>
 
 <file path=ppt/slideLayouts/slideLayout18.xml><?xml version="1.0" encoding="utf-8"?>
-<p:sldLayout xmlns:a="http://schemas.openxmlformats.org/drawingml/2006/main" xmlns:p="http://schemas.openxmlformats.org/presentationml/2006/main" xmlns:r="http://schemas.openxmlformats.org/officeDocument/2006/relationships" xmlns:p14="http://schemas.microsoft.com/office/powerpoint/2010/main" xmlns:p15="http://schemas.microsoft.com/office/powerpoint/2012/main" xmlns:mc="http://schemas.openxmlformats.org/markup-compatibility/2006" type="objOnly" preserve="1">
+<p:sldLayout xmlns:a="http://schemas.openxmlformats.org/drawingml/2006/main" xmlns:r="http://schemas.openxmlformats.org/officeDocument/2006/relationships" xmlns:p="http://schemas.openxmlformats.org/presentationml/2006/main" type="objOnly" preserve="1">
   <p:cSld name="Centered Text">
     <p:spTree>
       <p:nvGrpSpPr>
@@ -2206,10 +2411,11 @@
           </a:prstGeom>
         </p:spPr>
         <p:txBody>
-          <a:bodyPr lIns="0" rIns="0" tIns="0" bIns="0" anchor="ctr"/>
+          <a:bodyPr lIns="0" tIns="0" rIns="0" bIns="0" anchor="ctr"/>
+          <a:lstStyle/>
           <a:p>
             <a:pPr algn="ctr"/>
-            <a:endParaRPr b="0" lang="pt-BR" sz="3200" spc="-1" strike="noStrike">
+            <a:endParaRPr lang="pt-BR" sz="3200" b="0" strike="noStrike" spc="-1">
               <a:latin typeface="Arial"/>
             </a:endParaRPr>
           </a:p>
@@ -2217,11 +2423,14 @@
       </p:sp>
     </p:spTree>
   </p:cSld>
+  <p:clrMapOvr>
+    <a:masterClrMapping/>
+  </p:clrMapOvr>
 </p:sldLayout>
 </file>
 
 <file path=ppt/slideLayouts/slideLayout19.xml><?xml version="1.0" encoding="utf-8"?>
-<p:sldLayout xmlns:a="http://schemas.openxmlformats.org/drawingml/2006/main" xmlns:p="http://schemas.openxmlformats.org/presentationml/2006/main" xmlns:r="http://schemas.openxmlformats.org/officeDocument/2006/relationships" xmlns:p14="http://schemas.microsoft.com/office/powerpoint/2010/main" xmlns:p15="http://schemas.microsoft.com/office/powerpoint/2012/main" xmlns:mc="http://schemas.openxmlformats.org/markup-compatibility/2006" type="twoObjAndObj" preserve="1">
+<p:sldLayout xmlns:a="http://schemas.openxmlformats.org/drawingml/2006/main" xmlns:r="http://schemas.openxmlformats.org/officeDocument/2006/relationships" xmlns:p="http://schemas.openxmlformats.org/presentationml/2006/main" type="twoObjAndObj" preserve="1">
   <p:cSld name="Title, 2 Content and Content">
     <p:spTree>
       <p:nvGrpSpPr>
@@ -2257,10 +2466,11 @@
           </a:prstGeom>
         </p:spPr>
         <p:txBody>
-          <a:bodyPr lIns="0" rIns="0" tIns="0" bIns="0" anchor="ctr"/>
+          <a:bodyPr lIns="0" tIns="0" rIns="0" bIns="0" anchor="ctr"/>
+          <a:lstStyle/>
           <a:p>
             <a:pPr algn="ctr"/>
-            <a:endParaRPr b="0" lang="pt-BR" sz="4400" spc="-1" strike="noStrike">
+            <a:endParaRPr lang="pt-BR" sz="4400" b="0" strike="noStrike" spc="-1">
               <a:latin typeface="Arial"/>
             </a:endParaRPr>
           </a:p>
@@ -2286,11 +2496,12 @@
           </a:prstGeom>
         </p:spPr>
         <p:txBody>
-          <a:bodyPr lIns="0" rIns="0" tIns="0" bIns="0">
+          <a:bodyPr lIns="0" tIns="0" rIns="0" bIns="0">
             <a:normAutofit/>
           </a:bodyPr>
-          <a:p>
-            <a:endParaRPr b="0" lang="pt-BR" sz="3200" spc="-1" strike="noStrike">
+          <a:lstStyle/>
+          <a:p>
+            <a:endParaRPr lang="pt-BR" sz="3200" b="0" strike="noStrike" spc="-1">
               <a:latin typeface="Arial"/>
             </a:endParaRPr>
           </a:p>
@@ -2316,11 +2527,12 @@
           </a:prstGeom>
         </p:spPr>
         <p:txBody>
-          <a:bodyPr lIns="0" rIns="0" tIns="0" bIns="0">
+          <a:bodyPr lIns="0" tIns="0" rIns="0" bIns="0">
             <a:normAutofit/>
           </a:bodyPr>
-          <a:p>
-            <a:endParaRPr b="0" lang="pt-BR" sz="3200" spc="-1" strike="noStrike">
+          <a:lstStyle/>
+          <a:p>
+            <a:endParaRPr lang="pt-BR" sz="3200" b="0" strike="noStrike" spc="-1">
               <a:latin typeface="Arial"/>
             </a:endParaRPr>
           </a:p>
@@ -2346,11 +2558,12 @@
           </a:prstGeom>
         </p:spPr>
         <p:txBody>
-          <a:bodyPr lIns="0" rIns="0" tIns="0" bIns="0">
+          <a:bodyPr lIns="0" tIns="0" rIns="0" bIns="0">
             <a:normAutofit/>
           </a:bodyPr>
-          <a:p>
-            <a:endParaRPr b="0" lang="pt-BR" sz="3200" spc="-1" strike="noStrike">
+          <a:lstStyle/>
+          <a:p>
+            <a:endParaRPr lang="pt-BR" sz="3200" b="0" strike="noStrike" spc="-1">
               <a:latin typeface="Arial"/>
             </a:endParaRPr>
           </a:p>
@@ -2358,11 +2571,14 @@
       </p:sp>
     </p:spTree>
   </p:cSld>
+  <p:clrMapOvr>
+    <a:masterClrMapping/>
+  </p:clrMapOvr>
 </p:sldLayout>
 </file>
 
 <file path=ppt/slideLayouts/slideLayout2.xml><?xml version="1.0" encoding="utf-8"?>
-<p:sldLayout xmlns:a="http://schemas.openxmlformats.org/drawingml/2006/main" xmlns:p="http://schemas.openxmlformats.org/presentationml/2006/main" xmlns:r="http://schemas.openxmlformats.org/officeDocument/2006/relationships" xmlns:p14="http://schemas.microsoft.com/office/powerpoint/2010/main" xmlns:p15="http://schemas.microsoft.com/office/powerpoint/2012/main" xmlns:mc="http://schemas.openxmlformats.org/markup-compatibility/2006" type="tx" preserve="1">
+<p:sldLayout xmlns:a="http://schemas.openxmlformats.org/drawingml/2006/main" xmlns:r="http://schemas.openxmlformats.org/officeDocument/2006/relationships" xmlns:p="http://schemas.openxmlformats.org/presentationml/2006/main" type="tx" preserve="1">
   <p:cSld name="Title Slide">
     <p:spTree>
       <p:nvGrpSpPr>
@@ -2398,10 +2614,11 @@
           </a:prstGeom>
         </p:spPr>
         <p:txBody>
-          <a:bodyPr lIns="0" rIns="0" tIns="0" bIns="0" anchor="ctr"/>
+          <a:bodyPr lIns="0" tIns="0" rIns="0" bIns="0" anchor="ctr"/>
+          <a:lstStyle/>
           <a:p>
             <a:pPr algn="ctr"/>
-            <a:endParaRPr b="0" lang="pt-BR" sz="4400" spc="-1" strike="noStrike">
+            <a:endParaRPr lang="pt-BR" sz="4400" b="0" strike="noStrike" spc="-1">
               <a:latin typeface="Arial"/>
             </a:endParaRPr>
           </a:p>
@@ -2427,10 +2644,11 @@
           </a:prstGeom>
         </p:spPr>
         <p:txBody>
-          <a:bodyPr lIns="0" rIns="0" tIns="0" bIns="0" anchor="ctr"/>
+          <a:bodyPr lIns="0" tIns="0" rIns="0" bIns="0" anchor="ctr"/>
+          <a:lstStyle/>
           <a:p>
             <a:pPr algn="ctr"/>
-            <a:endParaRPr b="0" lang="pt-BR" sz="3200" spc="-1" strike="noStrike">
+            <a:endParaRPr lang="pt-BR" sz="3200" b="0" strike="noStrike" spc="-1">
               <a:latin typeface="Arial"/>
             </a:endParaRPr>
           </a:p>
@@ -2438,11 +2656,14 @@
       </p:sp>
     </p:spTree>
   </p:cSld>
+  <p:clrMapOvr>
+    <a:masterClrMapping/>
+  </p:clrMapOvr>
 </p:sldLayout>
 </file>
 
 <file path=ppt/slideLayouts/slideLayout20.xml><?xml version="1.0" encoding="utf-8"?>
-<p:sldLayout xmlns:a="http://schemas.openxmlformats.org/drawingml/2006/main" xmlns:p="http://schemas.openxmlformats.org/presentationml/2006/main" xmlns:r="http://schemas.openxmlformats.org/officeDocument/2006/relationships" xmlns:p14="http://schemas.microsoft.com/office/powerpoint/2010/main" xmlns:p15="http://schemas.microsoft.com/office/powerpoint/2012/main" xmlns:mc="http://schemas.openxmlformats.org/markup-compatibility/2006" type="objAndTwoObj" preserve="1">
+<p:sldLayout xmlns:a="http://schemas.openxmlformats.org/drawingml/2006/main" xmlns:r="http://schemas.openxmlformats.org/officeDocument/2006/relationships" xmlns:p="http://schemas.openxmlformats.org/presentationml/2006/main" type="objAndTwoObj" preserve="1">
   <p:cSld name="Title Content and 2 Content">
     <p:spTree>
       <p:nvGrpSpPr>
@@ -2478,10 +2699,11 @@
           </a:prstGeom>
         </p:spPr>
         <p:txBody>
-          <a:bodyPr lIns="0" rIns="0" tIns="0" bIns="0" anchor="ctr"/>
+          <a:bodyPr lIns="0" tIns="0" rIns="0" bIns="0" anchor="ctr"/>
+          <a:lstStyle/>
           <a:p>
             <a:pPr algn="ctr"/>
-            <a:endParaRPr b="0" lang="pt-BR" sz="4400" spc="-1" strike="noStrike">
+            <a:endParaRPr lang="pt-BR" sz="4400" b="0" strike="noStrike" spc="-1">
               <a:latin typeface="Arial"/>
             </a:endParaRPr>
           </a:p>
@@ -2507,11 +2729,12 @@
           </a:prstGeom>
         </p:spPr>
         <p:txBody>
-          <a:bodyPr lIns="0" rIns="0" tIns="0" bIns="0">
+          <a:bodyPr lIns="0" tIns="0" rIns="0" bIns="0">
             <a:normAutofit/>
           </a:bodyPr>
-          <a:p>
-            <a:endParaRPr b="0" lang="pt-BR" sz="3200" spc="-1" strike="noStrike">
+          <a:lstStyle/>
+          <a:p>
+            <a:endParaRPr lang="pt-BR" sz="3200" b="0" strike="noStrike" spc="-1">
               <a:latin typeface="Arial"/>
             </a:endParaRPr>
           </a:p>
@@ -2537,11 +2760,12 @@
           </a:prstGeom>
         </p:spPr>
         <p:txBody>
-          <a:bodyPr lIns="0" rIns="0" tIns="0" bIns="0">
+          <a:bodyPr lIns="0" tIns="0" rIns="0" bIns="0">
             <a:normAutofit/>
           </a:bodyPr>
-          <a:p>
-            <a:endParaRPr b="0" lang="pt-BR" sz="3200" spc="-1" strike="noStrike">
+          <a:lstStyle/>
+          <a:p>
+            <a:endParaRPr lang="pt-BR" sz="3200" b="0" strike="noStrike" spc="-1">
               <a:latin typeface="Arial"/>
             </a:endParaRPr>
           </a:p>
@@ -2567,11 +2791,12 @@
           </a:prstGeom>
         </p:spPr>
         <p:txBody>
-          <a:bodyPr lIns="0" rIns="0" tIns="0" bIns="0">
+          <a:bodyPr lIns="0" tIns="0" rIns="0" bIns="0">
             <a:normAutofit/>
           </a:bodyPr>
-          <a:p>
-            <a:endParaRPr b="0" lang="pt-BR" sz="3200" spc="-1" strike="noStrike">
+          <a:lstStyle/>
+          <a:p>
+            <a:endParaRPr lang="pt-BR" sz="3200" b="0" strike="noStrike" spc="-1">
               <a:latin typeface="Arial"/>
             </a:endParaRPr>
           </a:p>
@@ -2579,11 +2804,14 @@
       </p:sp>
     </p:spTree>
   </p:cSld>
+  <p:clrMapOvr>
+    <a:masterClrMapping/>
+  </p:clrMapOvr>
 </p:sldLayout>
 </file>
 
 <file path=ppt/slideLayouts/slideLayout21.xml><?xml version="1.0" encoding="utf-8"?>
-<p:sldLayout xmlns:a="http://schemas.openxmlformats.org/drawingml/2006/main" xmlns:p="http://schemas.openxmlformats.org/presentationml/2006/main" xmlns:r="http://schemas.openxmlformats.org/officeDocument/2006/relationships" xmlns:p14="http://schemas.microsoft.com/office/powerpoint/2010/main" xmlns:p15="http://schemas.microsoft.com/office/powerpoint/2012/main" xmlns:mc="http://schemas.openxmlformats.org/markup-compatibility/2006" type="twoObjOverTx" preserve="1">
+<p:sldLayout xmlns:a="http://schemas.openxmlformats.org/drawingml/2006/main" xmlns:r="http://schemas.openxmlformats.org/officeDocument/2006/relationships" xmlns:p="http://schemas.openxmlformats.org/presentationml/2006/main" type="twoObjOverTx" preserve="1">
   <p:cSld name="Title, 2 Content over Content">
     <p:spTree>
       <p:nvGrpSpPr>
@@ -2619,10 +2847,11 @@
           </a:prstGeom>
         </p:spPr>
         <p:txBody>
-          <a:bodyPr lIns="0" rIns="0" tIns="0" bIns="0" anchor="ctr"/>
+          <a:bodyPr lIns="0" tIns="0" rIns="0" bIns="0" anchor="ctr"/>
+          <a:lstStyle/>
           <a:p>
             <a:pPr algn="ctr"/>
-            <a:endParaRPr b="0" lang="pt-BR" sz="4400" spc="-1" strike="noStrike">
+            <a:endParaRPr lang="pt-BR" sz="4400" b="0" strike="noStrike" spc="-1">
               <a:latin typeface="Arial"/>
             </a:endParaRPr>
           </a:p>
@@ -2648,11 +2877,12 @@
           </a:prstGeom>
         </p:spPr>
         <p:txBody>
-          <a:bodyPr lIns="0" rIns="0" tIns="0" bIns="0">
+          <a:bodyPr lIns="0" tIns="0" rIns="0" bIns="0">
             <a:normAutofit/>
           </a:bodyPr>
-          <a:p>
-            <a:endParaRPr b="0" lang="pt-BR" sz="3200" spc="-1" strike="noStrike">
+          <a:lstStyle/>
+          <a:p>
+            <a:endParaRPr lang="pt-BR" sz="3200" b="0" strike="noStrike" spc="-1">
               <a:latin typeface="Arial"/>
             </a:endParaRPr>
           </a:p>
@@ -2678,11 +2908,12 @@
           </a:prstGeom>
         </p:spPr>
         <p:txBody>
-          <a:bodyPr lIns="0" rIns="0" tIns="0" bIns="0">
+          <a:bodyPr lIns="0" tIns="0" rIns="0" bIns="0">
             <a:normAutofit/>
           </a:bodyPr>
-          <a:p>
-            <a:endParaRPr b="0" lang="pt-BR" sz="3200" spc="-1" strike="noStrike">
+          <a:lstStyle/>
+          <a:p>
+            <a:endParaRPr lang="pt-BR" sz="3200" b="0" strike="noStrike" spc="-1">
               <a:latin typeface="Arial"/>
             </a:endParaRPr>
           </a:p>
@@ -2708,11 +2939,12 @@
           </a:prstGeom>
         </p:spPr>
         <p:txBody>
-          <a:bodyPr lIns="0" rIns="0" tIns="0" bIns="0">
+          <a:bodyPr lIns="0" tIns="0" rIns="0" bIns="0">
             <a:normAutofit/>
           </a:bodyPr>
-          <a:p>
-            <a:endParaRPr b="0" lang="pt-BR" sz="3200" spc="-1" strike="noStrike">
+          <a:lstStyle/>
+          <a:p>
+            <a:endParaRPr lang="pt-BR" sz="3200" b="0" strike="noStrike" spc="-1">
               <a:latin typeface="Arial"/>
             </a:endParaRPr>
           </a:p>
@@ -2720,11 +2952,14 @@
       </p:sp>
     </p:spTree>
   </p:cSld>
+  <p:clrMapOvr>
+    <a:masterClrMapping/>
+  </p:clrMapOvr>
 </p:sldLayout>
 </file>
 
 <file path=ppt/slideLayouts/slideLayout22.xml><?xml version="1.0" encoding="utf-8"?>
-<p:sldLayout xmlns:a="http://schemas.openxmlformats.org/drawingml/2006/main" xmlns:p="http://schemas.openxmlformats.org/presentationml/2006/main" xmlns:r="http://schemas.openxmlformats.org/officeDocument/2006/relationships" xmlns:p14="http://schemas.microsoft.com/office/powerpoint/2010/main" xmlns:p15="http://schemas.microsoft.com/office/powerpoint/2012/main" xmlns:mc="http://schemas.openxmlformats.org/markup-compatibility/2006" type="objOverTx" preserve="1">
+<p:sldLayout xmlns:a="http://schemas.openxmlformats.org/drawingml/2006/main" xmlns:r="http://schemas.openxmlformats.org/officeDocument/2006/relationships" xmlns:p="http://schemas.openxmlformats.org/presentationml/2006/main" type="objOverTx" preserve="1">
   <p:cSld name="Title, Content over Content">
     <p:spTree>
       <p:nvGrpSpPr>
@@ -2760,10 +2995,11 @@
           </a:prstGeom>
         </p:spPr>
         <p:txBody>
-          <a:bodyPr lIns="0" rIns="0" tIns="0" bIns="0" anchor="ctr"/>
+          <a:bodyPr lIns="0" tIns="0" rIns="0" bIns="0" anchor="ctr"/>
+          <a:lstStyle/>
           <a:p>
             <a:pPr algn="ctr"/>
-            <a:endParaRPr b="0" lang="pt-BR" sz="4400" spc="-1" strike="noStrike">
+            <a:endParaRPr lang="pt-BR" sz="4400" b="0" strike="noStrike" spc="-1">
               <a:latin typeface="Arial"/>
             </a:endParaRPr>
           </a:p>
@@ -2789,11 +3025,12 @@
           </a:prstGeom>
         </p:spPr>
         <p:txBody>
-          <a:bodyPr lIns="0" rIns="0" tIns="0" bIns="0">
+          <a:bodyPr lIns="0" tIns="0" rIns="0" bIns="0">
             <a:normAutofit/>
           </a:bodyPr>
-          <a:p>
-            <a:endParaRPr b="0" lang="pt-BR" sz="3200" spc="-1" strike="noStrike">
+          <a:lstStyle/>
+          <a:p>
+            <a:endParaRPr lang="pt-BR" sz="3200" b="0" strike="noStrike" spc="-1">
               <a:latin typeface="Arial"/>
             </a:endParaRPr>
           </a:p>
@@ -2819,11 +3056,12 @@
           </a:prstGeom>
         </p:spPr>
         <p:txBody>
-          <a:bodyPr lIns="0" rIns="0" tIns="0" bIns="0">
+          <a:bodyPr lIns="0" tIns="0" rIns="0" bIns="0">
             <a:normAutofit/>
           </a:bodyPr>
-          <a:p>
-            <a:endParaRPr b="0" lang="pt-BR" sz="3200" spc="-1" strike="noStrike">
+          <a:lstStyle/>
+          <a:p>
+            <a:endParaRPr lang="pt-BR" sz="3200" b="0" strike="noStrike" spc="-1">
               <a:latin typeface="Arial"/>
             </a:endParaRPr>
           </a:p>
@@ -2831,11 +3069,14 @@
       </p:sp>
     </p:spTree>
   </p:cSld>
+  <p:clrMapOvr>
+    <a:masterClrMapping/>
+  </p:clrMapOvr>
 </p:sldLayout>
 </file>
 
 <file path=ppt/slideLayouts/slideLayout23.xml><?xml version="1.0" encoding="utf-8"?>
-<p:sldLayout xmlns:a="http://schemas.openxmlformats.org/drawingml/2006/main" xmlns:p="http://schemas.openxmlformats.org/presentationml/2006/main" xmlns:r="http://schemas.openxmlformats.org/officeDocument/2006/relationships" xmlns:p14="http://schemas.microsoft.com/office/powerpoint/2010/main" xmlns:p15="http://schemas.microsoft.com/office/powerpoint/2012/main" xmlns:mc="http://schemas.openxmlformats.org/markup-compatibility/2006" type="fourObj" preserve="1">
+<p:sldLayout xmlns:a="http://schemas.openxmlformats.org/drawingml/2006/main" xmlns:r="http://schemas.openxmlformats.org/officeDocument/2006/relationships" xmlns:p="http://schemas.openxmlformats.org/presentationml/2006/main" type="fourObj" preserve="1">
   <p:cSld name="Title, 4 Content">
     <p:spTree>
       <p:nvGrpSpPr>
@@ -2871,10 +3112,11 @@
           </a:prstGeom>
         </p:spPr>
         <p:txBody>
-          <a:bodyPr lIns="0" rIns="0" tIns="0" bIns="0" anchor="ctr"/>
+          <a:bodyPr lIns="0" tIns="0" rIns="0" bIns="0" anchor="ctr"/>
+          <a:lstStyle/>
           <a:p>
             <a:pPr algn="ctr"/>
-            <a:endParaRPr b="0" lang="pt-BR" sz="4400" spc="-1" strike="noStrike">
+            <a:endParaRPr lang="pt-BR" sz="4400" b="0" strike="noStrike" spc="-1">
               <a:latin typeface="Arial"/>
             </a:endParaRPr>
           </a:p>
@@ -2900,11 +3142,12 @@
           </a:prstGeom>
         </p:spPr>
         <p:txBody>
-          <a:bodyPr lIns="0" rIns="0" tIns="0" bIns="0">
+          <a:bodyPr lIns="0" tIns="0" rIns="0" bIns="0">
             <a:normAutofit/>
           </a:bodyPr>
-          <a:p>
-            <a:endParaRPr b="0" lang="pt-BR" sz="3200" spc="-1" strike="noStrike">
+          <a:lstStyle/>
+          <a:p>
+            <a:endParaRPr lang="pt-BR" sz="3200" b="0" strike="noStrike" spc="-1">
               <a:latin typeface="Arial"/>
             </a:endParaRPr>
           </a:p>
@@ -2930,11 +3173,12 @@
           </a:prstGeom>
         </p:spPr>
         <p:txBody>
-          <a:bodyPr lIns="0" rIns="0" tIns="0" bIns="0">
+          <a:bodyPr lIns="0" tIns="0" rIns="0" bIns="0">
             <a:normAutofit/>
           </a:bodyPr>
-          <a:p>
-            <a:endParaRPr b="0" lang="pt-BR" sz="3200" spc="-1" strike="noStrike">
+          <a:lstStyle/>
+          <a:p>
+            <a:endParaRPr lang="pt-BR" sz="3200" b="0" strike="noStrike" spc="-1">
               <a:latin typeface="Arial"/>
             </a:endParaRPr>
           </a:p>
@@ -2960,11 +3204,12 @@
           </a:prstGeom>
         </p:spPr>
         <p:txBody>
-          <a:bodyPr lIns="0" rIns="0" tIns="0" bIns="0">
+          <a:bodyPr lIns="0" tIns="0" rIns="0" bIns="0">
             <a:normAutofit/>
           </a:bodyPr>
-          <a:p>
-            <a:endParaRPr b="0" lang="pt-BR" sz="3200" spc="-1" strike="noStrike">
+          <a:lstStyle/>
+          <a:p>
+            <a:endParaRPr lang="pt-BR" sz="3200" b="0" strike="noStrike" spc="-1">
               <a:latin typeface="Arial"/>
             </a:endParaRPr>
           </a:p>
@@ -2990,11 +3235,12 @@
           </a:prstGeom>
         </p:spPr>
         <p:txBody>
-          <a:bodyPr lIns="0" rIns="0" tIns="0" bIns="0">
+          <a:bodyPr lIns="0" tIns="0" rIns="0" bIns="0">
             <a:normAutofit/>
           </a:bodyPr>
-          <a:p>
-            <a:endParaRPr b="0" lang="pt-BR" sz="3200" spc="-1" strike="noStrike">
+          <a:lstStyle/>
+          <a:p>
+            <a:endParaRPr lang="pt-BR" sz="3200" b="0" strike="noStrike" spc="-1">
               <a:latin typeface="Arial"/>
             </a:endParaRPr>
           </a:p>
@@ -3002,11 +3248,14 @@
       </p:sp>
     </p:spTree>
   </p:cSld>
+  <p:clrMapOvr>
+    <a:masterClrMapping/>
+  </p:clrMapOvr>
 </p:sldLayout>
 </file>
 
 <file path=ppt/slideLayouts/slideLayout24.xml><?xml version="1.0" encoding="utf-8"?>
-<p:sldLayout xmlns:a="http://schemas.openxmlformats.org/drawingml/2006/main" xmlns:p="http://schemas.openxmlformats.org/presentationml/2006/main" xmlns:r="http://schemas.openxmlformats.org/officeDocument/2006/relationships" xmlns:p14="http://schemas.microsoft.com/office/powerpoint/2010/main" xmlns:p15="http://schemas.microsoft.com/office/powerpoint/2012/main" xmlns:mc="http://schemas.openxmlformats.org/markup-compatibility/2006" type="blank" preserve="1">
+<p:sldLayout xmlns:a="http://schemas.openxmlformats.org/drawingml/2006/main" xmlns:r="http://schemas.openxmlformats.org/officeDocument/2006/relationships" xmlns:p="http://schemas.openxmlformats.org/presentationml/2006/main" type="blank" preserve="1">
   <p:cSld name="Title, 6 Content">
     <p:spTree>
       <p:nvGrpSpPr>
@@ -3042,10 +3291,11 @@
           </a:prstGeom>
         </p:spPr>
         <p:txBody>
-          <a:bodyPr lIns="0" rIns="0" tIns="0" bIns="0" anchor="ctr"/>
+          <a:bodyPr lIns="0" tIns="0" rIns="0" bIns="0" anchor="ctr"/>
+          <a:lstStyle/>
           <a:p>
             <a:pPr algn="ctr"/>
-            <a:endParaRPr b="0" lang="pt-BR" sz="4400" spc="-1" strike="noStrike">
+            <a:endParaRPr lang="pt-BR" sz="4400" b="0" strike="noStrike" spc="-1">
               <a:latin typeface="Arial"/>
             </a:endParaRPr>
           </a:p>
@@ -3071,11 +3321,12 @@
           </a:prstGeom>
         </p:spPr>
         <p:txBody>
-          <a:bodyPr lIns="0" rIns="0" tIns="0" bIns="0">
+          <a:bodyPr lIns="0" tIns="0" rIns="0" bIns="0">
             <a:normAutofit/>
           </a:bodyPr>
-          <a:p>
-            <a:endParaRPr b="0" lang="pt-BR" sz="3200" spc="-1" strike="noStrike">
+          <a:lstStyle/>
+          <a:p>
+            <a:endParaRPr lang="pt-BR" sz="3200" b="0" strike="noStrike" spc="-1">
               <a:latin typeface="Arial"/>
             </a:endParaRPr>
           </a:p>
@@ -3101,11 +3352,12 @@
           </a:prstGeom>
         </p:spPr>
         <p:txBody>
-          <a:bodyPr lIns="0" rIns="0" tIns="0" bIns="0">
+          <a:bodyPr lIns="0" tIns="0" rIns="0" bIns="0">
             <a:normAutofit/>
           </a:bodyPr>
-          <a:p>
-            <a:endParaRPr b="0" lang="pt-BR" sz="3200" spc="-1" strike="noStrike">
+          <a:lstStyle/>
+          <a:p>
+            <a:endParaRPr lang="pt-BR" sz="3200" b="0" strike="noStrike" spc="-1">
               <a:latin typeface="Arial"/>
             </a:endParaRPr>
           </a:p>
@@ -3131,11 +3383,12 @@
           </a:prstGeom>
         </p:spPr>
         <p:txBody>
-          <a:bodyPr lIns="0" rIns="0" tIns="0" bIns="0">
+          <a:bodyPr lIns="0" tIns="0" rIns="0" bIns="0">
             <a:normAutofit/>
           </a:bodyPr>
-          <a:p>
-            <a:endParaRPr b="0" lang="pt-BR" sz="3200" spc="-1" strike="noStrike">
+          <a:lstStyle/>
+          <a:p>
+            <a:endParaRPr lang="pt-BR" sz="3200" b="0" strike="noStrike" spc="-1">
               <a:latin typeface="Arial"/>
             </a:endParaRPr>
           </a:p>
@@ -3161,11 +3414,12 @@
           </a:prstGeom>
         </p:spPr>
         <p:txBody>
-          <a:bodyPr lIns="0" rIns="0" tIns="0" bIns="0">
+          <a:bodyPr lIns="0" tIns="0" rIns="0" bIns="0">
             <a:normAutofit/>
           </a:bodyPr>
-          <a:p>
-            <a:endParaRPr b="0" lang="pt-BR" sz="3200" spc="-1" strike="noStrike">
+          <a:lstStyle/>
+          <a:p>
+            <a:endParaRPr lang="pt-BR" sz="3200" b="0" strike="noStrike" spc="-1">
               <a:latin typeface="Arial"/>
             </a:endParaRPr>
           </a:p>
@@ -3191,11 +3445,12 @@
           </a:prstGeom>
         </p:spPr>
         <p:txBody>
-          <a:bodyPr lIns="0" rIns="0" tIns="0" bIns="0">
+          <a:bodyPr lIns="0" tIns="0" rIns="0" bIns="0">
             <a:normAutofit/>
           </a:bodyPr>
-          <a:p>
-            <a:endParaRPr b="0" lang="pt-BR" sz="3200" spc="-1" strike="noStrike">
+          <a:lstStyle/>
+          <a:p>
+            <a:endParaRPr lang="pt-BR" sz="3200" b="0" strike="noStrike" spc="-1">
               <a:latin typeface="Arial"/>
             </a:endParaRPr>
           </a:p>
@@ -3221,11 +3476,12 @@
           </a:prstGeom>
         </p:spPr>
         <p:txBody>
-          <a:bodyPr lIns="0" rIns="0" tIns="0" bIns="0">
+          <a:bodyPr lIns="0" tIns="0" rIns="0" bIns="0">
             <a:normAutofit/>
           </a:bodyPr>
-          <a:p>
-            <a:endParaRPr b="0" lang="pt-BR" sz="3200" spc="-1" strike="noStrike">
+          <a:lstStyle/>
+          <a:p>
+            <a:endParaRPr lang="pt-BR" sz="3200" b="0" strike="noStrike" spc="-1">
               <a:latin typeface="Arial"/>
             </a:endParaRPr>
           </a:p>
@@ -3233,11 +3489,14 @@
       </p:sp>
     </p:spTree>
   </p:cSld>
+  <p:clrMapOvr>
+    <a:masterClrMapping/>
+  </p:clrMapOvr>
 </p:sldLayout>
 </file>
 
 <file path=ppt/slideLayouts/slideLayout3.xml><?xml version="1.0" encoding="utf-8"?>
-<p:sldLayout xmlns:a="http://schemas.openxmlformats.org/drawingml/2006/main" xmlns:p="http://schemas.openxmlformats.org/presentationml/2006/main" xmlns:r="http://schemas.openxmlformats.org/officeDocument/2006/relationships" xmlns:p14="http://schemas.microsoft.com/office/powerpoint/2010/main" xmlns:p15="http://schemas.microsoft.com/office/powerpoint/2012/main" xmlns:mc="http://schemas.openxmlformats.org/markup-compatibility/2006" type="obj" preserve="1">
+<p:sldLayout xmlns:a="http://schemas.openxmlformats.org/drawingml/2006/main" xmlns:r="http://schemas.openxmlformats.org/officeDocument/2006/relationships" xmlns:p="http://schemas.openxmlformats.org/presentationml/2006/main" type="obj" preserve="1">
   <p:cSld name="Title, Content">
     <p:spTree>
       <p:nvGrpSpPr>
@@ -3273,10 +3532,11 @@
           </a:prstGeom>
         </p:spPr>
         <p:txBody>
-          <a:bodyPr lIns="0" rIns="0" tIns="0" bIns="0" anchor="ctr"/>
+          <a:bodyPr lIns="0" tIns="0" rIns="0" bIns="0" anchor="ctr"/>
+          <a:lstStyle/>
           <a:p>
             <a:pPr algn="ctr"/>
-            <a:endParaRPr b="0" lang="pt-BR" sz="4400" spc="-1" strike="noStrike">
+            <a:endParaRPr lang="pt-BR" sz="4400" b="0" strike="noStrike" spc="-1">
               <a:latin typeface="Arial"/>
             </a:endParaRPr>
           </a:p>
@@ -3302,11 +3562,12 @@
           </a:prstGeom>
         </p:spPr>
         <p:txBody>
-          <a:bodyPr lIns="0" rIns="0" tIns="0" bIns="0">
+          <a:bodyPr lIns="0" tIns="0" rIns="0" bIns="0">
             <a:normAutofit/>
           </a:bodyPr>
-          <a:p>
-            <a:endParaRPr b="0" lang="pt-BR" sz="3200" spc="-1" strike="noStrike">
+          <a:lstStyle/>
+          <a:p>
+            <a:endParaRPr lang="pt-BR" sz="3200" b="0" strike="noStrike" spc="-1">
               <a:latin typeface="Arial"/>
             </a:endParaRPr>
           </a:p>
@@ -3314,11 +3575,14 @@
       </p:sp>
     </p:spTree>
   </p:cSld>
+  <p:clrMapOvr>
+    <a:masterClrMapping/>
+  </p:clrMapOvr>
 </p:sldLayout>
 </file>
 
 <file path=ppt/slideLayouts/slideLayout4.xml><?xml version="1.0" encoding="utf-8"?>
-<p:sldLayout xmlns:a="http://schemas.openxmlformats.org/drawingml/2006/main" xmlns:p="http://schemas.openxmlformats.org/presentationml/2006/main" xmlns:r="http://schemas.openxmlformats.org/officeDocument/2006/relationships" xmlns:p14="http://schemas.microsoft.com/office/powerpoint/2010/main" xmlns:p15="http://schemas.microsoft.com/office/powerpoint/2012/main" xmlns:mc="http://schemas.openxmlformats.org/markup-compatibility/2006" type="twoObj" preserve="1">
+<p:sldLayout xmlns:a="http://schemas.openxmlformats.org/drawingml/2006/main" xmlns:r="http://schemas.openxmlformats.org/officeDocument/2006/relationships" xmlns:p="http://schemas.openxmlformats.org/presentationml/2006/main" type="twoObj" preserve="1">
   <p:cSld name="Title, 2 Content">
     <p:spTree>
       <p:nvGrpSpPr>
@@ -3354,10 +3618,11 @@
           </a:prstGeom>
         </p:spPr>
         <p:txBody>
-          <a:bodyPr lIns="0" rIns="0" tIns="0" bIns="0" anchor="ctr"/>
+          <a:bodyPr lIns="0" tIns="0" rIns="0" bIns="0" anchor="ctr"/>
+          <a:lstStyle/>
           <a:p>
             <a:pPr algn="ctr"/>
-            <a:endParaRPr b="0" lang="pt-BR" sz="4400" spc="-1" strike="noStrike">
+            <a:endParaRPr lang="pt-BR" sz="4400" b="0" strike="noStrike" spc="-1">
               <a:latin typeface="Arial"/>
             </a:endParaRPr>
           </a:p>
@@ -3383,11 +3648,12 @@
           </a:prstGeom>
         </p:spPr>
         <p:txBody>
-          <a:bodyPr lIns="0" rIns="0" tIns="0" bIns="0">
+          <a:bodyPr lIns="0" tIns="0" rIns="0" bIns="0">
             <a:normAutofit/>
           </a:bodyPr>
-          <a:p>
-            <a:endParaRPr b="0" lang="pt-BR" sz="3200" spc="-1" strike="noStrike">
+          <a:lstStyle/>
+          <a:p>
+            <a:endParaRPr lang="pt-BR" sz="3200" b="0" strike="noStrike" spc="-1">
               <a:latin typeface="Arial"/>
             </a:endParaRPr>
           </a:p>
@@ -3413,11 +3679,12 @@
           </a:prstGeom>
         </p:spPr>
         <p:txBody>
-          <a:bodyPr lIns="0" rIns="0" tIns="0" bIns="0">
+          <a:bodyPr lIns="0" tIns="0" rIns="0" bIns="0">
             <a:normAutofit/>
           </a:bodyPr>
-          <a:p>
-            <a:endParaRPr b="0" lang="pt-BR" sz="3200" spc="-1" strike="noStrike">
+          <a:lstStyle/>
+          <a:p>
+            <a:endParaRPr lang="pt-BR" sz="3200" b="0" strike="noStrike" spc="-1">
               <a:latin typeface="Arial"/>
             </a:endParaRPr>
           </a:p>
@@ -3425,11 +3692,14 @@
       </p:sp>
     </p:spTree>
   </p:cSld>
+  <p:clrMapOvr>
+    <a:masterClrMapping/>
+  </p:clrMapOvr>
 </p:sldLayout>
 </file>
 
 <file path=ppt/slideLayouts/slideLayout5.xml><?xml version="1.0" encoding="utf-8"?>
-<p:sldLayout xmlns:a="http://schemas.openxmlformats.org/drawingml/2006/main" xmlns:p="http://schemas.openxmlformats.org/presentationml/2006/main" xmlns:r="http://schemas.openxmlformats.org/officeDocument/2006/relationships" xmlns:p14="http://schemas.microsoft.com/office/powerpoint/2010/main" xmlns:p15="http://schemas.microsoft.com/office/powerpoint/2012/main" xmlns:mc="http://schemas.openxmlformats.org/markup-compatibility/2006" type="titleOnly" preserve="1">
+<p:sldLayout xmlns:a="http://schemas.openxmlformats.org/drawingml/2006/main" xmlns:r="http://schemas.openxmlformats.org/officeDocument/2006/relationships" xmlns:p="http://schemas.openxmlformats.org/presentationml/2006/main" type="titleOnly" preserve="1">
   <p:cSld name="Title Only">
     <p:spTree>
       <p:nvGrpSpPr>
@@ -3465,10 +3735,11 @@
           </a:prstGeom>
         </p:spPr>
         <p:txBody>
-          <a:bodyPr lIns="0" rIns="0" tIns="0" bIns="0" anchor="ctr"/>
+          <a:bodyPr lIns="0" tIns="0" rIns="0" bIns="0" anchor="ctr"/>
+          <a:lstStyle/>
           <a:p>
             <a:pPr algn="ctr"/>
-            <a:endParaRPr b="0" lang="pt-BR" sz="4400" spc="-1" strike="noStrike">
+            <a:endParaRPr lang="pt-BR" sz="4400" b="0" strike="noStrike" spc="-1">
               <a:latin typeface="Arial"/>
             </a:endParaRPr>
           </a:p>
@@ -3476,11 +3747,14 @@
       </p:sp>
     </p:spTree>
   </p:cSld>
+  <p:clrMapOvr>
+    <a:masterClrMapping/>
+  </p:clrMapOvr>
 </p:sldLayout>
 </file>
 
 <file path=ppt/slideLayouts/slideLayout6.xml><?xml version="1.0" encoding="utf-8"?>
-<p:sldLayout xmlns:a="http://schemas.openxmlformats.org/drawingml/2006/main" xmlns:p="http://schemas.openxmlformats.org/presentationml/2006/main" xmlns:r="http://schemas.openxmlformats.org/officeDocument/2006/relationships" xmlns:p14="http://schemas.microsoft.com/office/powerpoint/2010/main" xmlns:p15="http://schemas.microsoft.com/office/powerpoint/2012/main" xmlns:mc="http://schemas.openxmlformats.org/markup-compatibility/2006" type="objOnly" preserve="1">
+<p:sldLayout xmlns:a="http://schemas.openxmlformats.org/drawingml/2006/main" xmlns:r="http://schemas.openxmlformats.org/officeDocument/2006/relationships" xmlns:p="http://schemas.openxmlformats.org/presentationml/2006/main" type="objOnly" preserve="1">
   <p:cSld name="Centered Text">
     <p:spTree>
       <p:nvGrpSpPr>
@@ -3516,10 +3790,11 @@
           </a:prstGeom>
         </p:spPr>
         <p:txBody>
-          <a:bodyPr lIns="0" rIns="0" tIns="0" bIns="0" anchor="ctr"/>
+          <a:bodyPr lIns="0" tIns="0" rIns="0" bIns="0" anchor="ctr"/>
+          <a:lstStyle/>
           <a:p>
             <a:pPr algn="ctr"/>
-            <a:endParaRPr b="0" lang="pt-BR" sz="3200" spc="-1" strike="noStrike">
+            <a:endParaRPr lang="pt-BR" sz="3200" b="0" strike="noStrike" spc="-1">
               <a:latin typeface="Arial"/>
             </a:endParaRPr>
           </a:p>
@@ -3527,11 +3802,14 @@
       </p:sp>
     </p:spTree>
   </p:cSld>
+  <p:clrMapOvr>
+    <a:masterClrMapping/>
+  </p:clrMapOvr>
 </p:sldLayout>
 </file>
 
 <file path=ppt/slideLayouts/slideLayout7.xml><?xml version="1.0" encoding="utf-8"?>
-<p:sldLayout xmlns:a="http://schemas.openxmlformats.org/drawingml/2006/main" xmlns:p="http://schemas.openxmlformats.org/presentationml/2006/main" xmlns:r="http://schemas.openxmlformats.org/officeDocument/2006/relationships" xmlns:p14="http://schemas.microsoft.com/office/powerpoint/2010/main" xmlns:p15="http://schemas.microsoft.com/office/powerpoint/2012/main" xmlns:mc="http://schemas.openxmlformats.org/markup-compatibility/2006" type="twoObjAndObj" preserve="1">
+<p:sldLayout xmlns:a="http://schemas.openxmlformats.org/drawingml/2006/main" xmlns:r="http://schemas.openxmlformats.org/officeDocument/2006/relationships" xmlns:p="http://schemas.openxmlformats.org/presentationml/2006/main" type="twoObjAndObj" preserve="1">
   <p:cSld name="Title, 2 Content and Content">
     <p:spTree>
       <p:nvGrpSpPr>
@@ -3567,10 +3845,11 @@
           </a:prstGeom>
         </p:spPr>
         <p:txBody>
-          <a:bodyPr lIns="0" rIns="0" tIns="0" bIns="0" anchor="ctr"/>
+          <a:bodyPr lIns="0" tIns="0" rIns="0" bIns="0" anchor="ctr"/>
+          <a:lstStyle/>
           <a:p>
             <a:pPr algn="ctr"/>
-            <a:endParaRPr b="0" lang="pt-BR" sz="4400" spc="-1" strike="noStrike">
+            <a:endParaRPr lang="pt-BR" sz="4400" b="0" strike="noStrike" spc="-1">
               <a:latin typeface="Arial"/>
             </a:endParaRPr>
           </a:p>
@@ -3596,11 +3875,12 @@
           </a:prstGeom>
         </p:spPr>
         <p:txBody>
-          <a:bodyPr lIns="0" rIns="0" tIns="0" bIns="0">
+          <a:bodyPr lIns="0" tIns="0" rIns="0" bIns="0">
             <a:normAutofit/>
           </a:bodyPr>
-          <a:p>
-            <a:endParaRPr b="0" lang="pt-BR" sz="3200" spc="-1" strike="noStrike">
+          <a:lstStyle/>
+          <a:p>
+            <a:endParaRPr lang="pt-BR" sz="3200" b="0" strike="noStrike" spc="-1">
               <a:latin typeface="Arial"/>
             </a:endParaRPr>
           </a:p>
@@ -3626,11 +3906,12 @@
           </a:prstGeom>
         </p:spPr>
         <p:txBody>
-          <a:bodyPr lIns="0" rIns="0" tIns="0" bIns="0">
+          <a:bodyPr lIns="0" tIns="0" rIns="0" bIns="0">
             <a:normAutofit/>
           </a:bodyPr>
-          <a:p>
-            <a:endParaRPr b="0" lang="pt-BR" sz="3200" spc="-1" strike="noStrike">
+          <a:lstStyle/>
+          <a:p>
+            <a:endParaRPr lang="pt-BR" sz="3200" b="0" strike="noStrike" spc="-1">
               <a:latin typeface="Arial"/>
             </a:endParaRPr>
           </a:p>
@@ -3656,11 +3937,12 @@
           </a:prstGeom>
         </p:spPr>
         <p:txBody>
-          <a:bodyPr lIns="0" rIns="0" tIns="0" bIns="0">
+          <a:bodyPr lIns="0" tIns="0" rIns="0" bIns="0">
             <a:normAutofit/>
           </a:bodyPr>
-          <a:p>
-            <a:endParaRPr b="0" lang="pt-BR" sz="3200" spc="-1" strike="noStrike">
+          <a:lstStyle/>
+          <a:p>
+            <a:endParaRPr lang="pt-BR" sz="3200" b="0" strike="noStrike" spc="-1">
               <a:latin typeface="Arial"/>
             </a:endParaRPr>
           </a:p>
@@ -3668,11 +3950,14 @@
       </p:sp>
     </p:spTree>
   </p:cSld>
+  <p:clrMapOvr>
+    <a:masterClrMapping/>
+  </p:clrMapOvr>
 </p:sldLayout>
 </file>
 
 <file path=ppt/slideLayouts/slideLayout8.xml><?xml version="1.0" encoding="utf-8"?>
-<p:sldLayout xmlns:a="http://schemas.openxmlformats.org/drawingml/2006/main" xmlns:p="http://schemas.openxmlformats.org/presentationml/2006/main" xmlns:r="http://schemas.openxmlformats.org/officeDocument/2006/relationships" xmlns:p14="http://schemas.microsoft.com/office/powerpoint/2010/main" xmlns:p15="http://schemas.microsoft.com/office/powerpoint/2012/main" xmlns:mc="http://schemas.openxmlformats.org/markup-compatibility/2006" type="objAndTwoObj" preserve="1">
+<p:sldLayout xmlns:a="http://schemas.openxmlformats.org/drawingml/2006/main" xmlns:r="http://schemas.openxmlformats.org/officeDocument/2006/relationships" xmlns:p="http://schemas.openxmlformats.org/presentationml/2006/main" type="objAndTwoObj" preserve="1">
   <p:cSld name="Title Content and 2 Content">
     <p:spTree>
       <p:nvGrpSpPr>
@@ -3708,10 +3993,11 @@
           </a:prstGeom>
         </p:spPr>
         <p:txBody>
-          <a:bodyPr lIns="0" rIns="0" tIns="0" bIns="0" anchor="ctr"/>
+          <a:bodyPr lIns="0" tIns="0" rIns="0" bIns="0" anchor="ctr"/>
+          <a:lstStyle/>
           <a:p>
             <a:pPr algn="ctr"/>
-            <a:endParaRPr b="0" lang="pt-BR" sz="4400" spc="-1" strike="noStrike">
+            <a:endParaRPr lang="pt-BR" sz="4400" b="0" strike="noStrike" spc="-1">
               <a:latin typeface="Arial"/>
             </a:endParaRPr>
           </a:p>
@@ -3737,11 +4023,12 @@
           </a:prstGeom>
         </p:spPr>
         <p:txBody>
-          <a:bodyPr lIns="0" rIns="0" tIns="0" bIns="0">
+          <a:bodyPr lIns="0" tIns="0" rIns="0" bIns="0">
             <a:normAutofit/>
           </a:bodyPr>
-          <a:p>
-            <a:endParaRPr b="0" lang="pt-BR" sz="3200" spc="-1" strike="noStrike">
+          <a:lstStyle/>
+          <a:p>
+            <a:endParaRPr lang="pt-BR" sz="3200" b="0" strike="noStrike" spc="-1">
               <a:latin typeface="Arial"/>
             </a:endParaRPr>
           </a:p>
@@ -3767,11 +4054,12 @@
           </a:prstGeom>
         </p:spPr>
         <p:txBody>
-          <a:bodyPr lIns="0" rIns="0" tIns="0" bIns="0">
+          <a:bodyPr lIns="0" tIns="0" rIns="0" bIns="0">
             <a:normAutofit/>
           </a:bodyPr>
-          <a:p>
-            <a:endParaRPr b="0" lang="pt-BR" sz="3200" spc="-1" strike="noStrike">
+          <a:lstStyle/>
+          <a:p>
+            <a:endParaRPr lang="pt-BR" sz="3200" b="0" strike="noStrike" spc="-1">
               <a:latin typeface="Arial"/>
             </a:endParaRPr>
           </a:p>
@@ -3797,11 +4085,12 @@
           </a:prstGeom>
         </p:spPr>
         <p:txBody>
-          <a:bodyPr lIns="0" rIns="0" tIns="0" bIns="0">
+          <a:bodyPr lIns="0" tIns="0" rIns="0" bIns="0">
             <a:normAutofit/>
           </a:bodyPr>
-          <a:p>
-            <a:endParaRPr b="0" lang="pt-BR" sz="3200" spc="-1" strike="noStrike">
+          <a:lstStyle/>
+          <a:p>
+            <a:endParaRPr lang="pt-BR" sz="3200" b="0" strike="noStrike" spc="-1">
               <a:latin typeface="Arial"/>
             </a:endParaRPr>
           </a:p>
@@ -3809,11 +4098,14 @@
       </p:sp>
     </p:spTree>
   </p:cSld>
+  <p:clrMapOvr>
+    <a:masterClrMapping/>
+  </p:clrMapOvr>
 </p:sldLayout>
 </file>
 
 <file path=ppt/slideLayouts/slideLayout9.xml><?xml version="1.0" encoding="utf-8"?>
-<p:sldLayout xmlns:a="http://schemas.openxmlformats.org/drawingml/2006/main" xmlns:p="http://schemas.openxmlformats.org/presentationml/2006/main" xmlns:r="http://schemas.openxmlformats.org/officeDocument/2006/relationships" xmlns:p14="http://schemas.microsoft.com/office/powerpoint/2010/main" xmlns:p15="http://schemas.microsoft.com/office/powerpoint/2012/main" xmlns:mc="http://schemas.openxmlformats.org/markup-compatibility/2006" type="twoObjOverTx" preserve="1">
+<p:sldLayout xmlns:a="http://schemas.openxmlformats.org/drawingml/2006/main" xmlns:r="http://schemas.openxmlformats.org/officeDocument/2006/relationships" xmlns:p="http://schemas.openxmlformats.org/presentationml/2006/main" type="twoObjOverTx" preserve="1">
   <p:cSld name="Title, 2 Content over Content">
     <p:spTree>
       <p:nvGrpSpPr>
@@ -3849,10 +4141,11 @@
           </a:prstGeom>
         </p:spPr>
         <p:txBody>
-          <a:bodyPr lIns="0" rIns="0" tIns="0" bIns="0" anchor="ctr"/>
+          <a:bodyPr lIns="0" tIns="0" rIns="0" bIns="0" anchor="ctr"/>
+          <a:lstStyle/>
           <a:p>
             <a:pPr algn="ctr"/>
-            <a:endParaRPr b="0" lang="pt-BR" sz="4400" spc="-1" strike="noStrike">
+            <a:endParaRPr lang="pt-BR" sz="4400" b="0" strike="noStrike" spc="-1">
               <a:latin typeface="Arial"/>
             </a:endParaRPr>
           </a:p>
@@ -3878,11 +4171,12 @@
           </a:prstGeom>
         </p:spPr>
         <p:txBody>
-          <a:bodyPr lIns="0" rIns="0" tIns="0" bIns="0">
+          <a:bodyPr lIns="0" tIns="0" rIns="0" bIns="0">
             <a:normAutofit/>
           </a:bodyPr>
-          <a:p>
-            <a:endParaRPr b="0" lang="pt-BR" sz="3200" spc="-1" strike="noStrike">
+          <a:lstStyle/>
+          <a:p>
+            <a:endParaRPr lang="pt-BR" sz="3200" b="0" strike="noStrike" spc="-1">
               <a:latin typeface="Arial"/>
             </a:endParaRPr>
           </a:p>
@@ -3908,11 +4202,12 @@
           </a:prstGeom>
         </p:spPr>
         <p:txBody>
-          <a:bodyPr lIns="0" rIns="0" tIns="0" bIns="0">
+          <a:bodyPr lIns="0" tIns="0" rIns="0" bIns="0">
             <a:normAutofit/>
           </a:bodyPr>
-          <a:p>
-            <a:endParaRPr b="0" lang="pt-BR" sz="3200" spc="-1" strike="noStrike">
+          <a:lstStyle/>
+          <a:p>
+            <a:endParaRPr lang="pt-BR" sz="3200" b="0" strike="noStrike" spc="-1">
               <a:latin typeface="Arial"/>
             </a:endParaRPr>
           </a:p>
@@ -3938,11 +4233,12 @@
           </a:prstGeom>
         </p:spPr>
         <p:txBody>
-          <a:bodyPr lIns="0" rIns="0" tIns="0" bIns="0">
+          <a:bodyPr lIns="0" tIns="0" rIns="0" bIns="0">
             <a:normAutofit/>
           </a:bodyPr>
-          <a:p>
-            <a:endParaRPr b="0" lang="pt-BR" sz="3200" spc="-1" strike="noStrike">
+          <a:lstStyle/>
+          <a:p>
+            <a:endParaRPr lang="pt-BR" sz="3200" b="0" strike="noStrike" spc="-1">
               <a:latin typeface="Arial"/>
             </a:endParaRPr>
           </a:p>
@@ -3950,20 +4246,24 @@
       </p:sp>
     </p:spTree>
   </p:cSld>
+  <p:clrMapOvr>
+    <a:masterClrMapping/>
+  </p:clrMapOvr>
 </p:sldLayout>
 </file>
 
 <file path=ppt/slideMasters/slideMaster1.xml><?xml version="1.0" encoding="utf-8"?>
-<p:sldMaster xmlns:a="http://schemas.openxmlformats.org/drawingml/2006/main" xmlns:p="http://schemas.openxmlformats.org/presentationml/2006/main" xmlns:r="http://schemas.openxmlformats.org/officeDocument/2006/relationships" xmlns:p14="http://schemas.microsoft.com/office/powerpoint/2010/main" xmlns:p15="http://schemas.microsoft.com/office/powerpoint/2012/main" xmlns:mc="http://schemas.openxmlformats.org/markup-compatibility/2006">
+<p:sldMaster xmlns:a="http://schemas.openxmlformats.org/drawingml/2006/main" xmlns:r="http://schemas.openxmlformats.org/officeDocument/2006/relationships" xmlns:p="http://schemas.openxmlformats.org/presentationml/2006/main">
   <p:cSld>
     <p:bg>
       <p:bgPr>
         <a:blipFill rotWithShape="0">
-          <a:blip r:embed="rId2"/>
+          <a:blip r:embed="rId14"/>
           <a:stretch>
             <a:fillRect/>
           </a:stretch>
         </a:blipFill>
+        <a:effectLst/>
       </p:bgPr>
     </p:bg>
     <p:spTree>
@@ -3982,7 +4282,7 @@
       </p:grpSpPr>
       <p:sp>
         <p:nvSpPr>
-          <p:cNvPr id="0" name="PlaceHolder 1"/>
+          <p:cNvPr id="2" name="PlaceHolder 1"/>
           <p:cNvSpPr>
             <a:spLocks noGrp="1"/>
           </p:cNvSpPr>
@@ -4000,23 +4300,21 @@
           </a:prstGeom>
         </p:spPr>
         <p:txBody>
-          <a:bodyPr lIns="0" rIns="0" tIns="0" bIns="0" anchor="ctr"/>
+          <a:bodyPr lIns="0" tIns="0" rIns="0" bIns="0" anchor="ctr"/>
+          <a:lstStyle/>
           <a:p>
             <a:r>
-              <a:rPr b="0" lang="pt-BR" sz="1800" spc="-1" strike="noStrike">
+              <a:rPr lang="pt-BR" sz="1800" b="0" strike="noStrike" spc="-1">
                 <a:latin typeface="Arial"/>
               </a:rPr>
               <a:t>Clique para editar o formato do texto do título</a:t>
             </a:r>
-            <a:endParaRPr b="0" lang="pt-BR" sz="1800" spc="-1" strike="noStrike">
-              <a:latin typeface="Arial"/>
-            </a:endParaRPr>
-          </a:p>
-        </p:txBody>
-      </p:sp>
-      <p:sp>
-        <p:nvSpPr>
-          <p:cNvPr id="1" name="PlaceHolder 2"/>
+          </a:p>
+        </p:txBody>
+      </p:sp>
+      <p:sp>
+        <p:nvSpPr>
+          <p:cNvPr id="3" name="PlaceHolder 2"/>
           <p:cNvSpPr>
             <a:spLocks noGrp="1"/>
           </p:cNvSpPr>
@@ -4034,9 +4332,10 @@
           </a:prstGeom>
         </p:spPr>
         <p:txBody>
-          <a:bodyPr lIns="0" rIns="0" tIns="0" bIns="0">
+          <a:bodyPr lIns="0" tIns="0" rIns="0" bIns="0">
             <a:normAutofit/>
           </a:bodyPr>
+          <a:lstStyle/>
           <a:p>
             <a:pPr marL="432000" indent="-324000">
               <a:spcBef>
@@ -4050,17 +4349,14 @@
               <a:buChar char=""/>
             </a:pPr>
             <a:r>
-              <a:rPr b="0" lang="pt-BR" sz="3200" spc="-1" strike="noStrike">
+              <a:rPr lang="pt-BR" sz="3200" b="0" strike="noStrike" spc="-1">
                 <a:latin typeface="Arial"/>
               </a:rPr>
               <a:t>Clique para editar o formato do texto da estrutura de tópicos</a:t>
             </a:r>
-            <a:endParaRPr b="0" lang="pt-BR" sz="3200" spc="-1" strike="noStrike">
-              <a:latin typeface="Arial"/>
-            </a:endParaRPr>
-          </a:p>
-          <a:p>
-            <a:pPr lvl="1" marL="864000" indent="-324000">
+          </a:p>
+          <a:p>
+            <a:pPr marL="864000" lvl="1" indent="-324000">
               <a:spcBef>
                 <a:spcPts val="1134"/>
               </a:spcBef>
@@ -4072,17 +4368,14 @@
               <a:buChar char=""/>
             </a:pPr>
             <a:r>
-              <a:rPr b="0" lang="pt-BR" sz="2800" spc="-1" strike="noStrike">
+              <a:rPr lang="pt-BR" sz="2800" b="0" strike="noStrike" spc="-1">
                 <a:latin typeface="Arial"/>
               </a:rPr>
               <a:t>2.º nível da estrutura de tópicos</a:t>
             </a:r>
-            <a:endParaRPr b="0" lang="pt-BR" sz="2800" spc="-1" strike="noStrike">
-              <a:latin typeface="Arial"/>
-            </a:endParaRPr>
-          </a:p>
-          <a:p>
-            <a:pPr lvl="2" marL="1296000" indent="-288000">
+          </a:p>
+          <a:p>
+            <a:pPr marL="1296000" lvl="2" indent="-288000">
               <a:spcBef>
                 <a:spcPts val="850"/>
               </a:spcBef>
@@ -4094,17 +4387,14 @@
               <a:buChar char=""/>
             </a:pPr>
             <a:r>
-              <a:rPr b="0" lang="pt-BR" sz="2400" spc="-1" strike="noStrike">
+              <a:rPr lang="pt-BR" sz="2400" b="0" strike="noStrike" spc="-1">
                 <a:latin typeface="Arial"/>
               </a:rPr>
               <a:t>3.º nível da estrutura de tópicos</a:t>
             </a:r>
-            <a:endParaRPr b="0" lang="pt-BR" sz="2400" spc="-1" strike="noStrike">
-              <a:latin typeface="Arial"/>
-            </a:endParaRPr>
-          </a:p>
-          <a:p>
-            <a:pPr lvl="3" marL="1728000" indent="-216000">
+          </a:p>
+          <a:p>
+            <a:pPr marL="1728000" lvl="3" indent="-216000">
               <a:spcBef>
                 <a:spcPts val="567"/>
               </a:spcBef>
@@ -4116,17 +4406,14 @@
               <a:buChar char=""/>
             </a:pPr>
             <a:r>
-              <a:rPr b="0" lang="pt-BR" sz="2000" spc="-1" strike="noStrike">
+              <a:rPr lang="pt-BR" sz="2000" b="0" strike="noStrike" spc="-1">
                 <a:latin typeface="Arial"/>
               </a:rPr>
               <a:t>4.º nível da estrutura de tópicos</a:t>
             </a:r>
-            <a:endParaRPr b="0" lang="pt-BR" sz="2000" spc="-1" strike="noStrike">
-              <a:latin typeface="Arial"/>
-            </a:endParaRPr>
-          </a:p>
-          <a:p>
-            <a:pPr lvl="4" marL="2160000" indent="-216000">
+          </a:p>
+          <a:p>
+            <a:pPr marL="2160000" lvl="4" indent="-216000">
               <a:spcBef>
                 <a:spcPts val="283"/>
               </a:spcBef>
@@ -4138,17 +4425,14 @@
               <a:buChar char=""/>
             </a:pPr>
             <a:r>
-              <a:rPr b="0" lang="pt-BR" sz="2000" spc="-1" strike="noStrike">
+              <a:rPr lang="pt-BR" sz="2000" b="0" strike="noStrike" spc="-1">
                 <a:latin typeface="Arial"/>
               </a:rPr>
               <a:t>5.º nível da estrutura de tópicos</a:t>
             </a:r>
-            <a:endParaRPr b="0" lang="pt-BR" sz="2000" spc="-1" strike="noStrike">
-              <a:latin typeface="Arial"/>
-            </a:endParaRPr>
-          </a:p>
-          <a:p>
-            <a:pPr lvl="5" marL="2592000" indent="-216000">
+          </a:p>
+          <a:p>
+            <a:pPr marL="2592000" lvl="5" indent="-216000">
               <a:spcBef>
                 <a:spcPts val="283"/>
               </a:spcBef>
@@ -4160,17 +4444,14 @@
               <a:buChar char=""/>
             </a:pPr>
             <a:r>
-              <a:rPr b="0" lang="pt-BR" sz="2000" spc="-1" strike="noStrike">
+              <a:rPr lang="pt-BR" sz="2000" b="0" strike="noStrike" spc="-1">
                 <a:latin typeface="Arial"/>
               </a:rPr>
               <a:t>6.º nível da estrutura de tópicos</a:t>
             </a:r>
-            <a:endParaRPr b="0" lang="pt-BR" sz="2000" spc="-1" strike="noStrike">
-              <a:latin typeface="Arial"/>
-            </a:endParaRPr>
-          </a:p>
-          <a:p>
-            <a:pPr lvl="6" marL="3024000" indent="-216000">
+          </a:p>
+          <a:p>
+            <a:pPr marL="3024000" lvl="6" indent="-216000">
               <a:spcBef>
                 <a:spcPts val="283"/>
               </a:spcBef>
@@ -4182,48 +4463,326 @@
               <a:buChar char=""/>
             </a:pPr>
             <a:r>
-              <a:rPr b="0" lang="pt-BR" sz="2000" spc="-1" strike="noStrike">
+              <a:rPr lang="pt-BR" sz="2000" b="0" strike="noStrike" spc="-1">
                 <a:latin typeface="Arial"/>
               </a:rPr>
               <a:t>7.º nível da estrutura de tópicos</a:t>
             </a:r>
-            <a:endParaRPr b="0" lang="pt-BR" sz="2000" spc="-1" strike="noStrike">
-              <a:latin typeface="Arial"/>
-            </a:endParaRPr>
           </a:p>
         </p:txBody>
       </p:sp>
     </p:spTree>
   </p:cSld>
-  <p:clrMap bg1="lt1" bg2="lt2" tx1="dk1" tx2="dk2" accent1="accent1" accent2="accent2" accent3="accent3" accent4="accent4" accent5="accent5" accent6="accent6" hlink="hlink" folHlink="folHlink"/>
+  <p:clrMap bg1="lt1" tx1="dk1" bg2="lt2" tx2="dk2" accent1="accent1" accent2="accent2" accent3="accent3" accent4="accent4" accent5="accent5" accent6="accent6" hlink="hlink" folHlink="folHlink"/>
   <p:sldLayoutIdLst>
-    <p:sldLayoutId id="2147483649" r:id="rId3"/>
-    <p:sldLayoutId id="2147483650" r:id="rId4"/>
-    <p:sldLayoutId id="2147483651" r:id="rId5"/>
-    <p:sldLayoutId id="2147483652" r:id="rId6"/>
-    <p:sldLayoutId id="2147483653" r:id="rId7"/>
-    <p:sldLayoutId id="2147483654" r:id="rId8"/>
-    <p:sldLayoutId id="2147483655" r:id="rId9"/>
-    <p:sldLayoutId id="2147483656" r:id="rId10"/>
-    <p:sldLayoutId id="2147483657" r:id="rId11"/>
-    <p:sldLayoutId id="2147483658" r:id="rId12"/>
-    <p:sldLayoutId id="2147483659" r:id="rId13"/>
-    <p:sldLayoutId id="2147483660" r:id="rId14"/>
+    <p:sldLayoutId id="2147483649" r:id="rId1"/>
+    <p:sldLayoutId id="2147483650" r:id="rId2"/>
+    <p:sldLayoutId id="2147483651" r:id="rId3"/>
+    <p:sldLayoutId id="2147483652" r:id="rId4"/>
+    <p:sldLayoutId id="2147483653" r:id="rId5"/>
+    <p:sldLayoutId id="2147483654" r:id="rId6"/>
+    <p:sldLayoutId id="2147483655" r:id="rId7"/>
+    <p:sldLayoutId id="2147483656" r:id="rId8"/>
+    <p:sldLayoutId id="2147483657" r:id="rId9"/>
+    <p:sldLayoutId id="2147483658" r:id="rId10"/>
+    <p:sldLayoutId id="2147483659" r:id="rId11"/>
+    <p:sldLayoutId id="2147483660" r:id="rId12"/>
   </p:sldLayoutIdLst>
+  <p:txStyles>
+    <p:titleStyle>
+      <a:lvl1pPr algn="l" defTabSz="914400" rtl="0" eaLnBrk="1" latinLnBrk="0" hangingPunct="1">
+        <a:lnSpc>
+          <a:spcPct val="90000"/>
+        </a:lnSpc>
+        <a:spcBef>
+          <a:spcPct val="0"/>
+        </a:spcBef>
+        <a:buNone/>
+        <a:defRPr sz="4400" kern="1200">
+          <a:solidFill>
+            <a:schemeClr val="tx1"/>
+          </a:solidFill>
+          <a:latin typeface="+mj-lt"/>
+          <a:ea typeface="+mj-ea"/>
+          <a:cs typeface="+mj-cs"/>
+        </a:defRPr>
+      </a:lvl1pPr>
+    </p:titleStyle>
+    <p:bodyStyle>
+      <a:lvl1pPr marL="228600" indent="-228600" algn="l" defTabSz="914400" rtl="0" eaLnBrk="1" latinLnBrk="0" hangingPunct="1">
+        <a:lnSpc>
+          <a:spcPct val="90000"/>
+        </a:lnSpc>
+        <a:spcBef>
+          <a:spcPts val="1000"/>
+        </a:spcBef>
+        <a:buFont typeface="Arial" panose="020B0604020202020204" pitchFamily="34" charset="0"/>
+        <a:buChar char="•"/>
+        <a:defRPr sz="2800" kern="1200">
+          <a:solidFill>
+            <a:schemeClr val="tx1"/>
+          </a:solidFill>
+          <a:latin typeface="+mn-lt"/>
+          <a:ea typeface="+mn-ea"/>
+          <a:cs typeface="+mn-cs"/>
+        </a:defRPr>
+      </a:lvl1pPr>
+      <a:lvl2pPr marL="685800" indent="-228600" algn="l" defTabSz="914400" rtl="0" eaLnBrk="1" latinLnBrk="0" hangingPunct="1">
+        <a:lnSpc>
+          <a:spcPct val="90000"/>
+        </a:lnSpc>
+        <a:spcBef>
+          <a:spcPts val="500"/>
+        </a:spcBef>
+        <a:buFont typeface="Arial" panose="020B0604020202020204" pitchFamily="34" charset="0"/>
+        <a:buChar char="•"/>
+        <a:defRPr sz="2400" kern="1200">
+          <a:solidFill>
+            <a:schemeClr val="tx1"/>
+          </a:solidFill>
+          <a:latin typeface="+mn-lt"/>
+          <a:ea typeface="+mn-ea"/>
+          <a:cs typeface="+mn-cs"/>
+        </a:defRPr>
+      </a:lvl2pPr>
+      <a:lvl3pPr marL="1143000" indent="-228600" algn="l" defTabSz="914400" rtl="0" eaLnBrk="1" latinLnBrk="0" hangingPunct="1">
+        <a:lnSpc>
+          <a:spcPct val="90000"/>
+        </a:lnSpc>
+        <a:spcBef>
+          <a:spcPts val="500"/>
+        </a:spcBef>
+        <a:buFont typeface="Arial" panose="020B0604020202020204" pitchFamily="34" charset="0"/>
+        <a:buChar char="•"/>
+        <a:defRPr sz="2000" kern="1200">
+          <a:solidFill>
+            <a:schemeClr val="tx1"/>
+          </a:solidFill>
+          <a:latin typeface="+mn-lt"/>
+          <a:ea typeface="+mn-ea"/>
+          <a:cs typeface="+mn-cs"/>
+        </a:defRPr>
+      </a:lvl3pPr>
+      <a:lvl4pPr marL="1600200" indent="-228600" algn="l" defTabSz="914400" rtl="0" eaLnBrk="1" latinLnBrk="0" hangingPunct="1">
+        <a:lnSpc>
+          <a:spcPct val="90000"/>
+        </a:lnSpc>
+        <a:spcBef>
+          <a:spcPts val="500"/>
+        </a:spcBef>
+        <a:buFont typeface="Arial" panose="020B0604020202020204" pitchFamily="34" charset="0"/>
+        <a:buChar char="•"/>
+        <a:defRPr sz="1800" kern="1200">
+          <a:solidFill>
+            <a:schemeClr val="tx1"/>
+          </a:solidFill>
+          <a:latin typeface="+mn-lt"/>
+          <a:ea typeface="+mn-ea"/>
+          <a:cs typeface="+mn-cs"/>
+        </a:defRPr>
+      </a:lvl4pPr>
+      <a:lvl5pPr marL="2057400" indent="-228600" algn="l" defTabSz="914400" rtl="0" eaLnBrk="1" latinLnBrk="0" hangingPunct="1">
+        <a:lnSpc>
+          <a:spcPct val="90000"/>
+        </a:lnSpc>
+        <a:spcBef>
+          <a:spcPts val="500"/>
+        </a:spcBef>
+        <a:buFont typeface="Arial" panose="020B0604020202020204" pitchFamily="34" charset="0"/>
+        <a:buChar char="•"/>
+        <a:defRPr sz="1800" kern="1200">
+          <a:solidFill>
+            <a:schemeClr val="tx1"/>
+          </a:solidFill>
+          <a:latin typeface="+mn-lt"/>
+          <a:ea typeface="+mn-ea"/>
+          <a:cs typeface="+mn-cs"/>
+        </a:defRPr>
+      </a:lvl5pPr>
+      <a:lvl6pPr marL="2514600" indent="-228600" algn="l" defTabSz="914400" rtl="0" eaLnBrk="1" latinLnBrk="0" hangingPunct="1">
+        <a:lnSpc>
+          <a:spcPct val="90000"/>
+        </a:lnSpc>
+        <a:spcBef>
+          <a:spcPts val="500"/>
+        </a:spcBef>
+        <a:buFont typeface="Arial" panose="020B0604020202020204" pitchFamily="34" charset="0"/>
+        <a:buChar char="•"/>
+        <a:defRPr sz="1800" kern="1200">
+          <a:solidFill>
+            <a:schemeClr val="tx1"/>
+          </a:solidFill>
+          <a:latin typeface="+mn-lt"/>
+          <a:ea typeface="+mn-ea"/>
+          <a:cs typeface="+mn-cs"/>
+        </a:defRPr>
+      </a:lvl6pPr>
+      <a:lvl7pPr marL="2971800" indent="-228600" algn="l" defTabSz="914400" rtl="0" eaLnBrk="1" latinLnBrk="0" hangingPunct="1">
+        <a:lnSpc>
+          <a:spcPct val="90000"/>
+        </a:lnSpc>
+        <a:spcBef>
+          <a:spcPts val="500"/>
+        </a:spcBef>
+        <a:buFont typeface="Arial" panose="020B0604020202020204" pitchFamily="34" charset="0"/>
+        <a:buChar char="•"/>
+        <a:defRPr sz="1800" kern="1200">
+          <a:solidFill>
+            <a:schemeClr val="tx1"/>
+          </a:solidFill>
+          <a:latin typeface="+mn-lt"/>
+          <a:ea typeface="+mn-ea"/>
+          <a:cs typeface="+mn-cs"/>
+        </a:defRPr>
+      </a:lvl7pPr>
+      <a:lvl8pPr marL="3429000" indent="-228600" algn="l" defTabSz="914400" rtl="0" eaLnBrk="1" latinLnBrk="0" hangingPunct="1">
+        <a:lnSpc>
+          <a:spcPct val="90000"/>
+        </a:lnSpc>
+        <a:spcBef>
+          <a:spcPts val="500"/>
+        </a:spcBef>
+        <a:buFont typeface="Arial" panose="020B0604020202020204" pitchFamily="34" charset="0"/>
+        <a:buChar char="•"/>
+        <a:defRPr sz="1800" kern="1200">
+          <a:solidFill>
+            <a:schemeClr val="tx1"/>
+          </a:solidFill>
+          <a:latin typeface="+mn-lt"/>
+          <a:ea typeface="+mn-ea"/>
+          <a:cs typeface="+mn-cs"/>
+        </a:defRPr>
+      </a:lvl8pPr>
+      <a:lvl9pPr marL="3886200" indent="-228600" algn="l" defTabSz="914400" rtl="0" eaLnBrk="1" latinLnBrk="0" hangingPunct="1">
+        <a:lnSpc>
+          <a:spcPct val="90000"/>
+        </a:lnSpc>
+        <a:spcBef>
+          <a:spcPts val="500"/>
+        </a:spcBef>
+        <a:buFont typeface="Arial" panose="020B0604020202020204" pitchFamily="34" charset="0"/>
+        <a:buChar char="•"/>
+        <a:defRPr sz="1800" kern="1200">
+          <a:solidFill>
+            <a:schemeClr val="tx1"/>
+          </a:solidFill>
+          <a:latin typeface="+mn-lt"/>
+          <a:ea typeface="+mn-ea"/>
+          <a:cs typeface="+mn-cs"/>
+        </a:defRPr>
+      </a:lvl9pPr>
+    </p:bodyStyle>
+    <p:otherStyle>
+      <a:defPPr>
+        <a:defRPr lang="pt-BR"/>
+      </a:defPPr>
+      <a:lvl1pPr marL="0" algn="l" defTabSz="914400" rtl="0" eaLnBrk="1" latinLnBrk="0" hangingPunct="1">
+        <a:defRPr sz="1800" kern="1200">
+          <a:solidFill>
+            <a:schemeClr val="tx1"/>
+          </a:solidFill>
+          <a:latin typeface="+mn-lt"/>
+          <a:ea typeface="+mn-ea"/>
+          <a:cs typeface="+mn-cs"/>
+        </a:defRPr>
+      </a:lvl1pPr>
+      <a:lvl2pPr marL="457200" algn="l" defTabSz="914400" rtl="0" eaLnBrk="1" latinLnBrk="0" hangingPunct="1">
+        <a:defRPr sz="1800" kern="1200">
+          <a:solidFill>
+            <a:schemeClr val="tx1"/>
+          </a:solidFill>
+          <a:latin typeface="+mn-lt"/>
+          <a:ea typeface="+mn-ea"/>
+          <a:cs typeface="+mn-cs"/>
+        </a:defRPr>
+      </a:lvl2pPr>
+      <a:lvl3pPr marL="914400" algn="l" defTabSz="914400" rtl="0" eaLnBrk="1" latinLnBrk="0" hangingPunct="1">
+        <a:defRPr sz="1800" kern="1200">
+          <a:solidFill>
+            <a:schemeClr val="tx1"/>
+          </a:solidFill>
+          <a:latin typeface="+mn-lt"/>
+          <a:ea typeface="+mn-ea"/>
+          <a:cs typeface="+mn-cs"/>
+        </a:defRPr>
+      </a:lvl3pPr>
+      <a:lvl4pPr marL="1371600" algn="l" defTabSz="914400" rtl="0" eaLnBrk="1" latinLnBrk="0" hangingPunct="1">
+        <a:defRPr sz="1800" kern="1200">
+          <a:solidFill>
+            <a:schemeClr val="tx1"/>
+          </a:solidFill>
+          <a:latin typeface="+mn-lt"/>
+          <a:ea typeface="+mn-ea"/>
+          <a:cs typeface="+mn-cs"/>
+        </a:defRPr>
+      </a:lvl4pPr>
+      <a:lvl5pPr marL="1828800" algn="l" defTabSz="914400" rtl="0" eaLnBrk="1" latinLnBrk="0" hangingPunct="1">
+        <a:defRPr sz="1800" kern="1200">
+          <a:solidFill>
+            <a:schemeClr val="tx1"/>
+          </a:solidFill>
+          <a:latin typeface="+mn-lt"/>
+          <a:ea typeface="+mn-ea"/>
+          <a:cs typeface="+mn-cs"/>
+        </a:defRPr>
+      </a:lvl5pPr>
+      <a:lvl6pPr marL="2286000" algn="l" defTabSz="914400" rtl="0" eaLnBrk="1" latinLnBrk="0" hangingPunct="1">
+        <a:defRPr sz="1800" kern="1200">
+          <a:solidFill>
+            <a:schemeClr val="tx1"/>
+          </a:solidFill>
+          <a:latin typeface="+mn-lt"/>
+          <a:ea typeface="+mn-ea"/>
+          <a:cs typeface="+mn-cs"/>
+        </a:defRPr>
+      </a:lvl6pPr>
+      <a:lvl7pPr marL="2743200" algn="l" defTabSz="914400" rtl="0" eaLnBrk="1" latinLnBrk="0" hangingPunct="1">
+        <a:defRPr sz="1800" kern="1200">
+          <a:solidFill>
+            <a:schemeClr val="tx1"/>
+          </a:solidFill>
+          <a:latin typeface="+mn-lt"/>
+          <a:ea typeface="+mn-ea"/>
+          <a:cs typeface="+mn-cs"/>
+        </a:defRPr>
+      </a:lvl7pPr>
+      <a:lvl8pPr marL="3200400" algn="l" defTabSz="914400" rtl="0" eaLnBrk="1" latinLnBrk="0" hangingPunct="1">
+        <a:defRPr sz="1800" kern="1200">
+          <a:solidFill>
+            <a:schemeClr val="tx1"/>
+          </a:solidFill>
+          <a:latin typeface="+mn-lt"/>
+          <a:ea typeface="+mn-ea"/>
+          <a:cs typeface="+mn-cs"/>
+        </a:defRPr>
+      </a:lvl8pPr>
+      <a:lvl9pPr marL="3657600" algn="l" defTabSz="914400" rtl="0" eaLnBrk="1" latinLnBrk="0" hangingPunct="1">
+        <a:defRPr sz="1800" kern="1200">
+          <a:solidFill>
+            <a:schemeClr val="tx1"/>
+          </a:solidFill>
+          <a:latin typeface="+mn-lt"/>
+          <a:ea typeface="+mn-ea"/>
+          <a:cs typeface="+mn-cs"/>
+        </a:defRPr>
+      </a:lvl9pPr>
+    </p:otherStyle>
+  </p:txStyles>
 </p:sldMaster>
 </file>
 
 <file path=ppt/slideMasters/slideMaster2.xml><?xml version="1.0" encoding="utf-8"?>
-<p:sldMaster xmlns:a="http://schemas.openxmlformats.org/drawingml/2006/main" xmlns:p="http://schemas.openxmlformats.org/presentationml/2006/main" xmlns:r="http://schemas.openxmlformats.org/officeDocument/2006/relationships" xmlns:p14="http://schemas.microsoft.com/office/powerpoint/2010/main" xmlns:p15="http://schemas.microsoft.com/office/powerpoint/2012/main" xmlns:mc="http://schemas.openxmlformats.org/markup-compatibility/2006">
+<p:sldMaster xmlns:a="http://schemas.openxmlformats.org/drawingml/2006/main" xmlns:r="http://schemas.openxmlformats.org/officeDocument/2006/relationships" xmlns:p="http://schemas.openxmlformats.org/presentationml/2006/main">
   <p:cSld>
     <p:bg>
       <p:bgPr>
         <a:blipFill rotWithShape="0">
-          <a:blip r:embed="rId2"/>
+          <a:blip r:embed="rId14"/>
           <a:stretch>
             <a:fillRect/>
           </a:stretch>
         </a:blipFill>
+        <a:effectLst/>
       </p:bgPr>
     </p:bg>
     <p:spTree>
@@ -4260,18 +4819,16 @@
           </a:prstGeom>
         </p:spPr>
         <p:txBody>
-          <a:bodyPr lIns="0" rIns="0" tIns="0" bIns="0" anchor="ctr"/>
+          <a:bodyPr lIns="0" tIns="0" rIns="0" bIns="0" anchor="ctr"/>
+          <a:lstStyle/>
           <a:p>
             <a:pPr algn="ctr"/>
             <a:r>
-              <a:rPr b="0" lang="pt-BR" sz="4400" spc="-1" strike="noStrike">
+              <a:rPr lang="pt-BR" sz="4400" b="0" strike="noStrike" spc="-1">
                 <a:latin typeface="Arial"/>
               </a:rPr>
               <a:t>Clique para editar o formato do texto do título</a:t>
             </a:r>
-            <a:endParaRPr b="0" lang="pt-BR" sz="4400" spc="-1" strike="noStrike">
-              <a:latin typeface="Arial"/>
-            </a:endParaRPr>
           </a:p>
         </p:txBody>
       </p:sp>
@@ -4295,187 +4852,447 @@
           </a:prstGeom>
         </p:spPr>
         <p:txBody>
-          <a:bodyPr lIns="0" rIns="0" tIns="0" bIns="0">
+          <a:bodyPr lIns="0" tIns="0" rIns="0" bIns="0">
             <a:normAutofit/>
           </a:bodyPr>
+          <a:lstStyle/>
           <a:p>
             <a:pPr marL="432000" indent="-324000">
               <a:spcBef>
                 <a:spcPts val="1417"/>
               </a:spcBef>
               <a:buClr>
-                <a:srgbClr val="ffffff"/>
+                <a:srgbClr val="FFFFFF"/>
               </a:buClr>
               <a:buSzPct val="45000"/>
               <a:buFont typeface="Wingdings" charset="2"/>
               <a:buChar char=""/>
             </a:pPr>
             <a:r>
-              <a:rPr b="0" lang="pt-BR" sz="3200" spc="-1" strike="noStrike">
+              <a:rPr lang="pt-BR" sz="3200" b="0" strike="noStrike" spc="-1">
                 <a:latin typeface="Arial"/>
               </a:rPr>
               <a:t>Clique para editar o formato do texto da estrutura de tópicos</a:t>
             </a:r>
-            <a:endParaRPr b="0" lang="pt-BR" sz="3200" spc="-1" strike="noStrike">
-              <a:latin typeface="Arial"/>
-            </a:endParaRPr>
-          </a:p>
-          <a:p>
-            <a:pPr lvl="1" marL="864000" indent="-324000">
+          </a:p>
+          <a:p>
+            <a:pPr marL="864000" lvl="1" indent="-324000">
               <a:spcBef>
                 <a:spcPts val="1134"/>
               </a:spcBef>
               <a:buClr>
-                <a:srgbClr val="ffffff"/>
+                <a:srgbClr val="FFFFFF"/>
               </a:buClr>
               <a:buSzPct val="75000"/>
               <a:buFont typeface="Symbol" charset="2"/>
               <a:buChar char=""/>
             </a:pPr>
             <a:r>
-              <a:rPr b="0" lang="pt-BR" sz="2800" spc="-1" strike="noStrike">
+              <a:rPr lang="pt-BR" sz="2800" b="0" strike="noStrike" spc="-1">
                 <a:latin typeface="Arial"/>
               </a:rPr>
               <a:t>2.º nível da estrutura de tópicos</a:t>
             </a:r>
-            <a:endParaRPr b="0" lang="pt-BR" sz="2800" spc="-1" strike="noStrike">
-              <a:latin typeface="Arial"/>
-            </a:endParaRPr>
-          </a:p>
-          <a:p>
-            <a:pPr lvl="2" marL="1296000" indent="-288000">
+          </a:p>
+          <a:p>
+            <a:pPr marL="1296000" lvl="2" indent="-288000">
               <a:spcBef>
                 <a:spcPts val="850"/>
               </a:spcBef>
               <a:buClr>
-                <a:srgbClr val="ffffff"/>
+                <a:srgbClr val="FFFFFF"/>
               </a:buClr>
               <a:buSzPct val="45000"/>
               <a:buFont typeface="Wingdings" charset="2"/>
               <a:buChar char=""/>
             </a:pPr>
             <a:r>
-              <a:rPr b="0" lang="pt-BR" sz="2400" spc="-1" strike="noStrike">
+              <a:rPr lang="pt-BR" sz="2400" b="0" strike="noStrike" spc="-1">
                 <a:latin typeface="Arial"/>
               </a:rPr>
               <a:t>3.º nível da estrutura de tópicos</a:t>
             </a:r>
-            <a:endParaRPr b="0" lang="pt-BR" sz="2400" spc="-1" strike="noStrike">
-              <a:latin typeface="Arial"/>
-            </a:endParaRPr>
-          </a:p>
-          <a:p>
-            <a:pPr lvl="3" marL="1728000" indent="-216000">
+          </a:p>
+          <a:p>
+            <a:pPr marL="1728000" lvl="3" indent="-216000">
               <a:spcBef>
                 <a:spcPts val="567"/>
               </a:spcBef>
               <a:buClr>
-                <a:srgbClr val="ffffff"/>
+                <a:srgbClr val="FFFFFF"/>
               </a:buClr>
               <a:buSzPct val="75000"/>
               <a:buFont typeface="Symbol" charset="2"/>
               <a:buChar char=""/>
             </a:pPr>
             <a:r>
-              <a:rPr b="0" lang="pt-BR" sz="2000" spc="-1" strike="noStrike">
+              <a:rPr lang="pt-BR" sz="2000" b="0" strike="noStrike" spc="-1">
                 <a:latin typeface="Arial"/>
               </a:rPr>
               <a:t>4.º nível da estrutura de tópicos</a:t>
             </a:r>
-            <a:endParaRPr b="0" lang="pt-BR" sz="2000" spc="-1" strike="noStrike">
-              <a:latin typeface="Arial"/>
-            </a:endParaRPr>
-          </a:p>
-          <a:p>
-            <a:pPr lvl="4" marL="2160000" indent="-216000">
+          </a:p>
+          <a:p>
+            <a:pPr marL="2160000" lvl="4" indent="-216000">
               <a:spcBef>
                 <a:spcPts val="283"/>
               </a:spcBef>
               <a:buClr>
-                <a:srgbClr val="ffffff"/>
+                <a:srgbClr val="FFFFFF"/>
               </a:buClr>
               <a:buSzPct val="45000"/>
               <a:buFont typeface="Wingdings" charset="2"/>
               <a:buChar char=""/>
             </a:pPr>
             <a:r>
-              <a:rPr b="0" lang="pt-BR" sz="2000" spc="-1" strike="noStrike">
+              <a:rPr lang="pt-BR" sz="2000" b="0" strike="noStrike" spc="-1">
                 <a:latin typeface="Arial"/>
               </a:rPr>
               <a:t>5.º nível da estrutura de tópicos</a:t>
             </a:r>
-            <a:endParaRPr b="0" lang="pt-BR" sz="2000" spc="-1" strike="noStrike">
-              <a:latin typeface="Arial"/>
-            </a:endParaRPr>
-          </a:p>
-          <a:p>
-            <a:pPr lvl="5" marL="2592000" indent="-216000">
+          </a:p>
+          <a:p>
+            <a:pPr marL="2592000" lvl="5" indent="-216000">
               <a:spcBef>
                 <a:spcPts val="283"/>
               </a:spcBef>
               <a:buClr>
-                <a:srgbClr val="ffffff"/>
+                <a:srgbClr val="FFFFFF"/>
               </a:buClr>
               <a:buSzPct val="45000"/>
               <a:buFont typeface="Wingdings" charset="2"/>
               <a:buChar char=""/>
             </a:pPr>
             <a:r>
-              <a:rPr b="0" lang="pt-BR" sz="2000" spc="-1" strike="noStrike">
+              <a:rPr lang="pt-BR" sz="2000" b="0" strike="noStrike" spc="-1">
                 <a:latin typeface="Arial"/>
               </a:rPr>
               <a:t>6.º nível da estrutura de tópicos</a:t>
             </a:r>
-            <a:endParaRPr b="0" lang="pt-BR" sz="2000" spc="-1" strike="noStrike">
-              <a:latin typeface="Arial"/>
-            </a:endParaRPr>
-          </a:p>
-          <a:p>
-            <a:pPr lvl="6" marL="3024000" indent="-216000">
+          </a:p>
+          <a:p>
+            <a:pPr marL="3024000" lvl="6" indent="-216000">
               <a:spcBef>
                 <a:spcPts val="283"/>
               </a:spcBef>
               <a:buClr>
-                <a:srgbClr val="ffffff"/>
+                <a:srgbClr val="FFFFFF"/>
               </a:buClr>
               <a:buSzPct val="45000"/>
               <a:buFont typeface="Wingdings" charset="2"/>
               <a:buChar char=""/>
             </a:pPr>
             <a:r>
-              <a:rPr b="0" lang="pt-BR" sz="2000" spc="-1" strike="noStrike">
+              <a:rPr lang="pt-BR" sz="2000" b="0" strike="noStrike" spc="-1">
                 <a:latin typeface="Arial"/>
               </a:rPr>
               <a:t>7.º nível da estrutura de tópicos</a:t>
             </a:r>
-            <a:endParaRPr b="0" lang="pt-BR" sz="2000" spc="-1" strike="noStrike">
-              <a:latin typeface="Arial"/>
-            </a:endParaRPr>
           </a:p>
         </p:txBody>
       </p:sp>
     </p:spTree>
   </p:cSld>
-  <p:clrMap bg1="lt1" bg2="lt2" tx1="dk1" tx2="dk2" accent1="accent1" accent2="accent2" accent3="accent3" accent4="accent4" accent5="accent5" accent6="accent6" hlink="hlink" folHlink="folHlink"/>
+  <p:clrMap bg1="lt1" tx1="dk1" bg2="lt2" tx2="dk2" accent1="accent1" accent2="accent2" accent3="accent3" accent4="accent4" accent5="accent5" accent6="accent6" hlink="hlink" folHlink="folHlink"/>
   <p:sldLayoutIdLst>
-    <p:sldLayoutId id="2147483662" r:id="rId3"/>
-    <p:sldLayoutId id="2147483663" r:id="rId4"/>
-    <p:sldLayoutId id="2147483664" r:id="rId5"/>
-    <p:sldLayoutId id="2147483665" r:id="rId6"/>
-    <p:sldLayoutId id="2147483666" r:id="rId7"/>
-    <p:sldLayoutId id="2147483667" r:id="rId8"/>
-    <p:sldLayoutId id="2147483668" r:id="rId9"/>
-    <p:sldLayoutId id="2147483669" r:id="rId10"/>
-    <p:sldLayoutId id="2147483670" r:id="rId11"/>
-    <p:sldLayoutId id="2147483671" r:id="rId12"/>
-    <p:sldLayoutId id="2147483672" r:id="rId13"/>
-    <p:sldLayoutId id="2147483673" r:id="rId14"/>
+    <p:sldLayoutId id="2147483662" r:id="rId1"/>
+    <p:sldLayoutId id="2147483663" r:id="rId2"/>
+    <p:sldLayoutId id="2147483664" r:id="rId3"/>
+    <p:sldLayoutId id="2147483665" r:id="rId4"/>
+    <p:sldLayoutId id="2147483666" r:id="rId5"/>
+    <p:sldLayoutId id="2147483667" r:id="rId6"/>
+    <p:sldLayoutId id="2147483668" r:id="rId7"/>
+    <p:sldLayoutId id="2147483669" r:id="rId8"/>
+    <p:sldLayoutId id="2147483670" r:id="rId9"/>
+    <p:sldLayoutId id="2147483671" r:id="rId10"/>
+    <p:sldLayoutId id="2147483672" r:id="rId11"/>
+    <p:sldLayoutId id="2147483673" r:id="rId12"/>
   </p:sldLayoutIdLst>
+  <p:txStyles>
+    <p:titleStyle>
+      <a:lvl1pPr algn="l" defTabSz="914400" rtl="0" eaLnBrk="1" latinLnBrk="0" hangingPunct="1">
+        <a:lnSpc>
+          <a:spcPct val="90000"/>
+        </a:lnSpc>
+        <a:spcBef>
+          <a:spcPct val="0"/>
+        </a:spcBef>
+        <a:buNone/>
+        <a:defRPr sz="4400" kern="1200">
+          <a:solidFill>
+            <a:schemeClr val="tx1"/>
+          </a:solidFill>
+          <a:latin typeface="+mj-lt"/>
+          <a:ea typeface="+mj-ea"/>
+          <a:cs typeface="+mj-cs"/>
+        </a:defRPr>
+      </a:lvl1pPr>
+    </p:titleStyle>
+    <p:bodyStyle>
+      <a:lvl1pPr marL="228600" indent="-228600" algn="l" defTabSz="914400" rtl="0" eaLnBrk="1" latinLnBrk="0" hangingPunct="1">
+        <a:lnSpc>
+          <a:spcPct val="90000"/>
+        </a:lnSpc>
+        <a:spcBef>
+          <a:spcPts val="1000"/>
+        </a:spcBef>
+        <a:buFont typeface="Arial" panose="020B0604020202020204" pitchFamily="34" charset="0"/>
+        <a:buChar char="•"/>
+        <a:defRPr sz="2800" kern="1200">
+          <a:solidFill>
+            <a:schemeClr val="tx1"/>
+          </a:solidFill>
+          <a:latin typeface="+mn-lt"/>
+          <a:ea typeface="+mn-ea"/>
+          <a:cs typeface="+mn-cs"/>
+        </a:defRPr>
+      </a:lvl1pPr>
+      <a:lvl2pPr marL="685800" indent="-228600" algn="l" defTabSz="914400" rtl="0" eaLnBrk="1" latinLnBrk="0" hangingPunct="1">
+        <a:lnSpc>
+          <a:spcPct val="90000"/>
+        </a:lnSpc>
+        <a:spcBef>
+          <a:spcPts val="500"/>
+        </a:spcBef>
+        <a:buFont typeface="Arial" panose="020B0604020202020204" pitchFamily="34" charset="0"/>
+        <a:buChar char="•"/>
+        <a:defRPr sz="2400" kern="1200">
+          <a:solidFill>
+            <a:schemeClr val="tx1"/>
+          </a:solidFill>
+          <a:latin typeface="+mn-lt"/>
+          <a:ea typeface="+mn-ea"/>
+          <a:cs typeface="+mn-cs"/>
+        </a:defRPr>
+      </a:lvl2pPr>
+      <a:lvl3pPr marL="1143000" indent="-228600" algn="l" defTabSz="914400" rtl="0" eaLnBrk="1" latinLnBrk="0" hangingPunct="1">
+        <a:lnSpc>
+          <a:spcPct val="90000"/>
+        </a:lnSpc>
+        <a:spcBef>
+          <a:spcPts val="500"/>
+        </a:spcBef>
+        <a:buFont typeface="Arial" panose="020B0604020202020204" pitchFamily="34" charset="0"/>
+        <a:buChar char="•"/>
+        <a:defRPr sz="2000" kern="1200">
+          <a:solidFill>
+            <a:schemeClr val="tx1"/>
+          </a:solidFill>
+          <a:latin typeface="+mn-lt"/>
+          <a:ea typeface="+mn-ea"/>
+          <a:cs typeface="+mn-cs"/>
+        </a:defRPr>
+      </a:lvl3pPr>
+      <a:lvl4pPr marL="1600200" indent="-228600" algn="l" defTabSz="914400" rtl="0" eaLnBrk="1" latinLnBrk="0" hangingPunct="1">
+        <a:lnSpc>
+          <a:spcPct val="90000"/>
+        </a:lnSpc>
+        <a:spcBef>
+          <a:spcPts val="500"/>
+        </a:spcBef>
+        <a:buFont typeface="Arial" panose="020B0604020202020204" pitchFamily="34" charset="0"/>
+        <a:buChar char="•"/>
+        <a:defRPr sz="1800" kern="1200">
+          <a:solidFill>
+            <a:schemeClr val="tx1"/>
+          </a:solidFill>
+          <a:latin typeface="+mn-lt"/>
+          <a:ea typeface="+mn-ea"/>
+          <a:cs typeface="+mn-cs"/>
+        </a:defRPr>
+      </a:lvl4pPr>
+      <a:lvl5pPr marL="2057400" indent="-228600" algn="l" defTabSz="914400" rtl="0" eaLnBrk="1" latinLnBrk="0" hangingPunct="1">
+        <a:lnSpc>
+          <a:spcPct val="90000"/>
+        </a:lnSpc>
+        <a:spcBef>
+          <a:spcPts val="500"/>
+        </a:spcBef>
+        <a:buFont typeface="Arial" panose="020B0604020202020204" pitchFamily="34" charset="0"/>
+        <a:buChar char="•"/>
+        <a:defRPr sz="1800" kern="1200">
+          <a:solidFill>
+            <a:schemeClr val="tx1"/>
+          </a:solidFill>
+          <a:latin typeface="+mn-lt"/>
+          <a:ea typeface="+mn-ea"/>
+          <a:cs typeface="+mn-cs"/>
+        </a:defRPr>
+      </a:lvl5pPr>
+      <a:lvl6pPr marL="2514600" indent="-228600" algn="l" defTabSz="914400" rtl="0" eaLnBrk="1" latinLnBrk="0" hangingPunct="1">
+        <a:lnSpc>
+          <a:spcPct val="90000"/>
+        </a:lnSpc>
+        <a:spcBef>
+          <a:spcPts val="500"/>
+        </a:spcBef>
+        <a:buFont typeface="Arial" panose="020B0604020202020204" pitchFamily="34" charset="0"/>
+        <a:buChar char="•"/>
+        <a:defRPr sz="1800" kern="1200">
+          <a:solidFill>
+            <a:schemeClr val="tx1"/>
+          </a:solidFill>
+          <a:latin typeface="+mn-lt"/>
+          <a:ea typeface="+mn-ea"/>
+          <a:cs typeface="+mn-cs"/>
+        </a:defRPr>
+      </a:lvl6pPr>
+      <a:lvl7pPr marL="2971800" indent="-228600" algn="l" defTabSz="914400" rtl="0" eaLnBrk="1" latinLnBrk="0" hangingPunct="1">
+        <a:lnSpc>
+          <a:spcPct val="90000"/>
+        </a:lnSpc>
+        <a:spcBef>
+          <a:spcPts val="500"/>
+        </a:spcBef>
+        <a:buFont typeface="Arial" panose="020B0604020202020204" pitchFamily="34" charset="0"/>
+        <a:buChar char="•"/>
+        <a:defRPr sz="1800" kern="1200">
+          <a:solidFill>
+            <a:schemeClr val="tx1"/>
+          </a:solidFill>
+          <a:latin typeface="+mn-lt"/>
+          <a:ea typeface="+mn-ea"/>
+          <a:cs typeface="+mn-cs"/>
+        </a:defRPr>
+      </a:lvl7pPr>
+      <a:lvl8pPr marL="3429000" indent="-228600" algn="l" defTabSz="914400" rtl="0" eaLnBrk="1" latinLnBrk="0" hangingPunct="1">
+        <a:lnSpc>
+          <a:spcPct val="90000"/>
+        </a:lnSpc>
+        <a:spcBef>
+          <a:spcPts val="500"/>
+        </a:spcBef>
+        <a:buFont typeface="Arial" panose="020B0604020202020204" pitchFamily="34" charset="0"/>
+        <a:buChar char="•"/>
+        <a:defRPr sz="1800" kern="1200">
+          <a:solidFill>
+            <a:schemeClr val="tx1"/>
+          </a:solidFill>
+          <a:latin typeface="+mn-lt"/>
+          <a:ea typeface="+mn-ea"/>
+          <a:cs typeface="+mn-cs"/>
+        </a:defRPr>
+      </a:lvl8pPr>
+      <a:lvl9pPr marL="3886200" indent="-228600" algn="l" defTabSz="914400" rtl="0" eaLnBrk="1" latinLnBrk="0" hangingPunct="1">
+        <a:lnSpc>
+          <a:spcPct val="90000"/>
+        </a:lnSpc>
+        <a:spcBef>
+          <a:spcPts val="500"/>
+        </a:spcBef>
+        <a:buFont typeface="Arial" panose="020B0604020202020204" pitchFamily="34" charset="0"/>
+        <a:buChar char="•"/>
+        <a:defRPr sz="1800" kern="1200">
+          <a:solidFill>
+            <a:schemeClr val="tx1"/>
+          </a:solidFill>
+          <a:latin typeface="+mn-lt"/>
+          <a:ea typeface="+mn-ea"/>
+          <a:cs typeface="+mn-cs"/>
+        </a:defRPr>
+      </a:lvl9pPr>
+    </p:bodyStyle>
+    <p:otherStyle>
+      <a:defPPr>
+        <a:defRPr lang="pt-BR"/>
+      </a:defPPr>
+      <a:lvl1pPr marL="0" algn="l" defTabSz="914400" rtl="0" eaLnBrk="1" latinLnBrk="0" hangingPunct="1">
+        <a:defRPr sz="1800" kern="1200">
+          <a:solidFill>
+            <a:schemeClr val="tx1"/>
+          </a:solidFill>
+          <a:latin typeface="+mn-lt"/>
+          <a:ea typeface="+mn-ea"/>
+          <a:cs typeface="+mn-cs"/>
+        </a:defRPr>
+      </a:lvl1pPr>
+      <a:lvl2pPr marL="457200" algn="l" defTabSz="914400" rtl="0" eaLnBrk="1" latinLnBrk="0" hangingPunct="1">
+        <a:defRPr sz="1800" kern="1200">
+          <a:solidFill>
+            <a:schemeClr val="tx1"/>
+          </a:solidFill>
+          <a:latin typeface="+mn-lt"/>
+          <a:ea typeface="+mn-ea"/>
+          <a:cs typeface="+mn-cs"/>
+        </a:defRPr>
+      </a:lvl2pPr>
+      <a:lvl3pPr marL="914400" algn="l" defTabSz="914400" rtl="0" eaLnBrk="1" latinLnBrk="0" hangingPunct="1">
+        <a:defRPr sz="1800" kern="1200">
+          <a:solidFill>
+            <a:schemeClr val="tx1"/>
+          </a:solidFill>
+          <a:latin typeface="+mn-lt"/>
+          <a:ea typeface="+mn-ea"/>
+          <a:cs typeface="+mn-cs"/>
+        </a:defRPr>
+      </a:lvl3pPr>
+      <a:lvl4pPr marL="1371600" algn="l" defTabSz="914400" rtl="0" eaLnBrk="1" latinLnBrk="0" hangingPunct="1">
+        <a:defRPr sz="1800" kern="1200">
+          <a:solidFill>
+            <a:schemeClr val="tx1"/>
+          </a:solidFill>
+          <a:latin typeface="+mn-lt"/>
+          <a:ea typeface="+mn-ea"/>
+          <a:cs typeface="+mn-cs"/>
+        </a:defRPr>
+      </a:lvl4pPr>
+      <a:lvl5pPr marL="1828800" algn="l" defTabSz="914400" rtl="0" eaLnBrk="1" latinLnBrk="0" hangingPunct="1">
+        <a:defRPr sz="1800" kern="1200">
+          <a:solidFill>
+            <a:schemeClr val="tx1"/>
+          </a:solidFill>
+          <a:latin typeface="+mn-lt"/>
+          <a:ea typeface="+mn-ea"/>
+          <a:cs typeface="+mn-cs"/>
+        </a:defRPr>
+      </a:lvl5pPr>
+      <a:lvl6pPr marL="2286000" algn="l" defTabSz="914400" rtl="0" eaLnBrk="1" latinLnBrk="0" hangingPunct="1">
+        <a:defRPr sz="1800" kern="1200">
+          <a:solidFill>
+            <a:schemeClr val="tx1"/>
+          </a:solidFill>
+          <a:latin typeface="+mn-lt"/>
+          <a:ea typeface="+mn-ea"/>
+          <a:cs typeface="+mn-cs"/>
+        </a:defRPr>
+      </a:lvl6pPr>
+      <a:lvl7pPr marL="2743200" algn="l" defTabSz="914400" rtl="0" eaLnBrk="1" latinLnBrk="0" hangingPunct="1">
+        <a:defRPr sz="1800" kern="1200">
+          <a:solidFill>
+            <a:schemeClr val="tx1"/>
+          </a:solidFill>
+          <a:latin typeface="+mn-lt"/>
+          <a:ea typeface="+mn-ea"/>
+          <a:cs typeface="+mn-cs"/>
+        </a:defRPr>
+      </a:lvl7pPr>
+      <a:lvl8pPr marL="3200400" algn="l" defTabSz="914400" rtl="0" eaLnBrk="1" latinLnBrk="0" hangingPunct="1">
+        <a:defRPr sz="1800" kern="1200">
+          <a:solidFill>
+            <a:schemeClr val="tx1"/>
+          </a:solidFill>
+          <a:latin typeface="+mn-lt"/>
+          <a:ea typeface="+mn-ea"/>
+          <a:cs typeface="+mn-cs"/>
+        </a:defRPr>
+      </a:lvl8pPr>
+      <a:lvl9pPr marL="3657600" algn="l" defTabSz="914400" rtl="0" eaLnBrk="1" latinLnBrk="0" hangingPunct="1">
+        <a:defRPr sz="1800" kern="1200">
+          <a:solidFill>
+            <a:schemeClr val="tx1"/>
+          </a:solidFill>
+          <a:latin typeface="+mn-lt"/>
+          <a:ea typeface="+mn-ea"/>
+          <a:cs typeface="+mn-cs"/>
+        </a:defRPr>
+      </a:lvl9pPr>
+    </p:otherStyle>
+  </p:txStyles>
 </p:sldMaster>
 </file>
 
 <file path=ppt/slides/slide1.xml><?xml version="1.0" encoding="utf-8"?>
-<p:sld xmlns:a="http://schemas.openxmlformats.org/drawingml/2006/main" xmlns:p="http://schemas.openxmlformats.org/presentationml/2006/main" xmlns:r="http://schemas.openxmlformats.org/officeDocument/2006/relationships" xmlns:p14="http://schemas.microsoft.com/office/powerpoint/2010/main" xmlns:p15="http://schemas.microsoft.com/office/powerpoint/2012/main" xmlns:mc="http://schemas.openxmlformats.org/markup-compatibility/2006">
+<p:sld xmlns:a="http://schemas.openxmlformats.org/drawingml/2006/main" xmlns:r="http://schemas.openxmlformats.org/officeDocument/2006/relationships" xmlns:p="http://schemas.openxmlformats.org/presentationml/2006/main">
   <p:cSld>
     <p:spTree>
       <p:nvGrpSpPr>
@@ -4511,13 +5328,20 @@
           </a:ln>
         </p:spPr>
         <p:style>
-          <a:lnRef idx="0"/>
-          <a:fillRef idx="0"/>
-          <a:effectRef idx="0"/>
+          <a:lnRef idx="0">
+            <a:scrgbClr r="0" g="0" b="0"/>
+          </a:lnRef>
+          <a:fillRef idx="0">
+            <a:scrgbClr r="0" g="0" b="0"/>
+          </a:fillRef>
+          <a:effectRef idx="0">
+            <a:scrgbClr r="0" g="0" b="0"/>
+          </a:effectRef>
           <a:fontRef idx="minor"/>
         </p:style>
         <p:txBody>
-          <a:bodyPr lIns="90000" rIns="90000" tIns="45000" bIns="45000" anchor="ctr"/>
+          <a:bodyPr lIns="90000" tIns="45000" rIns="90000" bIns="45000" anchor="ctr"/>
+          <a:lstStyle/>
           <a:p>
             <a:pPr>
               <a:lnSpc>
@@ -4525,15 +5349,15 @@
               </a:lnSpc>
             </a:pPr>
             <a:r>
-              <a:rPr b="1" lang="pt-BR" sz="2800" spc="-1" strike="noStrike">
+              <a:rPr lang="pt-BR" sz="2800" b="1" strike="noStrike" spc="-1">
                 <a:solidFill>
-                  <a:srgbClr val="ffffff"/>
+                  <a:srgbClr val="FFFFFF"/>
                 </a:solidFill>
                 <a:latin typeface="Arial"/>
               </a:rPr>
               <a:t>DATA CENTER</a:t>
             </a:r>
-            <a:endParaRPr b="0" lang="pt-BR" sz="2800" spc="-1" strike="noStrike">
+            <a:endParaRPr lang="pt-BR" sz="2800" b="0" strike="noStrike" spc="-1">
               <a:latin typeface="Arial"/>
             </a:endParaRPr>
           </a:p>
@@ -4548,7 +5372,7 @@
         <p:spPr>
           <a:xfrm>
             <a:off x="0" y="3069000"/>
-            <a:ext cx="3598200" cy="562680"/>
+            <a:ext cx="2208628" cy="562680"/>
           </a:xfrm>
           <a:prstGeom prst="rect">
             <a:avLst/>
@@ -4559,13 +5383,20 @@
           </a:ln>
         </p:spPr>
         <p:style>
-          <a:lnRef idx="0"/>
-          <a:fillRef idx="0"/>
-          <a:effectRef idx="0"/>
+          <a:lnRef idx="0">
+            <a:scrgbClr r="0" g="0" b="0"/>
+          </a:lnRef>
+          <a:fillRef idx="0">
+            <a:scrgbClr r="0" g="0" b="0"/>
+          </a:fillRef>
+          <a:effectRef idx="0">
+            <a:scrgbClr r="0" g="0" b="0"/>
+          </a:effectRef>
           <a:fontRef idx="minor"/>
         </p:style>
         <p:txBody>
-          <a:bodyPr lIns="90000" rIns="90000" tIns="45000" bIns="45000"/>
+          <a:bodyPr lIns="90000" tIns="45000" rIns="90000" bIns="45000"/>
+          <a:lstStyle/>
           <a:p>
             <a:pPr marL="457200" indent="-456480">
               <a:lnSpc>
@@ -4575,21 +5406,21 @@
                 <a:spcPts val="400"/>
               </a:spcBef>
               <a:buClr>
-                <a:srgbClr val="ffffff"/>
+                <a:srgbClr val="FFFFFF"/>
               </a:buClr>
-              <a:buFont typeface="Arial"/>
-              <a:buAutoNum type="arabicPeriod"/>
+              <a:buFont typeface="Arial" panose="020B0604020202020204" pitchFamily="34" charset="0"/>
+              <a:buChar char="•"/>
             </a:pPr>
             <a:r>
-              <a:rPr b="1" lang="pt-BR" sz="2000" spc="-1" strike="noStrike">
+              <a:rPr lang="pt-BR" sz="2000" strike="noStrike" spc="-1" dirty="0">
                 <a:solidFill>
-                  <a:srgbClr val="ffffff"/>
+                  <a:srgbClr val="FFFFFF"/>
                 </a:solidFill>
                 <a:latin typeface="Arial"/>
               </a:rPr>
               <a:t>Importância</a:t>
             </a:r>
-            <a:endParaRPr b="0" lang="pt-BR" sz="2000" spc="-1" strike="noStrike">
+            <a:endParaRPr lang="pt-BR" sz="2000" strike="noStrike" spc="-1" dirty="0">
               <a:latin typeface="Arial"/>
             </a:endParaRPr>
           </a:p>
@@ -4602,21 +5433,21 @@
                 <a:spcPts val="400"/>
               </a:spcBef>
               <a:buClr>
-                <a:srgbClr val="ffffff"/>
+                <a:srgbClr val="FFFFFF"/>
               </a:buClr>
-              <a:buFont typeface="Arial"/>
-              <a:buAutoNum type="arabicPeriod"/>
+              <a:buFont typeface="Arial" panose="020B0604020202020204" pitchFamily="34" charset="0"/>
+              <a:buChar char="•"/>
             </a:pPr>
             <a:r>
-              <a:rPr b="1" lang="pt-BR" sz="2000" spc="-1" strike="noStrike">
+              <a:rPr lang="pt-BR" sz="2000" strike="noStrike" spc="-1" dirty="0">
                 <a:solidFill>
-                  <a:srgbClr val="ffffff"/>
+                  <a:srgbClr val="FFFFFF"/>
                 </a:solidFill>
                 <a:latin typeface="Arial"/>
               </a:rPr>
               <a:t>Problemas</a:t>
             </a:r>
-            <a:endParaRPr b="0" lang="pt-BR" sz="2000" spc="-1" strike="noStrike">
+            <a:endParaRPr lang="pt-BR" sz="2000" strike="noStrike" spc="-1" dirty="0">
               <a:latin typeface="Arial"/>
             </a:endParaRPr>
           </a:p>
@@ -4629,21 +5460,21 @@
                 <a:spcPts val="400"/>
               </a:spcBef>
               <a:buClr>
-                <a:srgbClr val="ffffff"/>
+                <a:srgbClr val="FFFFFF"/>
               </a:buClr>
-              <a:buFont typeface="Arial"/>
-              <a:buAutoNum type="arabicPeriod"/>
+              <a:buFont typeface="Arial" panose="020B0604020202020204" pitchFamily="34" charset="0"/>
+              <a:buChar char="•"/>
             </a:pPr>
             <a:r>
-              <a:rPr b="1" lang="pt-BR" sz="2000" spc="-1" strike="noStrike">
+              <a:rPr lang="pt-BR" sz="2000" strike="noStrike" spc="-1" dirty="0">
                 <a:solidFill>
-                  <a:srgbClr val="ffffff"/>
+                  <a:srgbClr val="FFFFFF"/>
                 </a:solidFill>
                 <a:latin typeface="Arial"/>
               </a:rPr>
               <a:t>Gastos</a:t>
             </a:r>
-            <a:endParaRPr b="0" lang="pt-BR" sz="2000" spc="-1" strike="noStrike">
+            <a:endParaRPr lang="pt-BR" sz="2000" strike="noStrike" spc="-1" dirty="0">
               <a:latin typeface="Arial"/>
             </a:endParaRPr>
           </a:p>
@@ -4656,21 +5487,21 @@
                 <a:spcPts val="400"/>
               </a:spcBef>
               <a:buClr>
-                <a:srgbClr val="ffffff"/>
+                <a:srgbClr val="FFFFFF"/>
               </a:buClr>
-              <a:buFont typeface="Arial"/>
-              <a:buAutoNum type="arabicPeriod"/>
+              <a:buFont typeface="Arial" panose="020B0604020202020204" pitchFamily="34" charset="0"/>
+              <a:buChar char="•"/>
             </a:pPr>
             <a:r>
-              <a:rPr b="1" lang="pt-BR" sz="2000" spc="-1" strike="noStrike">
+              <a:rPr lang="pt-BR" sz="2000" strike="noStrike" spc="-1" dirty="0">
                 <a:solidFill>
-                  <a:srgbClr val="ffffff"/>
+                  <a:srgbClr val="FFFFFF"/>
                 </a:solidFill>
                 <a:latin typeface="Arial"/>
               </a:rPr>
               <a:t>Soluções</a:t>
             </a:r>
-            <a:endParaRPr b="0" lang="pt-BR" sz="2000" spc="-1" strike="noStrike">
+            <a:endParaRPr lang="pt-BR" sz="2000" strike="noStrike" spc="-1" dirty="0">
               <a:latin typeface="Arial"/>
             </a:endParaRPr>
           </a:p>
@@ -4683,14 +5514,77 @@
                 <a:spcPts val="400"/>
               </a:spcBef>
             </a:pPr>
-            <a:endParaRPr b="0" lang="pt-BR" sz="2000" spc="-1" strike="noStrike">
-              <a:latin typeface="Arial"/>
-            </a:endParaRPr>
+            <a:endParaRPr lang="pt-BR" sz="2000" b="0" strike="noStrike" spc="-1" dirty="0">
+              <a:latin typeface="Arial"/>
+            </a:endParaRPr>
+          </a:p>
+        </p:txBody>
+      </p:sp>
+      <p:sp>
+        <p:nvSpPr>
+          <p:cNvPr id="3" name="CaixaDeTexto 2">
+            <a:extLst>
+              <a:ext uri="{FF2B5EF4-FFF2-40B4-BE49-F238E27FC236}">
+                <a16:creationId xmlns:a16="http://schemas.microsoft.com/office/drawing/2014/main" id="{A312B14D-8A19-4D5F-80B5-03FCAD5FD65C}"/>
+              </a:ext>
+            </a:extLst>
+          </p:cNvPr>
+          <p:cNvSpPr txBox="1"/>
+          <p:nvPr/>
+        </p:nvSpPr>
+        <p:spPr>
+          <a:xfrm>
+            <a:off x="2363373" y="3069000"/>
+            <a:ext cx="1519311" cy="1600438"/>
+          </a:xfrm>
+          <a:prstGeom prst="rect">
+            <a:avLst/>
+          </a:prstGeom>
+          <a:noFill/>
+        </p:spPr>
+        <p:txBody>
+          <a:bodyPr wrap="square" rtlCol="0">
+            <a:spAutoFit/>
+          </a:bodyPr>
+          <a:lstStyle/>
+          <a:p>
+            <a:pPr marL="342900" indent="-342900">
+              <a:buFont typeface="Arial" panose="020B0604020202020204" pitchFamily="34" charset="0"/>
+              <a:buChar char="•"/>
+            </a:pPr>
+            <a:r>
+              <a:rPr lang="pt-BR" sz="2000" dirty="0">
+                <a:solidFill>
+                  <a:schemeClr val="bg1"/>
+                </a:solidFill>
+              </a:rPr>
+              <a:t>Nosso Projeto</a:t>
+            </a:r>
+          </a:p>
+          <a:p>
+            <a:pPr marL="342900" indent="-342900">
+              <a:buFont typeface="Arial" panose="020B0604020202020204" pitchFamily="34" charset="0"/>
+              <a:buChar char="•"/>
+            </a:pPr>
+            <a:r>
+              <a:rPr lang="pt-BR" sz="2000" dirty="0">
+                <a:solidFill>
+                  <a:schemeClr val="bg1"/>
+                </a:solidFill>
+              </a:rPr>
+              <a:t>Processo</a:t>
+            </a:r>
+          </a:p>
+          <a:p>
+            <a:endParaRPr lang="pt-BR" dirty="0"/>
           </a:p>
         </p:txBody>
       </p:sp>
     </p:spTree>
   </p:cSld>
+  <p:clrMapOvr>
+    <a:masterClrMapping/>
+  </p:clrMapOvr>
   <p:timing>
     <p:tnLst>
       <p:par>
@@ -4699,14 +5593,14 @@
             <p:seq>
               <p:cTn id="2" dur="indefinite" nodeType="mainSeq"/>
               <p:prevCondLst>
-                <p:cond delay="0" evt="onPrev">
+                <p:cond evt="onPrev" delay="0">
                   <p:tgtEl>
                     <p:sldTgt/>
                   </p:tgtEl>
                 </p:cond>
               </p:prevCondLst>
               <p:nextCondLst>
-                <p:cond delay="0" evt="onNext">
+                <p:cond evt="onNext" delay="0">
                   <p:tgtEl>
                     <p:sldTgt/>
                   </p:tgtEl>
@@ -4722,7 +5616,7 @@
 </file>
 
 <file path=ppt/slides/slide2.xml><?xml version="1.0" encoding="utf-8"?>
-<p:sld xmlns:a="http://schemas.openxmlformats.org/drawingml/2006/main" xmlns:p="http://schemas.openxmlformats.org/presentationml/2006/main" xmlns:r="http://schemas.openxmlformats.org/officeDocument/2006/relationships" xmlns:p14="http://schemas.microsoft.com/office/powerpoint/2010/main" xmlns:p15="http://schemas.microsoft.com/office/powerpoint/2012/main" xmlns:mc="http://schemas.openxmlformats.org/markup-compatibility/2006">
+<p:sld xmlns:a="http://schemas.openxmlformats.org/drawingml/2006/main" xmlns:r="http://schemas.openxmlformats.org/officeDocument/2006/relationships" xmlns:p="http://schemas.openxmlformats.org/presentationml/2006/main">
   <p:cSld>
     <p:spTree>
       <p:nvGrpSpPr>
@@ -4758,13 +5652,20 @@
           </a:ln>
         </p:spPr>
         <p:style>
-          <a:lnRef idx="0"/>
-          <a:fillRef idx="0"/>
-          <a:effectRef idx="0"/>
+          <a:lnRef idx="0">
+            <a:scrgbClr r="0" g="0" b="0"/>
+          </a:lnRef>
+          <a:fillRef idx="0">
+            <a:scrgbClr r="0" g="0" b="0"/>
+          </a:fillRef>
+          <a:effectRef idx="0">
+            <a:scrgbClr r="0" g="0" b="0"/>
+          </a:effectRef>
           <a:fontRef idx="minor"/>
         </p:style>
         <p:txBody>
-          <a:bodyPr lIns="90000" rIns="90000" tIns="45000" bIns="45000" anchor="ctr"/>
+          <a:bodyPr lIns="90000" tIns="45000" rIns="90000" bIns="45000" anchor="ctr"/>
+          <a:lstStyle/>
           <a:p>
             <a:pPr>
               <a:lnSpc>
@@ -4772,16 +5673,16 @@
               </a:lnSpc>
             </a:pPr>
             <a:r>
-              <a:rPr b="1" lang="pt-BR" sz="3600" spc="-1" strike="noStrike" u="sng">
+              <a:rPr lang="pt-BR" sz="3600" b="1" u="sng" strike="noStrike" spc="-1">
                 <a:solidFill>
-                  <a:srgbClr val="ffffff"/>
+                  <a:srgbClr val="FFFFFF"/>
                 </a:solidFill>
                 <a:uFillTx/>
                 <a:latin typeface="Calibri"/>
               </a:rPr>
               <a:t>Importância</a:t>
             </a:r>
-            <a:endParaRPr b="0" lang="pt-BR" sz="3600" spc="-1" strike="noStrike">
+            <a:endParaRPr lang="pt-BR" sz="3600" b="0" strike="noStrike" spc="-1">
               <a:latin typeface="Arial"/>
             </a:endParaRPr>
           </a:p>
@@ -4807,13 +5708,20 @@
           </a:ln>
         </p:spPr>
         <p:style>
-          <a:lnRef idx="0"/>
-          <a:fillRef idx="0"/>
-          <a:effectRef idx="0"/>
+          <a:lnRef idx="0">
+            <a:scrgbClr r="0" g="0" b="0"/>
+          </a:lnRef>
+          <a:fillRef idx="0">
+            <a:scrgbClr r="0" g="0" b="0"/>
+          </a:fillRef>
+          <a:effectRef idx="0">
+            <a:scrgbClr r="0" g="0" b="0"/>
+          </a:effectRef>
           <a:fontRef idx="minor"/>
         </p:style>
         <p:txBody>
-          <a:bodyPr lIns="90000" rIns="90000" tIns="45000" bIns="45000"/>
+          <a:bodyPr lIns="90000" tIns="45000" rIns="90000" bIns="45000"/>
+          <a:lstStyle/>
           <a:p>
             <a:pPr>
               <a:lnSpc>
@@ -4823,7 +5731,7 @@
                 <a:spcPts val="400"/>
               </a:spcBef>
             </a:pPr>
-            <a:endParaRPr b="0" lang="pt-BR" sz="1800" spc="-1" strike="noStrike">
+            <a:endParaRPr lang="pt-BR" sz="1800" b="0" strike="noStrike" spc="-1">
               <a:latin typeface="Arial"/>
             </a:endParaRPr>
           </a:p>
@@ -4836,22 +5744,22 @@
                 <a:spcPts val="400"/>
               </a:spcBef>
               <a:buClr>
-                <a:srgbClr val="ffffff"/>
+                <a:srgbClr val="FFFFFF"/>
               </a:buClr>
               <a:buFont typeface="Symbol"/>
               <a:buChar char=""/>
             </a:pPr>
             <a:r>
-              <a:rPr b="0" lang="pt-BR" sz="2000" spc="-1" strike="noStrike">
+              <a:rPr lang="pt-BR" sz="2000" b="0" strike="noStrike" spc="-1">
                 <a:solidFill>
-                  <a:srgbClr val="ffffff"/>
+                  <a:srgbClr val="FFFFFF"/>
                 </a:solidFill>
                 <a:latin typeface="Calibri"/>
                 <a:ea typeface="굴림"/>
               </a:rPr>
               <a:t>Para o crescimento rápido de grandes sistemas autônomos de data centers, hospedagem de servidores de computação em nuvem e equipamentos</a:t>
             </a:r>
-            <a:endParaRPr b="0" lang="pt-BR" sz="2000" spc="-1" strike="noStrike">
+            <a:endParaRPr lang="pt-BR" sz="2000" b="0" strike="noStrike" spc="-1">
               <a:latin typeface="Arial"/>
             </a:endParaRPr>
           </a:p>
@@ -4864,7 +5772,7 @@
                 <a:spcPts val="400"/>
               </a:spcBef>
             </a:pPr>
-            <a:endParaRPr b="0" lang="pt-BR" sz="2000" spc="-1" strike="noStrike">
+            <a:endParaRPr lang="pt-BR" sz="2000" b="0" strike="noStrike" spc="-1">
               <a:latin typeface="Arial"/>
             </a:endParaRPr>
           </a:p>
@@ -4877,22 +5785,22 @@
                 <a:spcPts val="400"/>
               </a:spcBef>
               <a:buClr>
-                <a:srgbClr val="ffffff"/>
+                <a:srgbClr val="FFFFFF"/>
               </a:buClr>
               <a:buFont typeface="Symbol"/>
               <a:buChar char=""/>
             </a:pPr>
             <a:r>
-              <a:rPr b="0" lang="pt-BR" sz="2000" spc="-1" strike="noStrike">
+              <a:rPr lang="pt-BR" sz="2000" b="0" strike="noStrike" spc="-1">
                 <a:solidFill>
-                  <a:srgbClr val="ffffff"/>
+                  <a:srgbClr val="FFFFFF"/>
                 </a:solidFill>
                 <a:latin typeface="Calibri"/>
                 <a:ea typeface="굴림"/>
               </a:rPr>
               <a:t>Cruciais para as empresas e para as operações de TI em todo o mundo.</a:t>
             </a:r>
-            <a:endParaRPr b="0" lang="pt-BR" sz="2000" spc="-1" strike="noStrike">
+            <a:endParaRPr lang="pt-BR" sz="2000" b="0" strike="noStrike" spc="-1">
               <a:latin typeface="Arial"/>
             </a:endParaRPr>
           </a:p>
@@ -4905,7 +5813,7 @@
                 <a:spcPts val="400"/>
               </a:spcBef>
             </a:pPr>
-            <a:endParaRPr b="0" lang="pt-BR" sz="2000" spc="-1" strike="noStrike">
+            <a:endParaRPr lang="pt-BR" sz="2000" b="0" strike="noStrike" spc="-1">
               <a:latin typeface="Arial"/>
             </a:endParaRPr>
           </a:p>
@@ -4918,22 +5826,22 @@
                 <a:spcPts val="400"/>
               </a:spcBef>
               <a:buClr>
-                <a:srgbClr val="ffffff"/>
+                <a:srgbClr val="FFFFFF"/>
               </a:buClr>
               <a:buFont typeface="Symbol"/>
               <a:buChar char=""/>
             </a:pPr>
             <a:r>
-              <a:rPr b="0" lang="pt-BR" sz="2000" spc="-1" strike="noStrike">
+              <a:rPr lang="pt-BR" sz="2000" b="0" strike="noStrike" spc="-1">
                 <a:solidFill>
-                  <a:srgbClr val="ffffff"/>
+                  <a:srgbClr val="FFFFFF"/>
                 </a:solidFill>
                 <a:latin typeface="Calibri"/>
                 <a:ea typeface="굴림"/>
               </a:rPr>
               <a:t>Os fabricantes de equipamentos de tecnologia da informação (ETI) aumentam a capacidade de processamento afim de melhorar a sua eficiência. </a:t>
             </a:r>
-            <a:endParaRPr b="0" lang="pt-BR" sz="2000" spc="-1" strike="noStrike">
+            <a:endParaRPr lang="pt-BR" sz="2000" b="0" strike="noStrike" spc="-1">
               <a:latin typeface="Arial"/>
             </a:endParaRPr>
           </a:p>
@@ -4946,7 +5854,7 @@
                 <a:spcPts val="400"/>
               </a:spcBef>
             </a:pPr>
-            <a:endParaRPr b="0" lang="pt-BR" sz="2000" spc="-1" strike="noStrike">
+            <a:endParaRPr lang="pt-BR" sz="2000" b="0" strike="noStrike" spc="-1">
               <a:latin typeface="Arial"/>
             </a:endParaRPr>
           </a:p>
@@ -4954,22 +5862,25 @@
       </p:sp>
     </p:spTree>
   </p:cSld>
+  <p:clrMapOvr>
+    <a:masterClrMapping/>
+  </p:clrMapOvr>
   <p:timing>
     <p:tnLst>
       <p:par>
-        <p:cTn id="3" dur="indefinite" restart="never" nodeType="tmRoot">
+        <p:cTn id="1" dur="indefinite" restart="never" nodeType="tmRoot">
           <p:childTnLst>
             <p:seq>
-              <p:cTn id="4" dur="indefinite" nodeType="mainSeq"/>
+              <p:cTn id="2" dur="indefinite" nodeType="mainSeq"/>
               <p:prevCondLst>
-                <p:cond delay="0" evt="onPrev">
+                <p:cond evt="onPrev" delay="0">
                   <p:tgtEl>
                     <p:sldTgt/>
                   </p:tgtEl>
                 </p:cond>
               </p:prevCondLst>
               <p:nextCondLst>
-                <p:cond delay="0" evt="onNext">
+                <p:cond evt="onNext" delay="0">
                   <p:tgtEl>
                     <p:sldTgt/>
                   </p:tgtEl>
@@ -4985,7 +5896,7 @@
 </file>
 
 <file path=ppt/slides/slide3.xml><?xml version="1.0" encoding="utf-8"?>
-<p:sld xmlns:a="http://schemas.openxmlformats.org/drawingml/2006/main" xmlns:p="http://schemas.openxmlformats.org/presentationml/2006/main" xmlns:r="http://schemas.openxmlformats.org/officeDocument/2006/relationships" xmlns:p14="http://schemas.microsoft.com/office/powerpoint/2010/main" xmlns:p15="http://schemas.microsoft.com/office/powerpoint/2012/main" xmlns:mc="http://schemas.openxmlformats.org/markup-compatibility/2006">
+<p:sld xmlns:a="http://schemas.openxmlformats.org/drawingml/2006/main" xmlns:r="http://schemas.openxmlformats.org/officeDocument/2006/relationships" xmlns:p="http://schemas.openxmlformats.org/presentationml/2006/main">
   <p:cSld>
     <p:spTree>
       <p:nvGrpSpPr>
@@ -5021,13 +5932,20 @@
           </a:ln>
         </p:spPr>
         <p:style>
-          <a:lnRef idx="0"/>
-          <a:fillRef idx="0"/>
-          <a:effectRef idx="0"/>
+          <a:lnRef idx="0">
+            <a:scrgbClr r="0" g="0" b="0"/>
+          </a:lnRef>
+          <a:fillRef idx="0">
+            <a:scrgbClr r="0" g="0" b="0"/>
+          </a:fillRef>
+          <a:effectRef idx="0">
+            <a:scrgbClr r="0" g="0" b="0"/>
+          </a:effectRef>
           <a:fontRef idx="minor"/>
         </p:style>
         <p:txBody>
-          <a:bodyPr lIns="90000" rIns="90000" tIns="45000" bIns="45000" anchor="ctr"/>
+          <a:bodyPr lIns="90000" tIns="45000" rIns="90000" bIns="45000" anchor="ctr"/>
+          <a:lstStyle/>
           <a:p>
             <a:pPr>
               <a:lnSpc>
@@ -5035,16 +5953,16 @@
               </a:lnSpc>
             </a:pPr>
             <a:r>
-              <a:rPr b="1" lang="pt-BR" sz="3600" spc="-1" strike="noStrike" u="sng">
+              <a:rPr lang="pt-BR" sz="3600" b="1" u="sng" strike="noStrike" spc="-1">
                 <a:solidFill>
-                  <a:srgbClr val="ffffff"/>
+                  <a:srgbClr val="FFFFFF"/>
                 </a:solidFill>
                 <a:uFillTx/>
                 <a:latin typeface="Calibri"/>
               </a:rPr>
               <a:t>Problemas</a:t>
             </a:r>
-            <a:endParaRPr b="0" lang="pt-BR" sz="3600" spc="-1" strike="noStrike">
+            <a:endParaRPr lang="pt-BR" sz="3600" b="0" strike="noStrike" spc="-1">
               <a:latin typeface="Arial"/>
             </a:endParaRPr>
           </a:p>
@@ -5070,13 +5988,20 @@
           </a:ln>
         </p:spPr>
         <p:style>
-          <a:lnRef idx="0"/>
-          <a:fillRef idx="0"/>
-          <a:effectRef idx="0"/>
+          <a:lnRef idx="0">
+            <a:scrgbClr r="0" g="0" b="0"/>
+          </a:lnRef>
+          <a:fillRef idx="0">
+            <a:scrgbClr r="0" g="0" b="0"/>
+          </a:fillRef>
+          <a:effectRef idx="0">
+            <a:scrgbClr r="0" g="0" b="0"/>
+          </a:effectRef>
           <a:fontRef idx="minor"/>
         </p:style>
         <p:txBody>
-          <a:bodyPr lIns="90000" rIns="90000" tIns="45000" bIns="45000"/>
+          <a:bodyPr lIns="90000" tIns="45000" rIns="90000" bIns="45000"/>
+          <a:lstStyle/>
           <a:p>
             <a:pPr>
               <a:lnSpc>
@@ -5086,7 +6011,7 @@
                 <a:spcPts val="400"/>
               </a:spcBef>
             </a:pPr>
-            <a:endParaRPr b="0" lang="pt-BR" sz="1800" spc="-1" strike="noStrike">
+            <a:endParaRPr lang="pt-BR" sz="1800" b="0" strike="noStrike" spc="-1">
               <a:latin typeface="Arial"/>
             </a:endParaRPr>
           </a:p>
@@ -5099,22 +6024,22 @@
                 <a:spcPts val="400"/>
               </a:spcBef>
               <a:buClr>
-                <a:srgbClr val="ffffff"/>
+                <a:srgbClr val="FFFFFF"/>
               </a:buClr>
               <a:buFont typeface="Symbol"/>
               <a:buChar char=""/>
             </a:pPr>
             <a:r>
-              <a:rPr b="0" lang="pt-BR" sz="2000" spc="-1" strike="noStrike">
+              <a:rPr lang="pt-BR" sz="2000" b="0" strike="noStrike" spc="-1">
                 <a:solidFill>
-                  <a:srgbClr val="ffffff"/>
+                  <a:srgbClr val="FFFFFF"/>
                 </a:solidFill>
                 <a:latin typeface="Calibri"/>
                 <a:ea typeface="굴림"/>
               </a:rPr>
               <a:t>Alto consumo de energia. </a:t>
             </a:r>
-            <a:endParaRPr b="0" lang="pt-BR" sz="2000" spc="-1" strike="noStrike">
+            <a:endParaRPr lang="pt-BR" sz="2000" b="0" strike="noStrike" spc="-1">
               <a:latin typeface="Arial"/>
             </a:endParaRPr>
           </a:p>
@@ -5127,7 +6052,7 @@
                 <a:spcPts val="400"/>
               </a:spcBef>
             </a:pPr>
-            <a:endParaRPr b="0" lang="pt-BR" sz="2000" spc="-1" strike="noStrike">
+            <a:endParaRPr lang="pt-BR" sz="2000" b="0" strike="noStrike" spc="-1">
               <a:latin typeface="Arial"/>
             </a:endParaRPr>
           </a:p>
@@ -5140,22 +6065,22 @@
                 <a:spcPts val="400"/>
               </a:spcBef>
               <a:buClr>
-                <a:srgbClr val="ffffff"/>
+                <a:srgbClr val="FFFFFF"/>
               </a:buClr>
               <a:buFont typeface="Symbol"/>
               <a:buChar char=""/>
             </a:pPr>
             <a:r>
-              <a:rPr b="0" lang="pt-BR" sz="2000" spc="-1" strike="noStrike">
+              <a:rPr lang="pt-BR" sz="2000" b="0" strike="noStrike" spc="-1">
                 <a:solidFill>
-                  <a:srgbClr val="ffffff"/>
+                  <a:srgbClr val="FFFFFF"/>
                 </a:solidFill>
                 <a:latin typeface="Calibri"/>
                 <a:ea typeface="굴림"/>
               </a:rPr>
               <a:t>Sustentação em ciclos. </a:t>
             </a:r>
-            <a:endParaRPr b="0" lang="pt-BR" sz="2000" spc="-1" strike="noStrike">
+            <a:endParaRPr lang="pt-BR" sz="2000" b="0" strike="noStrike" spc="-1">
               <a:latin typeface="Arial"/>
             </a:endParaRPr>
           </a:p>
@@ -5168,7 +6093,7 @@
                 <a:spcPts val="400"/>
               </a:spcBef>
             </a:pPr>
-            <a:endParaRPr b="0" lang="pt-BR" sz="2000" spc="-1" strike="noStrike">
+            <a:endParaRPr lang="pt-BR" sz="2000" b="0" strike="noStrike" spc="-1">
               <a:latin typeface="Arial"/>
             </a:endParaRPr>
           </a:p>
@@ -5181,22 +6106,22 @@
                 <a:spcPts val="400"/>
               </a:spcBef>
               <a:buClr>
-                <a:srgbClr val="ffffff"/>
+                <a:srgbClr val="FFFFFF"/>
               </a:buClr>
               <a:buFont typeface="Symbol"/>
               <a:buChar char=""/>
             </a:pPr>
             <a:r>
-              <a:rPr b="0" lang="pt-BR" sz="2000" spc="-1" strike="noStrike">
+              <a:rPr lang="pt-BR" sz="2000" b="0" strike="noStrike" spc="-1">
                 <a:solidFill>
-                  <a:srgbClr val="ffffff"/>
+                  <a:srgbClr val="FFFFFF"/>
                 </a:solidFill>
                 <a:latin typeface="Calibri"/>
                 <a:ea typeface="굴림"/>
               </a:rPr>
               <a:t>Convergência de informações. </a:t>
             </a:r>
-            <a:endParaRPr b="0" lang="pt-BR" sz="2000" spc="-1" strike="noStrike">
+            <a:endParaRPr lang="pt-BR" sz="2000" b="0" strike="noStrike" spc="-1">
               <a:latin typeface="Arial"/>
             </a:endParaRPr>
           </a:p>
@@ -5209,7 +6134,7 @@
                 <a:spcPts val="400"/>
               </a:spcBef>
             </a:pPr>
-            <a:endParaRPr b="0" lang="pt-BR" sz="2000" spc="-1" strike="noStrike">
+            <a:endParaRPr lang="pt-BR" sz="2000" b="0" strike="noStrike" spc="-1">
               <a:latin typeface="Arial"/>
             </a:endParaRPr>
           </a:p>
@@ -5222,22 +6147,22 @@
                 <a:spcPts val="400"/>
               </a:spcBef>
               <a:buClr>
-                <a:srgbClr val="ffffff"/>
+                <a:srgbClr val="FFFFFF"/>
               </a:buClr>
               <a:buFont typeface="Symbol"/>
               <a:buChar char=""/>
             </a:pPr>
             <a:r>
-              <a:rPr b="0" lang="pt-BR" sz="2000" spc="-1" strike="noStrike">
+              <a:rPr lang="pt-BR" sz="2000" b="0" strike="noStrike" spc="-1">
                 <a:solidFill>
-                  <a:srgbClr val="ffffff"/>
+                  <a:srgbClr val="FFFFFF"/>
                 </a:solidFill>
                 <a:latin typeface="Calibri"/>
                 <a:ea typeface="굴림"/>
               </a:rPr>
               <a:t>TI verde:</a:t>
             </a:r>
-            <a:endParaRPr b="0" lang="pt-BR" sz="2000" spc="-1" strike="noStrike">
+            <a:endParaRPr lang="pt-BR" sz="2000" b="0" strike="noStrike" spc="-1">
               <a:latin typeface="Arial"/>
             </a:endParaRPr>
           </a:p>
@@ -5245,22 +6170,25 @@
       </p:sp>
     </p:spTree>
   </p:cSld>
+  <p:clrMapOvr>
+    <a:masterClrMapping/>
+  </p:clrMapOvr>
   <p:timing>
     <p:tnLst>
       <p:par>
-        <p:cTn id="5" dur="indefinite" restart="never" nodeType="tmRoot">
+        <p:cTn id="1" dur="indefinite" restart="never" nodeType="tmRoot">
           <p:childTnLst>
             <p:seq>
-              <p:cTn id="6" dur="indefinite" nodeType="mainSeq"/>
+              <p:cTn id="2" dur="indefinite" nodeType="mainSeq"/>
               <p:prevCondLst>
-                <p:cond delay="0" evt="onPrev">
+                <p:cond evt="onPrev" delay="0">
                   <p:tgtEl>
                     <p:sldTgt/>
                   </p:tgtEl>
                 </p:cond>
               </p:prevCondLst>
               <p:nextCondLst>
-                <p:cond delay="0" evt="onNext">
+                <p:cond evt="onNext" delay="0">
                   <p:tgtEl>
                     <p:sldTgt/>
                   </p:tgtEl>
@@ -5276,7 +6204,7 @@
 </file>
 
 <file path=ppt/slides/slide4.xml><?xml version="1.0" encoding="utf-8"?>
-<p:sld xmlns:a="http://schemas.openxmlformats.org/drawingml/2006/main" xmlns:p="http://schemas.openxmlformats.org/presentationml/2006/main" xmlns:r="http://schemas.openxmlformats.org/officeDocument/2006/relationships" xmlns:p14="http://schemas.microsoft.com/office/powerpoint/2010/main" xmlns:p15="http://schemas.microsoft.com/office/powerpoint/2012/main" xmlns:mc="http://schemas.openxmlformats.org/markup-compatibility/2006">
+<p:sld xmlns:a="http://schemas.openxmlformats.org/drawingml/2006/main" xmlns:r="http://schemas.openxmlformats.org/officeDocument/2006/relationships" xmlns:p="http://schemas.openxmlformats.org/presentationml/2006/main">
   <p:cSld>
     <p:spTree>
       <p:nvGrpSpPr>
@@ -5312,13 +6240,20 @@
           </a:ln>
         </p:spPr>
         <p:style>
-          <a:lnRef idx="0"/>
-          <a:fillRef idx="0"/>
-          <a:effectRef idx="0"/>
+          <a:lnRef idx="0">
+            <a:scrgbClr r="0" g="0" b="0"/>
+          </a:lnRef>
+          <a:fillRef idx="0">
+            <a:scrgbClr r="0" g="0" b="0"/>
+          </a:fillRef>
+          <a:effectRef idx="0">
+            <a:scrgbClr r="0" g="0" b="0"/>
+          </a:effectRef>
           <a:fontRef idx="minor"/>
         </p:style>
         <p:txBody>
-          <a:bodyPr lIns="90000" rIns="90000" tIns="45000" bIns="45000" anchor="ctr"/>
+          <a:bodyPr lIns="90000" tIns="45000" rIns="90000" bIns="45000" anchor="ctr"/>
+          <a:lstStyle/>
           <a:p>
             <a:pPr>
               <a:lnSpc>
@@ -5326,9 +6261,9 @@
               </a:lnSpc>
             </a:pPr>
             <a:r>
-              <a:rPr b="1" lang="pt-BR" sz="3600" spc="-1" strike="noStrike" u="sng">
+              <a:rPr lang="pt-BR" sz="3600" b="1" u="sng" strike="noStrike" spc="-1">
                 <a:solidFill>
-                  <a:srgbClr val="ffffff"/>
+                  <a:srgbClr val="FFFFFF"/>
                 </a:solidFill>
                 <a:uFillTx/>
                 <a:latin typeface="Calibri"/>
@@ -5336,16 +6271,16 @@
               <a:t>Gastos</a:t>
             </a:r>
             <a:r>
-              <a:rPr b="1" lang="pt-BR" sz="3600" spc="-1" strike="noStrike" u="sng">
+              <a:rPr lang="pt-BR" sz="3600" b="1" u="sng" strike="noStrike" spc="-1">
                 <a:solidFill>
-                  <a:srgbClr val="ffffff"/>
+                  <a:srgbClr val="FFFFFF"/>
                 </a:solidFill>
                 <a:uFillTx/>
                 <a:latin typeface="Arial"/>
               </a:rPr>
               <a:t> </a:t>
             </a:r>
-            <a:endParaRPr b="0" lang="pt-BR" sz="3600" spc="-1" strike="noStrike">
+            <a:endParaRPr lang="pt-BR" sz="3600" b="0" strike="noStrike" spc="-1">
               <a:latin typeface="Arial"/>
             </a:endParaRPr>
           </a:p>
@@ -5371,13 +6306,20 @@
           </a:ln>
         </p:spPr>
         <p:style>
-          <a:lnRef idx="0"/>
-          <a:fillRef idx="0"/>
-          <a:effectRef idx="0"/>
+          <a:lnRef idx="0">
+            <a:scrgbClr r="0" g="0" b="0"/>
+          </a:lnRef>
+          <a:fillRef idx="0">
+            <a:scrgbClr r="0" g="0" b="0"/>
+          </a:fillRef>
+          <a:effectRef idx="0">
+            <a:scrgbClr r="0" g="0" b="0"/>
+          </a:effectRef>
           <a:fontRef idx="minor"/>
         </p:style>
         <p:txBody>
-          <a:bodyPr lIns="90000" rIns="90000" tIns="45000" bIns="45000"/>
+          <a:bodyPr lIns="90000" tIns="45000" rIns="90000" bIns="45000"/>
+          <a:lstStyle/>
           <a:p>
             <a:pPr>
               <a:lnSpc>
@@ -5387,7 +6329,7 @@
                 <a:spcPts val="400"/>
               </a:spcBef>
             </a:pPr>
-            <a:endParaRPr b="0" lang="pt-BR" sz="1800" spc="-1" strike="noStrike">
+            <a:endParaRPr lang="pt-BR" sz="1800" b="0" strike="noStrike" spc="-1">
               <a:latin typeface="Arial"/>
             </a:endParaRPr>
           </a:p>
@@ -5400,22 +6342,22 @@
                 <a:spcPts val="400"/>
               </a:spcBef>
               <a:buClr>
-                <a:srgbClr val="ffffff"/>
+                <a:srgbClr val="FFFFFF"/>
               </a:buClr>
               <a:buFont typeface="Symbol"/>
               <a:buChar char=""/>
             </a:pPr>
             <a:r>
-              <a:rPr b="0" lang="pt-BR" sz="2000" spc="-1" strike="noStrike">
+              <a:rPr lang="pt-BR" sz="2000" b="0" strike="noStrike" spc="-1">
                 <a:solidFill>
-                  <a:srgbClr val="ffffff"/>
+                  <a:srgbClr val="FFFFFF"/>
                 </a:solidFill>
                 <a:latin typeface="Calibri"/>
                 <a:ea typeface="굴림"/>
               </a:rPr>
               <a:t>Um estudo informa que os servidores de um Data Center gastam, em média, 850 watts por hora. Multiplicado por 24 horas equivale a 20.400 Watts diários, ou 20.4 kilowatts (kWh). Multiplique isso por 30 dias para chegar a 612 kWh mensais. Sabendo-se que um kwh  é igual a R$ 0,80 em tarifa comercial na região de São Paulo o valor de uma conta seria de R$ 489,60.</a:t>
             </a:r>
-            <a:endParaRPr b="0" lang="pt-BR" sz="2000" spc="-1" strike="noStrike">
+            <a:endParaRPr lang="pt-BR" sz="2000" b="0" strike="noStrike" spc="-1">
               <a:latin typeface="Arial"/>
             </a:endParaRPr>
           </a:p>
@@ -5428,7 +6370,7 @@
                 <a:spcPts val="400"/>
               </a:spcBef>
             </a:pPr>
-            <a:endParaRPr b="0" lang="pt-BR" sz="2000" spc="-1" strike="noStrike">
+            <a:endParaRPr lang="pt-BR" sz="2000" b="0" strike="noStrike" spc="-1">
               <a:latin typeface="Arial"/>
             </a:endParaRPr>
           </a:p>
@@ -5441,32 +6383,22 @@
                 <a:spcPts val="400"/>
               </a:spcBef>
               <a:buClr>
-                <a:srgbClr val="ffffff"/>
+                <a:srgbClr val="FFFFFF"/>
               </a:buClr>
               <a:buFont typeface="Symbol"/>
               <a:buChar char=""/>
             </a:pPr>
             <a:r>
-              <a:rPr b="0" lang="pt-BR" sz="2000" spc="-1" strike="noStrike">
+              <a:rPr lang="pt-BR" sz="2000" b="0" strike="noStrike" spc="-1">
                 <a:solidFill>
-                  <a:srgbClr val="ffffff"/>
+                  <a:srgbClr val="FFFFFF"/>
                 </a:solidFill>
                 <a:latin typeface="Calibri"/>
                 <a:ea typeface="굴림"/>
               </a:rPr>
-              <a:t> </a:t>
+              <a:t> Um aparelho de ar condicionado com uma potência de 1.580 Watts hora (a potência média de referência) multiplicado por 24 equivale a 37.920 watts diários, ou 37.9 kilowatts (kWh). Multiplique isso por 30 dias para chegar a 1137 kWh mensais o total seria de R$ 909,60 por mês. </a:t>
             </a:r>
-            <a:r>
-              <a:rPr b="0" lang="pt-BR" sz="2000" spc="-1" strike="noStrike">
-                <a:solidFill>
-                  <a:srgbClr val="ffffff"/>
-                </a:solidFill>
-                <a:latin typeface="Calibri"/>
-                <a:ea typeface="굴림"/>
-              </a:rPr>
-              <a:t>Um aparelho de ar condicionado com uma potência de 1.580 Watts hora (a potência média de referência) multiplicado por 24 equivale a 37.920 watts diários, ou 37.9 kilowatts (kWh). Multiplique isso por 30 dias para chegar a 1137 kWh mensais o total seria de R$ 909,60 por mês. </a:t>
-            </a:r>
-            <a:endParaRPr b="0" lang="pt-BR" sz="2000" spc="-1" strike="noStrike">
+            <a:endParaRPr lang="pt-BR" sz="2000" b="0" strike="noStrike" spc="-1">
               <a:latin typeface="Arial"/>
             </a:endParaRPr>
           </a:p>
@@ -5479,7 +6411,7 @@
                 <a:spcPts val="400"/>
               </a:spcBef>
             </a:pPr>
-            <a:endParaRPr b="0" lang="pt-BR" sz="2000" spc="-1" strike="noStrike">
+            <a:endParaRPr lang="pt-BR" sz="2000" b="0" strike="noStrike" spc="-1">
               <a:latin typeface="Arial"/>
             </a:endParaRPr>
           </a:p>
@@ -5492,22 +6424,22 @@
                 <a:spcPts val="400"/>
               </a:spcBef>
               <a:buClr>
-                <a:srgbClr val="ffffff"/>
+                <a:srgbClr val="FFFFFF"/>
               </a:buClr>
               <a:buFont typeface="Symbol"/>
               <a:buChar char=""/>
             </a:pPr>
             <a:r>
-              <a:rPr b="0" lang="pt-BR" sz="2000" spc="-1" strike="noStrike">
+              <a:rPr lang="pt-BR" sz="2000" b="0" strike="noStrike" spc="-1">
                 <a:solidFill>
-                  <a:srgbClr val="ffffff"/>
+                  <a:srgbClr val="FFFFFF"/>
                 </a:solidFill>
                 <a:latin typeface="Calibri"/>
                 <a:ea typeface="굴림"/>
               </a:rPr>
               <a:t>Então ao todo apenas na região onde está o data Center (considerando apenas o data Center e o ar condicionado) seria um total de aproximadamente R$ 1400,00.</a:t>
             </a:r>
-            <a:endParaRPr b="0" lang="pt-BR" sz="2000" spc="-1" strike="noStrike">
+            <a:endParaRPr lang="pt-BR" sz="2000" b="0" strike="noStrike" spc="-1">
               <a:latin typeface="Arial"/>
             </a:endParaRPr>
           </a:p>
@@ -5515,22 +6447,25 @@
       </p:sp>
     </p:spTree>
   </p:cSld>
+  <p:clrMapOvr>
+    <a:masterClrMapping/>
+  </p:clrMapOvr>
   <p:timing>
     <p:tnLst>
       <p:par>
-        <p:cTn id="7" dur="indefinite" restart="never" nodeType="tmRoot">
+        <p:cTn id="1" dur="indefinite" restart="never" nodeType="tmRoot">
           <p:childTnLst>
             <p:seq>
-              <p:cTn id="8" dur="indefinite" nodeType="mainSeq"/>
+              <p:cTn id="2" dur="indefinite" nodeType="mainSeq"/>
               <p:prevCondLst>
-                <p:cond delay="0" evt="onPrev">
+                <p:cond evt="onPrev" delay="0">
                   <p:tgtEl>
                     <p:sldTgt/>
                   </p:tgtEl>
                 </p:cond>
               </p:prevCondLst>
               <p:nextCondLst>
-                <p:cond delay="0" evt="onNext">
+                <p:cond evt="onNext" delay="0">
                   <p:tgtEl>
                     <p:sldTgt/>
                   </p:tgtEl>
@@ -5546,7 +6481,7 @@
 </file>
 
 <file path=ppt/slides/slide5.xml><?xml version="1.0" encoding="utf-8"?>
-<p:sld xmlns:a="http://schemas.openxmlformats.org/drawingml/2006/main" xmlns:p="http://schemas.openxmlformats.org/presentationml/2006/main" xmlns:r="http://schemas.openxmlformats.org/officeDocument/2006/relationships" xmlns:p14="http://schemas.microsoft.com/office/powerpoint/2010/main" xmlns:p15="http://schemas.microsoft.com/office/powerpoint/2012/main" xmlns:mc="http://schemas.openxmlformats.org/markup-compatibility/2006">
+<p:sld xmlns:a="http://schemas.openxmlformats.org/drawingml/2006/main" xmlns:r="http://schemas.openxmlformats.org/officeDocument/2006/relationships" xmlns:p="http://schemas.openxmlformats.org/presentationml/2006/main">
   <p:cSld>
     <p:spTree>
       <p:nvGrpSpPr>
@@ -5582,13 +6517,20 @@
           </a:ln>
         </p:spPr>
         <p:style>
-          <a:lnRef idx="0"/>
-          <a:fillRef idx="0"/>
-          <a:effectRef idx="0"/>
+          <a:lnRef idx="0">
+            <a:scrgbClr r="0" g="0" b="0"/>
+          </a:lnRef>
+          <a:fillRef idx="0">
+            <a:scrgbClr r="0" g="0" b="0"/>
+          </a:fillRef>
+          <a:effectRef idx="0">
+            <a:scrgbClr r="0" g="0" b="0"/>
+          </a:effectRef>
           <a:fontRef idx="minor"/>
         </p:style>
         <p:txBody>
-          <a:bodyPr lIns="90000" rIns="90000" tIns="45000" bIns="45000" anchor="ctr"/>
+          <a:bodyPr lIns="90000" tIns="45000" rIns="90000" bIns="45000" anchor="ctr"/>
+          <a:lstStyle/>
           <a:p>
             <a:pPr>
               <a:lnSpc>
@@ -5596,16 +6538,16 @@
               </a:lnSpc>
             </a:pPr>
             <a:r>
-              <a:rPr b="1" lang="pt-BR" sz="3600" spc="-1" strike="noStrike" u="sng">
+              <a:rPr lang="pt-BR" sz="3600" b="1" u="sng" strike="noStrike" spc="-1">
                 <a:solidFill>
-                  <a:srgbClr val="ffffff"/>
+                  <a:srgbClr val="FFFFFF"/>
                 </a:solidFill>
                 <a:uFillTx/>
                 <a:latin typeface="Calibri"/>
               </a:rPr>
               <a:t>Soluções</a:t>
             </a:r>
-            <a:endParaRPr b="0" lang="pt-BR" sz="3600" spc="-1" strike="noStrike">
+            <a:endParaRPr lang="pt-BR" sz="3600" b="0" strike="noStrike" spc="-1">
               <a:latin typeface="Arial"/>
             </a:endParaRPr>
           </a:p>
@@ -5631,13 +6573,20 @@
           </a:ln>
         </p:spPr>
         <p:style>
-          <a:lnRef idx="0"/>
-          <a:fillRef idx="0"/>
-          <a:effectRef idx="0"/>
+          <a:lnRef idx="0">
+            <a:scrgbClr r="0" g="0" b="0"/>
+          </a:lnRef>
+          <a:fillRef idx="0">
+            <a:scrgbClr r="0" g="0" b="0"/>
+          </a:fillRef>
+          <a:effectRef idx="0">
+            <a:scrgbClr r="0" g="0" b="0"/>
+          </a:effectRef>
           <a:fontRef idx="minor"/>
         </p:style>
         <p:txBody>
-          <a:bodyPr lIns="90000" rIns="90000" tIns="45000" bIns="45000"/>
+          <a:bodyPr lIns="90000" tIns="45000" rIns="90000" bIns="45000"/>
+          <a:lstStyle/>
           <a:p>
             <a:pPr>
               <a:lnSpc>
@@ -5647,7 +6596,7 @@
                 <a:spcPts val="400"/>
               </a:spcBef>
             </a:pPr>
-            <a:endParaRPr b="0" lang="pt-BR" sz="1800" spc="-1" strike="noStrike">
+            <a:endParaRPr lang="pt-BR" sz="1800" b="0" strike="noStrike" spc="-1" dirty="0">
               <a:latin typeface="Arial"/>
             </a:endParaRPr>
           </a:p>
@@ -5663,22 +6612,32 @@
                 <a:spcPts val="2475"/>
               </a:spcAft>
               <a:buClr>
-                <a:srgbClr val="ffffff"/>
+                <a:srgbClr val="FFFFFF"/>
               </a:buClr>
               <a:buFont typeface="Symbol"/>
               <a:buChar char=""/>
             </a:pPr>
             <a:r>
-              <a:rPr b="0" lang="pt-BR" sz="2000" spc="-1" strike="noStrike">
+              <a:rPr lang="pt-BR" sz="2000" b="0" strike="noStrike" spc="-1" dirty="0" err="1">
                 <a:solidFill>
-                  <a:srgbClr val="ffffff"/>
+                  <a:srgbClr val="FFFFFF"/>
                 </a:solidFill>
                 <a:latin typeface="Calibri"/>
                 <a:ea typeface="Times New Roman"/>
               </a:rPr>
-              <a:t>Climatizadores controlados vinte e quatro horas por dia, todos os dias da semana. Esse processo é fundamental para garantir o alto desempenho da Infraestrutura de TI sem forçar as máquinas com temperaturas tão altas.</a:t>
+              <a:t>Climatizadores</a:t>
             </a:r>
-            <a:endParaRPr b="0" lang="pt-BR" sz="2000" spc="-1" strike="noStrike">
+            <a:r>
+              <a:rPr lang="pt-BR" sz="2000" b="0" strike="noStrike" spc="-1" dirty="0">
+                <a:solidFill>
+                  <a:srgbClr val="FFFFFF"/>
+                </a:solidFill>
+                <a:latin typeface="Calibri"/>
+                <a:ea typeface="Times New Roman"/>
+              </a:rPr>
+              <a:t> controlados vinte e quatro horas por dia, todos os dias da semana. Esse processo é fundamental para garantir o alto desempenho da Infraestrutura de TI sem forçar as máquinas com temperaturas tão altas.</a:t>
+            </a:r>
+            <a:endParaRPr lang="pt-BR" sz="2000" b="0" strike="noStrike" spc="-1" dirty="0">
               <a:latin typeface="Arial"/>
             </a:endParaRPr>
           </a:p>
@@ -5694,15 +6653,15 @@
                 <a:spcPts val="1500"/>
               </a:spcAft>
               <a:buClr>
-                <a:srgbClr val="ffffff"/>
+                <a:srgbClr val="FFFFFF"/>
               </a:buClr>
               <a:buFont typeface="Symbol"/>
               <a:buChar char=""/>
             </a:pPr>
             <a:r>
-              <a:rPr b="0" lang="pt-BR" sz="2400" spc="-1" strike="noStrike">
+              <a:rPr lang="pt-BR" sz="2000" b="0" strike="noStrike" spc="-1" dirty="0">
                 <a:solidFill>
-                  <a:srgbClr val="ffffff"/>
+                  <a:srgbClr val="FFFFFF"/>
                 </a:solidFill>
                 <a:latin typeface="Calibri"/>
                 <a:ea typeface="Times New Roman"/>
@@ -5710,7 +6669,7 @@
               <a:t>Ar-condicionado inteligente e próprio para o Datacenter mantêm a temperatura e umidade estável.</a:t>
             </a:r>
             <a:r>
-              <a:rPr b="0" lang="pt-BR" sz="2000" spc="-1" strike="noStrike">
+              <a:rPr lang="pt-BR" sz="2000" b="0" strike="noStrike" spc="-1" dirty="0">
                 <a:solidFill>
                   <a:srgbClr val="000000"/>
                 </a:solidFill>
@@ -5719,7 +6678,7 @@
               </a:rPr>
               <a:t> </a:t>
             </a:r>
-            <a:endParaRPr b="0" lang="pt-BR" sz="2000" spc="-1" strike="noStrike">
+            <a:endParaRPr lang="pt-BR" sz="2000" b="0" strike="noStrike" spc="-1" dirty="0">
               <a:latin typeface="Arial"/>
             </a:endParaRPr>
           </a:p>
@@ -5735,15 +6694,15 @@
                 <a:spcPts val="1500"/>
               </a:spcAft>
               <a:buClr>
-                <a:srgbClr val="ffffff"/>
+                <a:srgbClr val="FFFFFF"/>
               </a:buClr>
               <a:buFont typeface="Symbol"/>
               <a:buChar char=""/>
             </a:pPr>
             <a:r>
-              <a:rPr b="0" lang="pt-BR" sz="2400" spc="-1" strike="noStrike">
+              <a:rPr lang="pt-BR" sz="2000" b="0" strike="noStrike" spc="-1" dirty="0">
                 <a:solidFill>
-                  <a:srgbClr val="ffffff"/>
+                  <a:srgbClr val="FFFFFF"/>
                 </a:solidFill>
                 <a:latin typeface="Calibri"/>
                 <a:ea typeface="Calibri"/>
@@ -5751,9 +6710,9 @@
               <a:t>Aumentar a eficiência dos ventiladores </a:t>
             </a:r>
             <a:r>
-              <a:rPr b="0" lang="pt-BR" sz="2000" spc="-1" strike="noStrike">
+              <a:rPr lang="pt-BR" sz="2000" b="0" strike="noStrike" spc="-1" dirty="0">
                 <a:solidFill>
-                  <a:srgbClr val="ffffff"/>
+                  <a:srgbClr val="FFFFFF"/>
                 </a:solidFill>
                 <a:latin typeface="Calibri"/>
                 <a:ea typeface="Times New Roman"/>
@@ -5761,9 +6720,9 @@
               <a:t>dores de Precisão: </a:t>
             </a:r>
             <a:r>
-              <a:rPr b="0" lang="pt-BR" sz="1800" spc="-1" strike="noStrike">
+              <a:rPr lang="pt-BR" sz="1800" b="0" strike="noStrike" spc="-1" dirty="0">
                 <a:solidFill>
-                  <a:srgbClr val="ffffff"/>
+                  <a:srgbClr val="FFFFFF"/>
                 </a:solidFill>
                 <a:latin typeface="Calibri"/>
                 <a:ea typeface="Times New Roman"/>
@@ -5771,16 +6730,16 @@
               <a:t>mantêm a umidade e o resfriamento necessário por metro </a:t>
             </a:r>
             <a:r>
-              <a:rPr b="0" lang="pt-BR" sz="2000" spc="-1" strike="noStrike">
+              <a:rPr lang="pt-BR" sz="2000" b="0" strike="noStrike" spc="-1" dirty="0">
                 <a:solidFill>
-                  <a:srgbClr val="ffffff"/>
+                  <a:srgbClr val="FFFFFF"/>
                 </a:solidFill>
                 <a:latin typeface="Calibri"/>
                 <a:ea typeface="Calibri"/>
               </a:rPr>
               <a:t>acrescentando uma frequência variável para os mesmos diminuindo sua velocidade e no uso de energia. </a:t>
             </a:r>
-            <a:endParaRPr b="0" lang="pt-BR" sz="2000" spc="-1" strike="noStrike">
+            <a:endParaRPr lang="pt-BR" sz="2000" b="0" strike="noStrike" spc="-1" dirty="0">
               <a:latin typeface="Arial"/>
             </a:endParaRPr>
           </a:p>
@@ -5796,22 +6755,22 @@
                 <a:spcPts val="1500"/>
               </a:spcAft>
               <a:buClr>
-                <a:srgbClr val="ffffff"/>
+                <a:srgbClr val="FFFFFF"/>
               </a:buClr>
               <a:buFont typeface="Symbol"/>
               <a:buChar char=""/>
             </a:pPr>
             <a:r>
-              <a:rPr b="0" lang="pt-BR" sz="2000" spc="-1" strike="noStrike">
+              <a:rPr lang="pt-BR" sz="2000" b="0" strike="noStrike" spc="-1" dirty="0">
                 <a:solidFill>
-                  <a:srgbClr val="ffffff"/>
+                  <a:srgbClr val="FFFFFF"/>
                 </a:solidFill>
                 <a:latin typeface="Calibri"/>
                 <a:ea typeface="Calibri"/>
               </a:rPr>
               <a:t>A eficiência do sistema de refrigeração pode ser otimizada em mais de 5% simplesmente implementando essas boas práticas. Essa implementação, por sua vez, pode reduzir os custos globais de energia em 1%.</a:t>
             </a:r>
-            <a:endParaRPr b="0" lang="pt-BR" sz="2000" spc="-1" strike="noStrike">
+            <a:endParaRPr lang="pt-BR" sz="2000" b="0" strike="noStrike" spc="-1" dirty="0">
               <a:latin typeface="Arial"/>
             </a:endParaRPr>
           </a:p>
@@ -5819,22 +6778,25 @@
       </p:sp>
     </p:spTree>
   </p:cSld>
+  <p:clrMapOvr>
+    <a:masterClrMapping/>
+  </p:clrMapOvr>
   <p:timing>
     <p:tnLst>
       <p:par>
-        <p:cTn id="9" dur="indefinite" restart="never" nodeType="tmRoot">
+        <p:cTn id="1" dur="indefinite" restart="never" nodeType="tmRoot">
           <p:childTnLst>
             <p:seq>
-              <p:cTn id="10" dur="indefinite" nodeType="mainSeq"/>
+              <p:cTn id="2" dur="indefinite" nodeType="mainSeq"/>
               <p:prevCondLst>
-                <p:cond delay="0" evt="onPrev">
+                <p:cond evt="onPrev" delay="0">
                   <p:tgtEl>
                     <p:sldTgt/>
                   </p:tgtEl>
                 </p:cond>
               </p:prevCondLst>
               <p:nextCondLst>
-                <p:cond delay="0" evt="onNext">
+                <p:cond evt="onNext" delay="0">
                   <p:tgtEl>
                     <p:sldTgt/>
                   </p:tgtEl>
@@ -5850,7 +6812,7 @@
 </file>
 
 <file path=ppt/slides/slide6.xml><?xml version="1.0" encoding="utf-8"?>
-<p:sld xmlns:a="http://schemas.openxmlformats.org/drawingml/2006/main" xmlns:p="http://schemas.openxmlformats.org/presentationml/2006/main" xmlns:r="http://schemas.openxmlformats.org/officeDocument/2006/relationships" xmlns:p14="http://schemas.microsoft.com/office/powerpoint/2010/main" xmlns:p15="http://schemas.microsoft.com/office/powerpoint/2012/main" xmlns:mc="http://schemas.openxmlformats.org/markup-compatibility/2006">
+<p:sld xmlns:a="http://schemas.openxmlformats.org/drawingml/2006/main" xmlns:r="http://schemas.openxmlformats.org/officeDocument/2006/relationships" xmlns:p="http://schemas.openxmlformats.org/presentationml/2006/main">
   <p:cSld>
     <p:spTree>
       <p:nvGrpSpPr>
@@ -5886,13 +6848,20 @@
           </a:ln>
         </p:spPr>
         <p:style>
-          <a:lnRef idx="0"/>
-          <a:fillRef idx="0"/>
-          <a:effectRef idx="0"/>
+          <a:lnRef idx="0">
+            <a:scrgbClr r="0" g="0" b="0"/>
+          </a:lnRef>
+          <a:fillRef idx="0">
+            <a:scrgbClr r="0" g="0" b="0"/>
+          </a:fillRef>
+          <a:effectRef idx="0">
+            <a:scrgbClr r="0" g="0" b="0"/>
+          </a:effectRef>
           <a:fontRef idx="minor"/>
         </p:style>
         <p:txBody>
-          <a:bodyPr lIns="90000" rIns="90000" tIns="45000" bIns="45000" anchor="ctr"/>
+          <a:bodyPr lIns="90000" tIns="45000" rIns="90000" bIns="45000" anchor="ctr"/>
+          <a:lstStyle/>
           <a:p>
             <a:pPr algn="ctr">
               <a:lnSpc>
@@ -5900,16 +6869,16 @@
               </a:lnSpc>
             </a:pPr>
             <a:r>
-              <a:rPr b="1" lang="pt-BR" sz="3600" spc="-1" strike="noStrike" u="sng">
+              <a:rPr lang="pt-BR" sz="3600" b="1" u="sng" strike="noStrike" spc="-1">
                 <a:solidFill>
-                  <a:srgbClr val="ffffff"/>
+                  <a:srgbClr val="FFFFFF"/>
                 </a:solidFill>
                 <a:uFillTx/>
                 <a:latin typeface="Calibri"/>
               </a:rPr>
               <a:t>Nosso Projeto</a:t>
             </a:r>
-            <a:endParaRPr b="0" lang="pt-BR" sz="3600" spc="-1" strike="noStrike">
+            <a:endParaRPr lang="pt-BR" sz="3600" b="0" strike="noStrike" spc="-1">
               <a:latin typeface="Arial"/>
             </a:endParaRPr>
           </a:p>
@@ -5935,13 +6904,20 @@
           </a:ln>
         </p:spPr>
         <p:style>
-          <a:lnRef idx="0"/>
-          <a:fillRef idx="0"/>
-          <a:effectRef idx="0"/>
+          <a:lnRef idx="0">
+            <a:scrgbClr r="0" g="0" b="0"/>
+          </a:lnRef>
+          <a:fillRef idx="0">
+            <a:scrgbClr r="0" g="0" b="0"/>
+          </a:fillRef>
+          <a:effectRef idx="0">
+            <a:scrgbClr r="0" g="0" b="0"/>
+          </a:effectRef>
           <a:fontRef idx="minor"/>
         </p:style>
         <p:txBody>
-          <a:bodyPr lIns="90000" rIns="90000" tIns="45000" bIns="45000"/>
+          <a:bodyPr lIns="90000" tIns="45000" rIns="90000" bIns="45000"/>
+          <a:lstStyle/>
           <a:p>
             <a:pPr algn="just">
               <a:lnSpc>
@@ -5951,7 +6927,7 @@
                 <a:spcPts val="479"/>
               </a:spcBef>
             </a:pPr>
-            <a:endParaRPr b="0" lang="pt-BR" sz="1800" spc="-1" strike="noStrike">
+            <a:endParaRPr lang="pt-BR" sz="1800" b="0" strike="noStrike" spc="-1">
               <a:latin typeface="Arial"/>
             </a:endParaRPr>
           </a:p>
@@ -5964,15 +6940,15 @@
                 <a:spcPts val="400"/>
               </a:spcBef>
               <a:buClr>
-                <a:srgbClr val="ffffff"/>
+                <a:srgbClr val="FFFFFF"/>
               </a:buClr>
               <a:buFont typeface="Symbol"/>
               <a:buChar char=""/>
             </a:pPr>
             <a:r>
-              <a:rPr b="0" lang="pt-BR" sz="2000" spc="-1" strike="noStrike" u="sng">
+              <a:rPr lang="pt-BR" sz="2000" b="0" u="sng" strike="noStrike" spc="-1">
                 <a:solidFill>
-                  <a:srgbClr val="ffffff"/>
+                  <a:srgbClr val="FFFFFF"/>
                 </a:solidFill>
                 <a:uFillTx/>
                 <a:latin typeface="Calibri"/>
@@ -5980,7 +6956,7 @@
               </a:rPr>
               <a:t>Ideia</a:t>
             </a:r>
-            <a:endParaRPr b="0" lang="pt-BR" sz="2000" spc="-1" strike="noStrike">
+            <a:endParaRPr lang="pt-BR" sz="2000" b="0" strike="noStrike" spc="-1">
               <a:latin typeface="Arial"/>
             </a:endParaRPr>
           </a:p>
@@ -5994,16 +6970,16 @@
               </a:spcBef>
             </a:pPr>
             <a:r>
-              <a:rPr b="0" lang="pt-BR" sz="2000" spc="-1" strike="noStrike">
+              <a:rPr lang="pt-BR" sz="2000" b="0" strike="noStrike" spc="-1">
                 <a:solidFill>
-                  <a:srgbClr val="ffffff"/>
+                  <a:srgbClr val="FFFFFF"/>
                 </a:solidFill>
                 <a:latin typeface="Calibri"/>
                 <a:ea typeface="굴림"/>
               </a:rPr>
               <a:t>O nosso projeto será baseado em uma API que monitore e controle equipamentos de refrigeração e umidificação (ligue e deligue os equipamentos mantendo a temperatura e umidade ideal), faça armazenamento de dados e quando necessário crie e envie alertas para os usuários responsáveis.</a:t>
             </a:r>
-            <a:endParaRPr b="0" lang="pt-BR" sz="2000" spc="-1" strike="noStrike">
+            <a:endParaRPr lang="pt-BR" sz="2000" b="0" strike="noStrike" spc="-1">
               <a:latin typeface="Arial"/>
             </a:endParaRPr>
           </a:p>
@@ -6016,7 +6992,7 @@
                 <a:spcPts val="400"/>
               </a:spcBef>
             </a:pPr>
-            <a:endParaRPr b="0" lang="pt-BR" sz="2000" spc="-1" strike="noStrike">
+            <a:endParaRPr lang="pt-BR" sz="2000" b="0" strike="noStrike" spc="-1">
               <a:latin typeface="Arial"/>
             </a:endParaRPr>
           </a:p>
@@ -6029,15 +7005,15 @@
                 <a:spcPts val="400"/>
               </a:spcBef>
               <a:buClr>
-                <a:srgbClr val="ffffff"/>
+                <a:srgbClr val="FFFFFF"/>
               </a:buClr>
               <a:buFont typeface="Symbol"/>
               <a:buChar char=""/>
             </a:pPr>
             <a:r>
-              <a:rPr b="0" lang="pt-BR" sz="2000" spc="-1" strike="noStrike" u="sng">
+              <a:rPr lang="pt-BR" sz="2000" b="0" u="sng" strike="noStrike" spc="-1">
                 <a:solidFill>
-                  <a:srgbClr val="ffffff"/>
+                  <a:srgbClr val="FFFFFF"/>
                 </a:solidFill>
                 <a:uFillTx/>
                 <a:latin typeface="Calibri"/>
@@ -6045,7 +7021,7 @@
               </a:rPr>
               <a:t>Nosso projeto x mercado atual</a:t>
             </a:r>
-            <a:endParaRPr b="0" lang="pt-BR" sz="2000" spc="-1" strike="noStrike">
+            <a:endParaRPr lang="pt-BR" sz="2000" b="0" strike="noStrike" spc="-1">
               <a:latin typeface="Arial"/>
             </a:endParaRPr>
           </a:p>
@@ -6059,16 +7035,16 @@
               </a:spcBef>
             </a:pPr>
             <a:r>
-              <a:rPr b="0" lang="pt-BR" sz="2000" spc="-1" strike="noStrike">
+              <a:rPr lang="pt-BR" sz="2000" b="0" strike="noStrike" spc="-1">
                 <a:solidFill>
-                  <a:srgbClr val="ffffff"/>
+                  <a:srgbClr val="FFFFFF"/>
                 </a:solidFill>
                 <a:latin typeface="Calibri"/>
                 <a:ea typeface="굴림"/>
               </a:rPr>
               <a:t>O que nos diferencia das APIS que já estão no mercado é que com a atualização real time, teremos maior confiabilidade nos resultados e na manutenção, pois ainda fazem manualmente e esses relatórios não são confiáveis.Desenvolvendo assim a tecnologia e a automação do monitoramento e controle de temperatura e umidade, para melhor eficiência energética que acabará ocasionado em uma grande economia no custo da energia elétrica pois os aparelhos estarão programados para ligarem apenas quando necessário. </a:t>
             </a:r>
-            <a:endParaRPr b="0" lang="pt-BR" sz="2000" spc="-1" strike="noStrike">
+            <a:endParaRPr lang="pt-BR" sz="2000" b="0" strike="noStrike" spc="-1">
               <a:latin typeface="Arial"/>
             </a:endParaRPr>
           </a:p>
@@ -6081,7 +7057,7 @@
                 <a:spcPts val="561"/>
               </a:spcBef>
             </a:pPr>
-            <a:endParaRPr b="0" lang="pt-BR" sz="2000" spc="-1" strike="noStrike">
+            <a:endParaRPr lang="pt-BR" sz="2000" b="0" strike="noStrike" spc="-1">
               <a:latin typeface="Arial"/>
             </a:endParaRPr>
           </a:p>
@@ -6094,7 +7070,7 @@
                 <a:spcPts val="561"/>
               </a:spcBef>
             </a:pPr>
-            <a:endParaRPr b="0" lang="pt-BR" sz="2000" spc="-1" strike="noStrike">
+            <a:endParaRPr lang="pt-BR" sz="2000" b="0" strike="noStrike" spc="-1">
               <a:latin typeface="Arial"/>
             </a:endParaRPr>
           </a:p>
@@ -6102,22 +7078,25 @@
       </p:sp>
     </p:spTree>
   </p:cSld>
+  <p:clrMapOvr>
+    <a:masterClrMapping/>
+  </p:clrMapOvr>
   <p:timing>
     <p:tnLst>
       <p:par>
-        <p:cTn id="11" dur="indefinite" restart="never" nodeType="tmRoot">
+        <p:cTn id="1" dur="indefinite" restart="never" nodeType="tmRoot">
           <p:childTnLst>
             <p:seq>
-              <p:cTn id="12" dur="indefinite" nodeType="mainSeq"/>
+              <p:cTn id="2" dur="indefinite" nodeType="mainSeq"/>
               <p:prevCondLst>
-                <p:cond delay="0" evt="onPrev">
+                <p:cond evt="onPrev" delay="0">
                   <p:tgtEl>
                     <p:sldTgt/>
                   </p:tgtEl>
                 </p:cond>
               </p:prevCondLst>
               <p:nextCondLst>
-                <p:cond delay="0" evt="onNext">
+                <p:cond evt="onNext" delay="0">
                   <p:tgtEl>
                     <p:sldTgt/>
                   </p:tgtEl>
@@ -6133,441 +7112,17 @@
 </file>
 
 <file path=ppt/slides/slide7.xml><?xml version="1.0" encoding="utf-8"?>
-<p:sld xmlns:a="http://schemas.openxmlformats.org/drawingml/2006/main" xmlns:p="http://schemas.openxmlformats.org/presentationml/2006/main" xmlns:r="http://schemas.openxmlformats.org/officeDocument/2006/relationships" xmlns:p14="http://schemas.microsoft.com/office/powerpoint/2010/main" xmlns:p15="http://schemas.microsoft.com/office/powerpoint/2012/main" xmlns:mc="http://schemas.openxmlformats.org/markup-compatibility/2006">
-  <p:cSld>
-    <p:spTree>
-      <p:nvGrpSpPr>
-        <p:cNvPr id="1" name=""/>
-        <p:cNvGrpSpPr/>
-        <p:nvPr/>
-      </p:nvGrpSpPr>
-      <p:grpSpPr>
-        <a:xfrm>
-          <a:off x="0" y="0"/>
-          <a:ext cx="0" cy="0"/>
-          <a:chOff x="0" y="0"/>
-          <a:chExt cx="0" cy="0"/>
-        </a:xfrm>
-      </p:grpSpPr>
-      <p:sp>
-        <p:nvSpPr>
-          <p:cNvPr id="94" name="CustomShape 1"/>
-          <p:cNvSpPr/>
-          <p:nvPr/>
-        </p:nvSpPr>
-        <p:spPr>
-          <a:xfrm>
-            <a:off x="0" y="1268280"/>
-            <a:ext cx="9143280" cy="648720"/>
-          </a:xfrm>
-          <a:prstGeom prst="rect">
-            <a:avLst/>
-          </a:prstGeom>
-          <a:noFill/>
-          <a:ln w="9360">
-            <a:noFill/>
-          </a:ln>
-        </p:spPr>
-        <p:style>
-          <a:lnRef idx="0"/>
-          <a:fillRef idx="0"/>
-          <a:effectRef idx="0"/>
-          <a:fontRef idx="minor"/>
-        </p:style>
-        <p:txBody>
-          <a:bodyPr lIns="90000" rIns="90000" tIns="45000" bIns="45000" anchor="ctr"/>
-          <a:p>
-            <a:pPr algn="ctr">
-              <a:lnSpc>
-                <a:spcPct val="100000"/>
-              </a:lnSpc>
-            </a:pPr>
-            <a:r>
-              <a:rPr b="1" lang="pt-BR" sz="3600" spc="-1" strike="noStrike" u="sng">
-                <a:solidFill>
-                  <a:srgbClr val="ffffff"/>
-                </a:solidFill>
-                <a:uFillTx/>
-                <a:latin typeface="Calibri"/>
-              </a:rPr>
-              <a:t>Requisitos</a:t>
-            </a:r>
-            <a:endParaRPr b="0" lang="pt-BR" sz="3600" spc="-1" strike="noStrike">
-              <a:latin typeface="Arial"/>
-            </a:endParaRPr>
-          </a:p>
-        </p:txBody>
-      </p:sp>
-      <p:sp>
-        <p:nvSpPr>
-          <p:cNvPr id="95" name="CustomShape 2"/>
-          <p:cNvSpPr/>
-          <p:nvPr/>
-        </p:nvSpPr>
-        <p:spPr>
-          <a:xfrm>
-            <a:off x="250920" y="1989000"/>
-            <a:ext cx="8713080" cy="5903640"/>
-          </a:xfrm>
-          <a:prstGeom prst="rect">
-            <a:avLst/>
-          </a:prstGeom>
-          <a:noFill/>
-          <a:ln w="9360">
-            <a:noFill/>
-          </a:ln>
-        </p:spPr>
-        <p:style>
-          <a:lnRef idx="0"/>
-          <a:fillRef idx="0"/>
-          <a:effectRef idx="0"/>
-          <a:fontRef idx="minor"/>
-        </p:style>
-        <p:txBody>
-          <a:bodyPr lIns="90000" rIns="90000" tIns="45000" bIns="45000"/>
-          <a:p>
-            <a:pPr algn="just">
-              <a:lnSpc>
-                <a:spcPct val="90000"/>
-              </a:lnSpc>
-              <a:spcBef>
-                <a:spcPts val="479"/>
-              </a:spcBef>
-            </a:pPr>
-            <a:endParaRPr b="0" lang="pt-BR" sz="1800" spc="-1" strike="noStrike">
-              <a:latin typeface="Arial"/>
-            </a:endParaRPr>
-          </a:p>
-          <a:p>
-            <a:pPr algn="just">
-              <a:lnSpc>
-                <a:spcPct val="90000"/>
-              </a:lnSpc>
-              <a:spcBef>
-                <a:spcPts val="400"/>
-              </a:spcBef>
-            </a:pPr>
-            <a:r>
-              <a:rPr b="0" lang="pt-BR" sz="2000" spc="-1" strike="noStrike" u="sng">
-                <a:solidFill>
-                  <a:srgbClr val="ffffff"/>
-                </a:solidFill>
-                <a:uFillTx/>
-                <a:latin typeface="Calibri"/>
-                <a:ea typeface="굴림"/>
-              </a:rPr>
-              <a:t>Requisitos do projeto</a:t>
-            </a:r>
-            <a:endParaRPr b="0" lang="pt-BR" sz="2000" spc="-1" strike="noStrike">
-              <a:latin typeface="Arial"/>
-            </a:endParaRPr>
-          </a:p>
-          <a:p>
-            <a:pPr marL="343080" indent="-342360" algn="just">
-              <a:lnSpc>
-                <a:spcPct val="90000"/>
-              </a:lnSpc>
-              <a:spcBef>
-                <a:spcPts val="400"/>
-              </a:spcBef>
-              <a:buClr>
-                <a:srgbClr val="ffffff"/>
-              </a:buClr>
-              <a:buFont typeface="Symbol"/>
-              <a:buChar char=""/>
-            </a:pPr>
-            <a:r>
-              <a:rPr b="0" lang="pt-BR" sz="2000" spc="-1" strike="noStrike">
-                <a:solidFill>
-                  <a:srgbClr val="ffffff"/>
-                </a:solidFill>
-                <a:latin typeface="Calibri"/>
-                <a:ea typeface="굴림"/>
-              </a:rPr>
-              <a:t>Economia</a:t>
-            </a:r>
-            <a:endParaRPr b="0" lang="pt-BR" sz="2000" spc="-1" strike="noStrike">
-              <a:latin typeface="Arial"/>
-            </a:endParaRPr>
-          </a:p>
-          <a:p>
-            <a:pPr marL="343080" indent="-342360" algn="just">
-              <a:lnSpc>
-                <a:spcPct val="90000"/>
-              </a:lnSpc>
-              <a:spcBef>
-                <a:spcPts val="400"/>
-              </a:spcBef>
-              <a:buClr>
-                <a:srgbClr val="ffffff"/>
-              </a:buClr>
-              <a:buFont typeface="Symbol"/>
-              <a:buChar char=""/>
-            </a:pPr>
-            <a:r>
-              <a:rPr b="0" lang="pt-BR" sz="2000" spc="-1" strike="noStrike">
-                <a:solidFill>
-                  <a:srgbClr val="ffffff"/>
-                </a:solidFill>
-                <a:latin typeface="Calibri"/>
-                <a:ea typeface="굴림"/>
-              </a:rPr>
-              <a:t>Sustentabilidade</a:t>
-            </a:r>
-            <a:endParaRPr b="0" lang="pt-BR" sz="2000" spc="-1" strike="noStrike">
-              <a:latin typeface="Arial"/>
-            </a:endParaRPr>
-          </a:p>
-          <a:p>
-            <a:pPr marL="343080" indent="-342360" algn="just">
-              <a:lnSpc>
-                <a:spcPct val="90000"/>
-              </a:lnSpc>
-              <a:spcBef>
-                <a:spcPts val="400"/>
-              </a:spcBef>
-              <a:buClr>
-                <a:srgbClr val="ffffff"/>
-              </a:buClr>
-              <a:buFont typeface="Symbol"/>
-              <a:buChar char=""/>
-            </a:pPr>
-            <a:r>
-              <a:rPr b="0" lang="pt-BR" sz="2000" spc="-1" strike="noStrike">
-                <a:solidFill>
-                  <a:srgbClr val="ffffff"/>
-                </a:solidFill>
-                <a:latin typeface="Calibri"/>
-                <a:ea typeface="굴림"/>
-              </a:rPr>
-              <a:t>Controle remoto da temperatura</a:t>
-            </a:r>
-            <a:endParaRPr b="0" lang="pt-BR" sz="2000" spc="-1" strike="noStrike">
-              <a:latin typeface="Arial"/>
-            </a:endParaRPr>
-          </a:p>
-          <a:p>
-            <a:pPr marL="343080" indent="-342360" algn="just">
-              <a:lnSpc>
-                <a:spcPct val="90000"/>
-              </a:lnSpc>
-              <a:spcBef>
-                <a:spcPts val="400"/>
-              </a:spcBef>
-              <a:buClr>
-                <a:srgbClr val="ffffff"/>
-              </a:buClr>
-              <a:buFont typeface="Symbol"/>
-              <a:buChar char=""/>
-            </a:pPr>
-            <a:r>
-              <a:rPr b="0" lang="pt-BR" sz="2000" spc="-1" strike="noStrike">
-                <a:solidFill>
-                  <a:srgbClr val="ffffff"/>
-                </a:solidFill>
-                <a:latin typeface="Calibri"/>
-                <a:ea typeface="굴림"/>
-              </a:rPr>
-              <a:t>Especificações de temperatura</a:t>
-            </a:r>
-            <a:endParaRPr b="0" lang="pt-BR" sz="2000" spc="-1" strike="noStrike">
-              <a:latin typeface="Arial"/>
-            </a:endParaRPr>
-          </a:p>
-          <a:p>
-            <a:pPr algn="just">
-              <a:lnSpc>
-                <a:spcPct val="90000"/>
-              </a:lnSpc>
-              <a:spcBef>
-                <a:spcPts val="400"/>
-              </a:spcBef>
-            </a:pPr>
-            <a:endParaRPr b="0" lang="pt-BR" sz="2000" spc="-1" strike="noStrike">
-              <a:latin typeface="Arial"/>
-            </a:endParaRPr>
-          </a:p>
-          <a:p>
-            <a:pPr>
-              <a:lnSpc>
-                <a:spcPct val="90000"/>
-              </a:lnSpc>
-              <a:spcBef>
-                <a:spcPts val="400"/>
-              </a:spcBef>
-            </a:pPr>
-            <a:r>
-              <a:rPr b="0" lang="pt-BR" sz="2000" spc="-1" strike="noStrike" u="sng">
-                <a:solidFill>
-                  <a:srgbClr val="ffffff"/>
-                </a:solidFill>
-                <a:uFillTx/>
-                <a:latin typeface="Calibri"/>
-                <a:ea typeface="굴림"/>
-              </a:rPr>
-              <a:t>Requisitos página web</a:t>
-            </a:r>
-            <a:endParaRPr b="0" lang="pt-BR" sz="2000" spc="-1" strike="noStrike">
-              <a:latin typeface="Arial"/>
-            </a:endParaRPr>
-          </a:p>
-          <a:p>
-            <a:pPr marL="343080" indent="-342360">
-              <a:lnSpc>
-                <a:spcPct val="90000"/>
-              </a:lnSpc>
-              <a:spcBef>
-                <a:spcPts val="400"/>
-              </a:spcBef>
-              <a:buClr>
-                <a:srgbClr val="ffffff"/>
-              </a:buClr>
-              <a:buFont typeface="Symbol"/>
-              <a:buChar char=""/>
-            </a:pPr>
-            <a:r>
-              <a:rPr b="0" lang="pt-BR" sz="2000" spc="-1" strike="noStrike">
-                <a:solidFill>
-                  <a:srgbClr val="ffffff"/>
-                </a:solidFill>
-                <a:latin typeface="Calibri"/>
-                <a:ea typeface="굴림"/>
-              </a:rPr>
-              <a:t>Área de cadastro</a:t>
-            </a:r>
-            <a:endParaRPr b="0" lang="pt-BR" sz="2000" spc="-1" strike="noStrike">
-              <a:latin typeface="Arial"/>
-            </a:endParaRPr>
-          </a:p>
-          <a:p>
-            <a:pPr marL="343080" indent="-342360">
-              <a:lnSpc>
-                <a:spcPct val="90000"/>
-              </a:lnSpc>
-              <a:spcBef>
-                <a:spcPts val="400"/>
-              </a:spcBef>
-              <a:buClr>
-                <a:srgbClr val="ffffff"/>
-              </a:buClr>
-              <a:buFont typeface="Symbol"/>
-              <a:buChar char=""/>
-            </a:pPr>
-            <a:r>
-              <a:rPr b="0" lang="pt-BR" sz="2000" spc="-1" strike="noStrike">
-                <a:solidFill>
-                  <a:srgbClr val="ffffff"/>
-                </a:solidFill>
-                <a:latin typeface="Calibri"/>
-                <a:ea typeface="굴림"/>
-              </a:rPr>
-              <a:t>Área de login</a:t>
-            </a:r>
-            <a:endParaRPr b="0" lang="pt-BR" sz="2000" spc="-1" strike="noStrike">
-              <a:latin typeface="Arial"/>
-            </a:endParaRPr>
-          </a:p>
-          <a:p>
-            <a:pPr marL="343080" indent="-342360">
-              <a:lnSpc>
-                <a:spcPct val="90000"/>
-              </a:lnSpc>
-              <a:spcBef>
-                <a:spcPts val="400"/>
-              </a:spcBef>
-              <a:buClr>
-                <a:srgbClr val="ffffff"/>
-              </a:buClr>
-              <a:buFont typeface="Symbol"/>
-              <a:buChar char=""/>
-            </a:pPr>
-            <a:r>
-              <a:rPr b="0" lang="pt-BR" sz="2000" spc="-1" strike="noStrike">
-                <a:solidFill>
-                  <a:srgbClr val="ffffff"/>
-                </a:solidFill>
-                <a:latin typeface="Calibri"/>
-                <a:ea typeface="굴림"/>
-              </a:rPr>
-              <a:t>Notificações</a:t>
-            </a:r>
-            <a:endParaRPr b="0" lang="pt-BR" sz="2000" spc="-1" strike="noStrike">
-              <a:latin typeface="Arial"/>
-            </a:endParaRPr>
-          </a:p>
-          <a:p>
-            <a:pPr marL="343080" indent="-342360">
-              <a:lnSpc>
-                <a:spcPct val="90000"/>
-              </a:lnSpc>
-              <a:spcBef>
-                <a:spcPts val="400"/>
-              </a:spcBef>
-              <a:buClr>
-                <a:srgbClr val="ffffff"/>
-              </a:buClr>
-              <a:buFont typeface="Symbol"/>
-              <a:buChar char=""/>
-            </a:pPr>
-            <a:r>
-              <a:rPr b="0" lang="pt-BR" sz="2000" spc="-1" strike="noStrike">
-                <a:solidFill>
-                  <a:srgbClr val="ffffff"/>
-                </a:solidFill>
-                <a:latin typeface="Calibri"/>
-                <a:ea typeface="굴림"/>
-              </a:rPr>
-              <a:t>Página do sensor</a:t>
-            </a:r>
-            <a:endParaRPr b="0" lang="pt-BR" sz="2000" spc="-1" strike="noStrike">
-              <a:latin typeface="Arial"/>
-            </a:endParaRPr>
-          </a:p>
-        </p:txBody>
-      </p:sp>
-    </p:spTree>
-  </p:cSld>
-  <p:timing>
-    <p:tnLst>
-      <p:par>
-        <p:cTn id="13" dur="indefinite" restart="never" nodeType="tmRoot">
-          <p:childTnLst>
-            <p:seq>
-              <p:cTn id="14" dur="indefinite" nodeType="mainSeq"/>
-              <p:prevCondLst>
-                <p:cond delay="0" evt="onPrev">
-                  <p:tgtEl>
-                    <p:sldTgt/>
-                  </p:tgtEl>
-                </p:cond>
-              </p:prevCondLst>
-              <p:nextCondLst>
-                <p:cond delay="0" evt="onNext">
-                  <p:tgtEl>
-                    <p:sldTgt/>
-                  </p:tgtEl>
-                </p:cond>
-              </p:nextCondLst>
-            </p:seq>
-          </p:childTnLst>
-        </p:cTn>
-      </p:par>
-    </p:tnLst>
-  </p:timing>
-</p:sld>
-</file>
-
-<file path=ppt/slides/slide8.xml><?xml version="1.0" encoding="utf-8"?>
-<p:sld xmlns:a="http://schemas.openxmlformats.org/drawingml/2006/main" xmlns:p="http://schemas.openxmlformats.org/presentationml/2006/main" xmlns:r="http://schemas.openxmlformats.org/officeDocument/2006/relationships" xmlns:p14="http://schemas.microsoft.com/office/powerpoint/2010/main" xmlns:p15="http://schemas.microsoft.com/office/powerpoint/2012/main" xmlns:mc="http://schemas.openxmlformats.org/markup-compatibility/2006">
+<p:sld xmlns:a="http://schemas.openxmlformats.org/drawingml/2006/main" xmlns:r="http://schemas.openxmlformats.org/officeDocument/2006/relationships" xmlns:p="http://schemas.openxmlformats.org/presentationml/2006/main">
   <p:cSld>
     <p:bg>
       <p:bgPr>
         <a:blipFill rotWithShape="0">
-          <a:blip r:embed="rId1"/>
+          <a:blip r:embed="rId3"/>
           <a:stretch>
             <a:fillRect/>
           </a:stretch>
         </a:blipFill>
+        <a:effectLst/>
       </p:bgPr>
     </p:bg>
     <p:spTree>
@@ -6604,13 +7159,20 @@
           </a:ln>
         </p:spPr>
         <p:style>
-          <a:lnRef idx="0"/>
-          <a:fillRef idx="0"/>
-          <a:effectRef idx="0"/>
+          <a:lnRef idx="0">
+            <a:scrgbClr r="0" g="0" b="0"/>
+          </a:lnRef>
+          <a:fillRef idx="0">
+            <a:scrgbClr r="0" g="0" b="0"/>
+          </a:fillRef>
+          <a:effectRef idx="0">
+            <a:scrgbClr r="0" g="0" b="0"/>
+          </a:effectRef>
           <a:fontRef idx="minor"/>
         </p:style>
         <p:txBody>
-          <a:bodyPr lIns="90000" rIns="90000" tIns="45000" bIns="45000" anchor="ctr"/>
+          <a:bodyPr lIns="90000" tIns="45000" rIns="90000" bIns="45000" anchor="ctr"/>
+          <a:lstStyle/>
           <a:p>
             <a:pPr>
               <a:lnSpc>
@@ -6618,7 +7180,7 @@
               </a:lnSpc>
             </a:pPr>
             <a:r>
-              <a:rPr b="1" lang="pt-BR" sz="3200" spc="-1" strike="noStrike" u="sng">
+              <a:rPr lang="pt-BR" sz="3200" b="1" u="sng" strike="noStrike" spc="-1">
                 <a:solidFill>
                   <a:srgbClr val="080808"/>
                 </a:solidFill>
@@ -6627,7 +7189,7 @@
               </a:rPr>
               <a:t>Processo</a:t>
             </a:r>
-            <a:endParaRPr b="0" lang="pt-BR" sz="3200" spc="-1" strike="noStrike">
+            <a:endParaRPr lang="pt-BR" sz="3200" b="0" strike="noStrike" spc="-1">
               <a:latin typeface="Arial"/>
             </a:endParaRPr>
           </a:p>
@@ -6635,12 +7197,12 @@
       </p:sp>
       <p:pic>
         <p:nvPicPr>
-          <p:cNvPr id="97" name="Imagem 2" descr=""/>
+          <p:cNvPr id="97" name="Imagem 2"/>
           <p:cNvPicPr/>
           <p:nvPr/>
         </p:nvPicPr>
         <p:blipFill>
-          <a:blip r:embed="rId2"/>
+          <a:blip r:embed="rId4"/>
           <a:stretch/>
         </p:blipFill>
         <p:spPr>
@@ -6658,22 +7220,25 @@
       </p:pic>
     </p:spTree>
   </p:cSld>
+  <p:clrMapOvr>
+    <a:masterClrMapping/>
+  </p:clrMapOvr>
   <p:timing>
     <p:tnLst>
       <p:par>
-        <p:cTn id="15" dur="indefinite" restart="never" nodeType="tmRoot">
+        <p:cTn id="1" dur="indefinite" restart="never" nodeType="tmRoot">
           <p:childTnLst>
             <p:seq>
-              <p:cTn id="16" dur="indefinite" nodeType="mainSeq"/>
+              <p:cTn id="2" dur="indefinite" nodeType="mainSeq"/>
               <p:prevCondLst>
-                <p:cond delay="0" evt="onPrev">
+                <p:cond evt="onPrev" delay="0">
                   <p:tgtEl>
                     <p:sldTgt/>
                   </p:tgtEl>
                 </p:cond>
               </p:prevCondLst>
               <p:nextCondLst>
-                <p:cond delay="0" evt="onNext">
+                <p:cond evt="onNext" delay="0">
                   <p:tgtEl>
                     <p:sldTgt/>
                   </p:tgtEl>
@@ -6688,17 +7253,18 @@
 </p:sld>
 </file>
 
-<file path=ppt/slides/slide9.xml><?xml version="1.0" encoding="utf-8"?>
-<p:sld xmlns:a="http://schemas.openxmlformats.org/drawingml/2006/main" xmlns:p="http://schemas.openxmlformats.org/presentationml/2006/main" xmlns:r="http://schemas.openxmlformats.org/officeDocument/2006/relationships" xmlns:p14="http://schemas.microsoft.com/office/powerpoint/2010/main" xmlns:p15="http://schemas.microsoft.com/office/powerpoint/2012/main" xmlns:mc="http://schemas.openxmlformats.org/markup-compatibility/2006">
+<file path=ppt/slides/slide8.xml><?xml version="1.0" encoding="utf-8"?>
+<p:sld xmlns:a="http://schemas.openxmlformats.org/drawingml/2006/main" xmlns:r="http://schemas.openxmlformats.org/officeDocument/2006/relationships" xmlns:p="http://schemas.openxmlformats.org/presentationml/2006/main">
   <p:cSld>
     <p:bg>
       <p:bgPr>
         <a:blipFill rotWithShape="0">
-          <a:blip r:embed="rId1"/>
+          <a:blip r:embed="rId3"/>
           <a:stretch>
             <a:fillRect/>
           </a:stretch>
         </a:blipFill>
+        <a:effectLst/>
       </p:bgPr>
     </p:bg>
     <p:spTree>
@@ -6735,13 +7301,20 @@
           </a:ln>
         </p:spPr>
         <p:style>
-          <a:lnRef idx="0"/>
-          <a:fillRef idx="0"/>
-          <a:effectRef idx="0"/>
+          <a:lnRef idx="0">
+            <a:scrgbClr r="0" g="0" b="0"/>
+          </a:lnRef>
+          <a:fillRef idx="0">
+            <a:scrgbClr r="0" g="0" b="0"/>
+          </a:fillRef>
+          <a:effectRef idx="0">
+            <a:scrgbClr r="0" g="0" b="0"/>
+          </a:effectRef>
           <a:fontRef idx="minor"/>
         </p:style>
         <p:txBody>
-          <a:bodyPr lIns="90000" rIns="90000" tIns="45000" bIns="45000" anchor="ctr"/>
+          <a:bodyPr lIns="90000" tIns="45000" rIns="90000" bIns="45000" anchor="ctr"/>
+          <a:lstStyle/>
           <a:p>
             <a:pPr>
               <a:lnSpc>
@@ -6749,7 +7322,7 @@
               </a:lnSpc>
             </a:pPr>
             <a:r>
-              <a:rPr b="1" lang="pt-BR" sz="3200" spc="-1" strike="noStrike">
+              <a:rPr lang="pt-BR" sz="3200" b="1" strike="noStrike" spc="-1">
                 <a:solidFill>
                   <a:srgbClr val="080808"/>
                 </a:solidFill>
@@ -6757,7 +7330,7 @@
               </a:rPr>
               <a:t>Biografia</a:t>
             </a:r>
-            <a:endParaRPr b="0" lang="pt-BR" sz="3200" spc="-1" strike="noStrike">
+            <a:endParaRPr lang="pt-BR" sz="3200" b="0" strike="noStrike" spc="-1">
               <a:latin typeface="Arial"/>
             </a:endParaRPr>
           </a:p>
@@ -6783,13 +7356,20 @@
           </a:ln>
         </p:spPr>
         <p:style>
-          <a:lnRef idx="0"/>
-          <a:fillRef idx="0"/>
-          <a:effectRef idx="0"/>
+          <a:lnRef idx="0">
+            <a:scrgbClr r="0" g="0" b="0"/>
+          </a:lnRef>
+          <a:fillRef idx="0">
+            <a:scrgbClr r="0" g="0" b="0"/>
+          </a:fillRef>
+          <a:effectRef idx="0">
+            <a:scrgbClr r="0" g="0" b="0"/>
+          </a:effectRef>
           <a:fontRef idx="minor"/>
         </p:style>
         <p:txBody>
-          <a:bodyPr lIns="90000" rIns="90000" tIns="45000" bIns="45000"/>
+          <a:bodyPr lIns="90000" tIns="45000" rIns="90000" bIns="45000"/>
+          <a:lstStyle/>
           <a:p>
             <a:pPr marL="343080" indent="-342360">
               <a:lnSpc>
@@ -6805,17 +7385,17 @@
               <a:buChar char=""/>
             </a:pPr>
             <a:r>
-              <a:rPr b="0" lang="pt-BR" sz="2000" spc="-1" strike="noStrike" u="sng">
+              <a:rPr lang="pt-BR" sz="2000" b="0" u="sng" strike="noStrike" spc="-1">
                 <a:solidFill>
                   <a:srgbClr val="696969"/>
                 </a:solidFill>
                 <a:uFillTx/>
                 <a:latin typeface="Arial"/>
-                <a:hlinkClick r:id="rId2"/>
+                <a:hlinkClick r:id="rId4"/>
               </a:rPr>
               <a:t>https://www.getrotech.com.br/loja/Artigos/monitoracao-temperatura-e-umidade-em-data-centers/</a:t>
             </a:r>
-            <a:endParaRPr b="0" lang="pt-BR" sz="2000" spc="-1" strike="noStrike">
+            <a:endParaRPr lang="pt-BR" sz="2000" b="0" strike="noStrike" spc="-1">
               <a:latin typeface="Arial"/>
             </a:endParaRPr>
           </a:p>
@@ -6828,7 +7408,7 @@
                 <a:spcPts val="400"/>
               </a:spcBef>
             </a:pPr>
-            <a:endParaRPr b="0" lang="pt-BR" sz="2000" spc="-1" strike="noStrike">
+            <a:endParaRPr lang="pt-BR" sz="2000" b="0" strike="noStrike" spc="-1">
               <a:latin typeface="Arial"/>
             </a:endParaRPr>
           </a:p>
@@ -6847,17 +7427,17 @@
               <a:buChar char=""/>
             </a:pPr>
             <a:r>
-              <a:rPr b="0" lang="pt-BR" sz="2000" spc="-1" strike="noStrike" u="sng">
+              <a:rPr lang="pt-BR" sz="2000" b="0" u="sng" strike="noStrike" spc="-1">
                 <a:solidFill>
                   <a:srgbClr val="696969"/>
                 </a:solidFill>
                 <a:uFillTx/>
                 <a:latin typeface="Arial"/>
-                <a:hlinkClick r:id="rId3"/>
+                <a:hlinkClick r:id="rId5"/>
               </a:rPr>
               <a:t>https://apicesistemasdeenergia.com.br/o-que-voce-precisa-saber-sobre-a-eficiencia-energetica-do-seu-data-center/data-centers/#:~:text=Por%20esse%20motivo%2C%20a%20energia,valor%20pode%20ser%20muito%20superior</a:t>
             </a:r>
-            <a:endParaRPr b="0" lang="pt-BR" sz="2000" spc="-1" strike="noStrike">
+            <a:endParaRPr lang="pt-BR" sz="2000" b="0" strike="noStrike" spc="-1">
               <a:latin typeface="Arial"/>
             </a:endParaRPr>
           </a:p>
@@ -6870,7 +7450,7 @@
                 <a:spcPts val="400"/>
               </a:spcBef>
             </a:pPr>
-            <a:endParaRPr b="0" lang="pt-BR" sz="2000" spc="-1" strike="noStrike">
+            <a:endParaRPr lang="pt-BR" sz="2000" b="0" strike="noStrike" spc="-1">
               <a:latin typeface="Arial"/>
             </a:endParaRPr>
           </a:p>
@@ -6889,17 +7469,17 @@
               <a:buChar char=""/>
             </a:pPr>
             <a:r>
-              <a:rPr b="0" lang="pt-BR" sz="2000" spc="-1" strike="noStrike" u="sng">
+              <a:rPr lang="pt-BR" sz="2000" b="0" u="sng" strike="noStrike" spc="-1">
                 <a:solidFill>
                   <a:srgbClr val="696969"/>
                 </a:solidFill>
                 <a:uFillTx/>
                 <a:latin typeface="Arial"/>
-                <a:hlinkClick r:id="rId4"/>
+                <a:hlinkClick r:id="rId6"/>
               </a:rPr>
               <a:t>https://valorinveste.globo.com/mercados/brasil-e-politica/noticia/2019/12/27/conta-de-luz-sera-mais-cara-janeiro-de-2020-com-bandeira-tarifaria-amarela.ghtml</a:t>
             </a:r>
-            <a:endParaRPr b="0" lang="pt-BR" sz="2000" spc="-1" strike="noStrike">
+            <a:endParaRPr lang="pt-BR" sz="2000" b="0" strike="noStrike" spc="-1">
               <a:latin typeface="Arial"/>
             </a:endParaRPr>
           </a:p>
@@ -6912,7 +7492,7 @@
                 <a:spcPts val="400"/>
               </a:spcBef>
             </a:pPr>
-            <a:endParaRPr b="0" lang="pt-BR" sz="2000" spc="-1" strike="noStrike">
+            <a:endParaRPr lang="pt-BR" sz="2000" b="0" strike="noStrike" spc="-1">
               <a:latin typeface="Arial"/>
             </a:endParaRPr>
           </a:p>
@@ -6920,6 +7500,9 @@
       </p:sp>
     </p:spTree>
   </p:cSld>
+  <p:clrMapOvr>
+    <a:masterClrMapping/>
+  </p:clrMapOvr>
 </p:sld>
 </file>
 
@@ -6934,7 +7517,7 @@
         <a:sysClr val="window" lastClr="FFFFFF"/>
       </a:lt1>
       <a:dk2>
-        <a:srgbClr val="4d4d4d"/>
+        <a:srgbClr val="4D4D4D"/>
       </a:dk2>
       <a:lt2>
         <a:srgbClr val="393939"/>
@@ -6946,13 +7529,13 @@
         <a:srgbClr val="939393"/>
       </a:accent2>
       <a:accent3>
-        <a:srgbClr val="ffffff"/>
+        <a:srgbClr val="FFFFFF"/>
       </a:accent3>
       <a:accent4>
         <a:srgbClr val="404040"/>
       </a:accent4>
       <a:accent5>
-        <a:srgbClr val="c2c2c2"/>
+        <a:srgbClr val="C2C2C2"/>
       </a:accent5>
       <a:accent6>
         <a:srgbClr val="858585"/>
@@ -6961,7 +7544,7 @@
         <a:srgbClr val="696969"/>
       </a:hlink>
       <a:folHlink>
-        <a:srgbClr val="dddddd"/>
+        <a:srgbClr val="DDDDDD"/>
       </a:folHlink>
     </a:clrScheme>
     <a:fontScheme name="Office">
@@ -7143,6 +7726,8 @@
       </a:bgFillStyleLst>
     </a:fmtScheme>
   </a:themeElements>
+  <a:objectDefaults/>
+  <a:extraClrSchemeLst/>
 </a:theme>
 </file>
 
@@ -7157,7 +7742,7 @@
         <a:sysClr val="window" lastClr="FFFFFF"/>
       </a:lt1>
       <a:dk2>
-        <a:srgbClr val="4d4d4d"/>
+        <a:srgbClr val="4D4D4D"/>
       </a:dk2>
       <a:lt2>
         <a:srgbClr val="393939"/>
@@ -7169,13 +7754,13 @@
         <a:srgbClr val="939393"/>
       </a:accent2>
       <a:accent3>
-        <a:srgbClr val="ffffff"/>
+        <a:srgbClr val="FFFFFF"/>
       </a:accent3>
       <a:accent4>
         <a:srgbClr val="404040"/>
       </a:accent4>
       <a:accent5>
-        <a:srgbClr val="c2c2c2"/>
+        <a:srgbClr val="C2C2C2"/>
       </a:accent5>
       <a:accent6>
         <a:srgbClr val="858585"/>
@@ -7184,7 +7769,7 @@
         <a:srgbClr val="696969"/>
       </a:hlink>
       <a:folHlink>
-        <a:srgbClr val="dddddd"/>
+        <a:srgbClr val="DDDDDD"/>
       </a:folHlink>
     </a:clrScheme>
     <a:fontScheme name="Office">
@@ -7366,6 +7951,8 @@
       </a:bgFillStyleLst>
     </a:fmtScheme>
   </a:themeElements>
+  <a:objectDefaults/>
+  <a:extraClrSchemeLst/>
 </a:theme>
 </file>
 
@@ -7380,7 +7967,7 @@
         <a:sysClr val="window" lastClr="FFFFFF"/>
       </a:lt1>
       <a:dk2>
-        <a:srgbClr val="4d4d4d"/>
+        <a:srgbClr val="4D4D4D"/>
       </a:dk2>
       <a:lt2>
         <a:srgbClr val="393939"/>
@@ -7392,13 +7979,13 @@
         <a:srgbClr val="939393"/>
       </a:accent2>
       <a:accent3>
-        <a:srgbClr val="ffffff"/>
+        <a:srgbClr val="FFFFFF"/>
       </a:accent3>
       <a:accent4>
         <a:srgbClr val="404040"/>
       </a:accent4>
       <a:accent5>
-        <a:srgbClr val="c2c2c2"/>
+        <a:srgbClr val="C2C2C2"/>
       </a:accent5>
       <a:accent6>
         <a:srgbClr val="858585"/>
@@ -7407,7 +7994,7 @@
         <a:srgbClr val="696969"/>
       </a:hlink>
       <a:folHlink>
-        <a:srgbClr val="dddddd"/>
+        <a:srgbClr val="DDDDDD"/>
       </a:folHlink>
     </a:clrScheme>
     <a:fontScheme name="Office">
@@ -7589,5 +8176,7 @@
       </a:bgFillStyleLst>
     </a:fmtScheme>
   </a:themeElements>
+  <a:objectDefaults/>
+  <a:extraClrSchemeLst/>
 </a:theme>
 </file>
--- a/ppt/DataCenter.pptx
+++ b/ppt/DataCenter.pptx
@@ -115,6 +115,11 @@
       </a:defRPr>
     </a:lvl9pPr>
   </p:defaultTextStyle>
+  <p:extLst>
+    <p:ext uri="{EFAFB233-063F-42B5-8137-9DF3F51BA10A}">
+      <p15:sldGuideLst xmlns:p15="http://schemas.microsoft.com/office/powerpoint/2012/main"/>
+    </p:ext>
+  </p:extLst>
 </p:presentation>
 </file>
 
@@ -896,7 +901,7 @@
         <p:spPr>
           <a:xfrm>
             <a:off x="1143000" y="685800"/>
-            <a:ext cx="4571280" cy="3428280"/>
+            <a:ext cx="4572000" cy="3429000"/>
           </a:xfrm>
           <a:prstGeom prst="rect">
             <a:avLst/>
@@ -1148,7 +1153,7 @@
         <p:spPr>
           <a:xfrm>
             <a:off x="1143000" y="685800"/>
-            <a:ext cx="4571280" cy="3428280"/>
+            <a:ext cx="4572000" cy="3429000"/>
           </a:xfrm>
           <a:prstGeom prst="rect">
             <a:avLst/>
@@ -5534,8 +5539,8 @@
         </p:nvSpPr>
         <p:spPr>
           <a:xfrm>
-            <a:off x="2363373" y="3069000"/>
-            <a:ext cx="1519311" cy="1600438"/>
+            <a:off x="2363373" y="3097136"/>
+            <a:ext cx="1744393" cy="1292662"/>
           </a:xfrm>
           <a:prstGeom prst="rect">
             <a:avLst/>
@@ -6329,7 +6334,7 @@
                 <a:spcPts val="400"/>
               </a:spcBef>
             </a:pPr>
-            <a:endParaRPr lang="pt-BR" sz="1800" b="0" strike="noStrike" spc="-1">
+            <a:endParaRPr lang="pt-BR" sz="1800" b="0" strike="noStrike" spc="-1" dirty="0">
               <a:latin typeface="Arial"/>
             </a:endParaRPr>
           </a:p>
@@ -6348,16 +6353,16 @@
               <a:buChar char=""/>
             </a:pPr>
             <a:r>
-              <a:rPr lang="pt-BR" sz="2000" b="0" strike="noStrike" spc="-1">
+              <a:rPr lang="pt-BR" sz="2000" b="0" strike="noStrike" spc="-1" dirty="0">
                 <a:solidFill>
                   <a:srgbClr val="FFFFFF"/>
                 </a:solidFill>
                 <a:latin typeface="Calibri"/>
                 <a:ea typeface="굴림"/>
               </a:rPr>
-              <a:t>Um estudo informa que os servidores de um Data Center gastam, em média, 850 watts por hora. Multiplicado por 24 horas equivale a 20.400 Watts diários, ou 20.4 kilowatts (kWh). Multiplique isso por 30 dias para chegar a 612 kWh mensais. Sabendo-se que um kwh  é igual a R$ 0,80 em tarifa comercial na região de São Paulo o valor de uma conta seria de R$ 489,60.</a:t>
+              <a:t>Um estudo informa que os servidores de um Data Center gastam, em média, 850 watts por hora. Em um dia se consome 20.4 kilowatt/hora (kWh). Multiplique isso por 30 dias para chegar a 612 kWh mensais. Sabendo-se que um kwh  é igual a R$ 0,80 em tarifa comercial na região de São Paulo o valor de uma conta seria de R$ 489,60.</a:t>
             </a:r>
-            <a:endParaRPr lang="pt-BR" sz="2000" b="0" strike="noStrike" spc="-1">
+            <a:endParaRPr lang="pt-BR" sz="2000" b="0" strike="noStrike" spc="-1" dirty="0">
               <a:latin typeface="Arial"/>
             </a:endParaRPr>
           </a:p>
@@ -6370,7 +6375,7 @@
                 <a:spcPts val="400"/>
               </a:spcBef>
             </a:pPr>
-            <a:endParaRPr lang="pt-BR" sz="2000" b="0" strike="noStrike" spc="-1">
+            <a:endParaRPr lang="pt-BR" sz="2000" b="0" strike="noStrike" spc="-1" dirty="0">
               <a:latin typeface="Arial"/>
             </a:endParaRPr>
           </a:p>
@@ -6389,7 +6394,7 @@
               <a:buChar char=""/>
             </a:pPr>
             <a:r>
-              <a:rPr lang="pt-BR" sz="2000" b="0" strike="noStrike" spc="-1">
+              <a:rPr lang="pt-BR" sz="2000" b="0" strike="noStrike" spc="-1" dirty="0">
                 <a:solidFill>
                   <a:srgbClr val="FFFFFF"/>
                 </a:solidFill>
@@ -6398,7 +6403,7 @@
               </a:rPr>
               <a:t> Um aparelho de ar condicionado com uma potência de 1.580 Watts hora (a potência média de referência) multiplicado por 24 equivale a 37.920 watts diários, ou 37.9 kilowatts (kWh). Multiplique isso por 30 dias para chegar a 1137 kWh mensais o total seria de R$ 909,60 por mês. </a:t>
             </a:r>
-            <a:endParaRPr lang="pt-BR" sz="2000" b="0" strike="noStrike" spc="-1">
+            <a:endParaRPr lang="pt-BR" sz="2000" b="0" strike="noStrike" spc="-1" dirty="0">
               <a:latin typeface="Arial"/>
             </a:endParaRPr>
           </a:p>
@@ -6411,7 +6416,7 @@
                 <a:spcPts val="400"/>
               </a:spcBef>
             </a:pPr>
-            <a:endParaRPr lang="pt-BR" sz="2000" b="0" strike="noStrike" spc="-1">
+            <a:endParaRPr lang="pt-BR" sz="2000" b="0" strike="noStrike" spc="-1" dirty="0">
               <a:latin typeface="Arial"/>
             </a:endParaRPr>
           </a:p>
@@ -6430,7 +6435,7 @@
               <a:buChar char=""/>
             </a:pPr>
             <a:r>
-              <a:rPr lang="pt-BR" sz="2000" b="0" strike="noStrike" spc="-1">
+              <a:rPr lang="pt-BR" sz="2000" b="0" strike="noStrike" spc="-1" dirty="0">
                 <a:solidFill>
                   <a:srgbClr val="FFFFFF"/>
                 </a:solidFill>
@@ -6439,7 +6444,7 @@
               </a:rPr>
               <a:t>Então ao todo apenas na região onde está o data Center (considerando apenas o data Center e o ar condicionado) seria um total de aproximadamente R$ 1400,00.</a:t>
             </a:r>
-            <a:endParaRPr lang="pt-BR" sz="2000" b="0" strike="noStrike" spc="-1">
+            <a:endParaRPr lang="pt-BR" sz="2000" b="0" strike="noStrike" spc="-1" dirty="0">
               <a:latin typeface="Arial"/>
             </a:endParaRPr>
           </a:p>
@@ -6707,7 +6712,7 @@
                 <a:latin typeface="Calibri"/>
                 <a:ea typeface="Calibri"/>
               </a:rPr>
-              <a:t>Aumentar a eficiência dos ventiladores </a:t>
+              <a:t>Aumentar a eficiência dos ventiladores</a:t>
             </a:r>
             <a:r>
               <a:rPr lang="pt-BR" sz="2000" b="0" strike="noStrike" spc="-1" dirty="0">
@@ -6717,7 +6722,7 @@
                 <a:latin typeface="Calibri"/>
                 <a:ea typeface="Times New Roman"/>
               </a:rPr>
-              <a:t>dores de Precisão: </a:t>
+              <a:t> de Precisão: </a:t>
             </a:r>
             <a:r>
               <a:rPr lang="pt-BR" sz="1800" b="0" strike="noStrike" spc="-1" dirty="0">
@@ -6727,7 +6732,7 @@
                 <a:latin typeface="Calibri"/>
                 <a:ea typeface="Times New Roman"/>
               </a:rPr>
-              <a:t>mantêm a umidade e o resfriamento necessário por metro </a:t>
+              <a:t>mantêm a umidade e o resfriamento necessário por metro, </a:t>
             </a:r>
             <a:r>
               <a:rPr lang="pt-BR" sz="2000" b="0" strike="noStrike" spc="-1" dirty="0">
@@ -6737,7 +6742,7 @@
                 <a:latin typeface="Calibri"/>
                 <a:ea typeface="Calibri"/>
               </a:rPr>
-              <a:t>acrescentando uma frequência variável para os mesmos diminuindo sua velocidade e no uso de energia. </a:t>
+              <a:t>acrescentando uma frequência variável para os mesmos, diminuindo sua velocidade e o uso de energia. </a:t>
             </a:r>
             <a:endParaRPr lang="pt-BR" sz="2000" b="0" strike="noStrike" spc="-1" dirty="0">
               <a:latin typeface="Arial"/>
@@ -6927,7 +6932,7 @@
                 <a:spcPts val="479"/>
               </a:spcBef>
             </a:pPr>
-            <a:endParaRPr lang="pt-BR" sz="1800" b="0" strike="noStrike" spc="-1">
+            <a:endParaRPr lang="pt-BR" sz="1800" b="0" strike="noStrike" spc="-1" dirty="0">
               <a:latin typeface="Arial"/>
             </a:endParaRPr>
           </a:p>
@@ -6946,7 +6951,7 @@
               <a:buChar char=""/>
             </a:pPr>
             <a:r>
-              <a:rPr lang="pt-BR" sz="2000" b="0" u="sng" strike="noStrike" spc="-1">
+              <a:rPr lang="pt-BR" sz="2000" b="0" u="sng" strike="noStrike" spc="-1" dirty="0">
                 <a:solidFill>
                   <a:srgbClr val="FFFFFF"/>
                 </a:solidFill>
@@ -6956,7 +6961,7 @@
               </a:rPr>
               <a:t>Ideia</a:t>
             </a:r>
-            <a:endParaRPr lang="pt-BR" sz="2000" b="0" strike="noStrike" spc="-1">
+            <a:endParaRPr lang="pt-BR" sz="2000" b="0" strike="noStrike" spc="-1" dirty="0">
               <a:latin typeface="Arial"/>
             </a:endParaRPr>
           </a:p>
@@ -6970,16 +6975,56 @@
               </a:spcBef>
             </a:pPr>
             <a:r>
-              <a:rPr lang="pt-BR" sz="2000" b="0" strike="noStrike" spc="-1">
+              <a:rPr lang="pt-BR" sz="2000" b="0" strike="noStrike" spc="-1" dirty="0">
                 <a:solidFill>
                   <a:srgbClr val="FFFFFF"/>
                 </a:solidFill>
                 <a:latin typeface="Calibri"/>
                 <a:ea typeface="굴림"/>
               </a:rPr>
-              <a:t>O nosso projeto será baseado em uma API que monitore e controle equipamentos de refrigeração e umidificação (ligue e deligue os equipamentos mantendo a temperatura e umidade ideal), faça armazenamento de dados e quando necessário crie e envie alertas para os usuários responsáveis.</a:t>
+              <a:t>O nosso projeto será baseado em uma API que monitore </a:t>
             </a:r>
-            <a:endParaRPr lang="pt-BR" sz="2000" b="0" strike="noStrike" spc="-1">
+            <a:r>
+              <a:rPr lang="pt-BR" sz="2000" spc="-1" dirty="0">
+                <a:solidFill>
+                  <a:srgbClr val="FFFFFF"/>
+                </a:solidFill>
+                <a:latin typeface="Calibri"/>
+                <a:ea typeface="굴림"/>
+              </a:rPr>
+              <a:t> os </a:t>
+            </a:r>
+            <a:r>
+              <a:rPr lang="pt-BR" sz="2000" b="0" strike="noStrike" spc="-1" dirty="0">
+                <a:solidFill>
+                  <a:srgbClr val="FFFFFF"/>
+                </a:solidFill>
+                <a:latin typeface="Calibri"/>
+                <a:ea typeface="굴림"/>
+              </a:rPr>
+              <a:t>equipamentos de refrigeração e umidificação (</a:t>
+            </a:r>
+            <a:r>
+              <a:rPr lang="pt-BR" sz="2000" spc="-1" dirty="0">
+                <a:solidFill>
+                  <a:srgbClr val="FFFFFF"/>
+                </a:solidFill>
+                <a:latin typeface="Calibri"/>
+                <a:ea typeface="굴림"/>
+              </a:rPr>
+              <a:t>controlando</a:t>
+            </a:r>
+            <a:r>
+              <a:rPr lang="pt-BR" sz="2000" b="0" strike="noStrike" spc="-1" dirty="0">
+                <a:solidFill>
+                  <a:srgbClr val="FFFFFF"/>
+                </a:solidFill>
+                <a:latin typeface="Calibri"/>
+                <a:ea typeface="굴림"/>
+              </a:rPr>
+              <a:t> os equipamentos mantendo a temperatura e umidade ideal), faça armazenamento de dados e quando necessário crie e envie alertas para os usuários responsáveis.</a:t>
+            </a:r>
+            <a:endParaRPr lang="pt-BR" sz="2000" b="0" strike="noStrike" spc="-1" dirty="0">
               <a:latin typeface="Arial"/>
             </a:endParaRPr>
           </a:p>
@@ -6992,7 +7037,7 @@
                 <a:spcPts val="400"/>
               </a:spcBef>
             </a:pPr>
-            <a:endParaRPr lang="pt-BR" sz="2000" b="0" strike="noStrike" spc="-1">
+            <a:endParaRPr lang="pt-BR" sz="2000" b="0" strike="noStrike" spc="-1" dirty="0">
               <a:latin typeface="Arial"/>
             </a:endParaRPr>
           </a:p>
@@ -7011,7 +7056,7 @@
               <a:buChar char=""/>
             </a:pPr>
             <a:r>
-              <a:rPr lang="pt-BR" sz="2000" b="0" u="sng" strike="noStrike" spc="-1">
+              <a:rPr lang="pt-BR" sz="2000" b="0" u="sng" strike="noStrike" spc="-1" dirty="0">
                 <a:solidFill>
                   <a:srgbClr val="FFFFFF"/>
                 </a:solidFill>
@@ -7021,7 +7066,7 @@
               </a:rPr>
               <a:t>Nosso projeto x mercado atual</a:t>
             </a:r>
-            <a:endParaRPr lang="pt-BR" sz="2000" b="0" strike="noStrike" spc="-1">
+            <a:endParaRPr lang="pt-BR" sz="2000" b="0" strike="noStrike" spc="-1" dirty="0">
               <a:latin typeface="Arial"/>
             </a:endParaRPr>
           </a:p>
@@ -7035,16 +7080,16 @@
               </a:spcBef>
             </a:pPr>
             <a:r>
-              <a:rPr lang="pt-BR" sz="2000" b="0" strike="noStrike" spc="-1">
+              <a:rPr lang="pt-BR" sz="2000" b="0" strike="noStrike" spc="-1" dirty="0">
                 <a:solidFill>
                   <a:srgbClr val="FFFFFF"/>
                 </a:solidFill>
                 <a:latin typeface="Calibri"/>
                 <a:ea typeface="굴림"/>
               </a:rPr>
-              <a:t>O que nos diferencia das APIS que já estão no mercado é que com a atualização real time, teremos maior confiabilidade nos resultados e na manutenção, pois ainda fazem manualmente e esses relatórios não são confiáveis.Desenvolvendo assim a tecnologia e a automação do monitoramento e controle de temperatura e umidade, para melhor eficiência energética que acabará ocasionado em uma grande economia no custo da energia elétrica pois os aparelhos estarão programados para ligarem apenas quando necessário. </a:t>
+              <a:t>O que nos diferencia das APIS que já estão no mercado é que com a atualização real time, teremos maior confiabilidade nos resultados e na manutenção, pois ainda fazem manualmente e esses relatórios não são confiáveis. Desenvolvendo assim a tecnologia e a automação do monitoramento e controle de temperatura e umidade, para melhor eficiência energética que acabará ocasionado em uma grande economia no custo da energia elétrica pois os aparelhos estarão programados para ligarem apenas quando necessário. </a:t>
             </a:r>
-            <a:endParaRPr lang="pt-BR" sz="2000" b="0" strike="noStrike" spc="-1">
+            <a:endParaRPr lang="pt-BR" sz="2000" b="0" strike="noStrike" spc="-1" dirty="0">
               <a:latin typeface="Arial"/>
             </a:endParaRPr>
           </a:p>
@@ -7057,7 +7102,7 @@
                 <a:spcPts val="561"/>
               </a:spcBef>
             </a:pPr>
-            <a:endParaRPr lang="pt-BR" sz="2000" b="0" strike="noStrike" spc="-1">
+            <a:endParaRPr lang="pt-BR" sz="2000" b="0" strike="noStrike" spc="-1" dirty="0">
               <a:latin typeface="Arial"/>
             </a:endParaRPr>
           </a:p>
@@ -7070,7 +7115,7 @@
                 <a:spcPts val="561"/>
               </a:spcBef>
             </a:pPr>
-            <a:endParaRPr lang="pt-BR" sz="2000" b="0" strike="noStrike" spc="-1">
+            <a:endParaRPr lang="pt-BR" sz="2000" b="0" strike="noStrike" spc="-1" dirty="0">
               <a:latin typeface="Arial"/>
             </a:endParaRPr>
           </a:p>

--- a/ppt/DataCenter.pptx
+++ b/ppt/DataCenter.pptx
@@ -6623,16 +6623,6 @@
               <a:buChar char=""/>
             </a:pPr>
             <a:r>
-              <a:rPr lang="pt-BR" sz="2000" b="0" strike="noStrike" spc="-1" dirty="0" err="1">
-                <a:solidFill>
-                  <a:srgbClr val="FFFFFF"/>
-                </a:solidFill>
-                <a:latin typeface="Calibri"/>
-                <a:ea typeface="Times New Roman"/>
-              </a:rPr>
-              <a:t>Climatizadores</a:t>
-            </a:r>
-            <a:r>
               <a:rPr lang="pt-BR" sz="2000" b="0" strike="noStrike" spc="-1" dirty="0">
                 <a:solidFill>
                   <a:srgbClr val="FFFFFF"/>
@@ -6640,7 +6630,7 @@
                 <a:latin typeface="Calibri"/>
                 <a:ea typeface="Times New Roman"/>
               </a:rPr>
-              <a:t> controlados vinte e quatro horas por dia, todos os dias da semana. Esse processo é fundamental para garantir o alto desempenho da Infraestrutura de TI sem forçar as máquinas com temperaturas tão altas.</a:t>
+              <a:t>Climatizadores controlados vinte e quatro horas por dia, todos os dias da semana. Esse processo é fundamental para garantir o alto desempenho da Infraestrutura de TI sem forçar as máquinas com temperaturas tão altas.</a:t>
             </a:r>
             <a:endParaRPr lang="pt-BR" sz="2000" b="0" strike="noStrike" spc="-1" dirty="0">
               <a:latin typeface="Arial"/>
